--- a/slides/Ch16_mixANOVA.pptx
+++ b/slides/Ch16_mixANOVA.pptx
@@ -3792,6 +3792,17 @@
               </a:rPr>
               <a:t>(Two-Way) </a:t>
             </a:r>
+            <a:r>
+              <a:rPr lang="en-US" altLang="en-US" sz="8800" dirty="0">
+                <a:solidFill>
+                  <a:schemeClr val="bg1">
+                    <a:lumMod val="95000"/>
+                  </a:schemeClr>
+                </a:solidFill>
+                <a:ea typeface="ＭＳ Ｐゴシック" panose="020B0600070205080204" pitchFamily="34" charset="-128"/>
+              </a:rPr>
+              <a:t/>
+            </a:r>
             <a:br>
               <a:rPr lang="en-US" altLang="en-US" sz="8800" dirty="0">
                 <a:solidFill>
@@ -3913,6 +3924,13 @@
   <p:clrMapOvr>
     <a:masterClrMapping/>
   </p:clrMapOvr>
+  <p:timing>
+    <p:tnLst>
+      <p:par>
+        <p:cTn id="1" dur="indefinite" restart="never" nodeType="tmRoot"/>
+      </p:par>
+    </p:tnLst>
+  </p:timing>
 </p:sld>
 </file>
 
@@ -3951,8 +3969,8 @@
         </p:nvSpPr>
         <p:spPr bwMode="auto">
           <a:xfrm>
-            <a:off x="609600" y="1600200"/>
-            <a:ext cx="10896600" cy="3139321"/>
+            <a:off x="685800" y="914400"/>
+            <a:ext cx="10896600" cy="4616648"/>
           </a:xfrm>
           <a:prstGeom prst="rect">
             <a:avLst/>
@@ -4107,7 +4125,81 @@
                 </a:solidFill>
                 <a:latin typeface="Georgia Regular" panose="02040502050405020303" pitchFamily="18" charset="0"/>
               </a:rPr>
-              <a:t>“There are only two mistakes one can make along the road to truth; not going all the way, and not starting.”</a:t>
+              <a:t>“There are only two mistakes one can make along the road to truth; </a:t>
+            </a:r>
+            <a:endParaRPr lang="en-US" altLang="en-US" sz="4800" dirty="0" smtClean="0">
+              <a:solidFill>
+                <a:schemeClr val="bg1">
+                  <a:lumMod val="95000"/>
+                </a:schemeClr>
+              </a:solidFill>
+              <a:latin typeface="Georgia Regular" panose="02040502050405020303" pitchFamily="18" charset="0"/>
+            </a:endParaRPr>
+          </a:p>
+          <a:p>
+            <a:pPr algn="ctr" eaLnBrk="1" hangingPunct="1">
+              <a:spcBef>
+                <a:spcPct val="50000"/>
+              </a:spcBef>
+            </a:pPr>
+            <a:r>
+              <a:rPr lang="en-US" altLang="en-US" sz="4800" dirty="0" smtClean="0">
+                <a:solidFill>
+                  <a:schemeClr val="bg1">
+                    <a:lumMod val="95000"/>
+                  </a:schemeClr>
+                </a:solidFill>
+                <a:latin typeface="Georgia Regular" panose="02040502050405020303" pitchFamily="18" charset="0"/>
+              </a:rPr>
+              <a:t>not </a:t>
+            </a:r>
+            <a:r>
+              <a:rPr lang="en-US" altLang="en-US" sz="4800" dirty="0">
+                <a:solidFill>
+                  <a:schemeClr val="bg1">
+                    <a:lumMod val="95000"/>
+                  </a:schemeClr>
+                </a:solidFill>
+                <a:latin typeface="Georgia Regular" panose="02040502050405020303" pitchFamily="18" charset="0"/>
+              </a:rPr>
+              <a:t>going all the way, </a:t>
+            </a:r>
+            <a:endParaRPr lang="en-US" altLang="en-US" sz="4800" dirty="0" smtClean="0">
+              <a:solidFill>
+                <a:schemeClr val="bg1">
+                  <a:lumMod val="95000"/>
+                </a:schemeClr>
+              </a:solidFill>
+              <a:latin typeface="Georgia Regular" panose="02040502050405020303" pitchFamily="18" charset="0"/>
+            </a:endParaRPr>
+          </a:p>
+          <a:p>
+            <a:pPr algn="ctr" eaLnBrk="1" hangingPunct="1">
+              <a:spcBef>
+                <a:spcPct val="50000"/>
+              </a:spcBef>
+            </a:pPr>
+            <a:r>
+              <a:rPr lang="en-US" altLang="en-US" sz="4800" dirty="0" smtClean="0">
+                <a:solidFill>
+                  <a:schemeClr val="bg1">
+                    <a:lumMod val="95000"/>
+                  </a:schemeClr>
+                </a:solidFill>
+                <a:latin typeface="Georgia Regular" panose="02040502050405020303" pitchFamily="18" charset="0"/>
+              </a:rPr>
+              <a:t>and </a:t>
+            </a:r>
+            <a:r>
+              <a:rPr lang="en-US" altLang="en-US" sz="4800" dirty="0">
+                <a:solidFill>
+                  <a:schemeClr val="bg1">
+                    <a:lumMod val="95000"/>
+                  </a:schemeClr>
+                </a:solidFill>
+                <a:latin typeface="Georgia Regular" panose="02040502050405020303" pitchFamily="18" charset="0"/>
+              </a:rPr>
+              <a:t>not starting.”</a:t>
             </a:r>
           </a:p>
           <a:p>
@@ -4135,6 +4227,13 @@
   <p:clrMapOvr>
     <a:masterClrMapping/>
   </p:clrMapOvr>
+  <p:timing>
+    <p:tnLst>
+      <p:par>
+        <p:cTn id="1" dur="indefinite" restart="never" nodeType="tmRoot"/>
+      </p:par>
+    </p:tnLst>
+  </p:timing>
 </p:sld>
 </file>
 
@@ -6869,6 +6968,13 @@
   <p:clrMapOvr>
     <a:masterClrMapping/>
   </p:clrMapOvr>
+  <p:timing>
+    <p:tnLst>
+      <p:par>
+        <p:cTn id="1" dur="indefinite" restart="never" nodeType="tmRoot"/>
+      </p:par>
+    </p:tnLst>
+  </p:timing>
 </p:sld>
 </file>
 
@@ -10735,6 +10841,13 @@
   <p:clrMapOvr>
     <a:masterClrMapping/>
   </p:clrMapOvr>
+  <p:timing>
+    <p:tnLst>
+      <p:par>
+        <p:cTn id="1" dur="indefinite" restart="never" nodeType="tmRoot"/>
+      </p:par>
+    </p:tnLst>
+  </p:timing>
 </p:sld>
 </file>
 
@@ -11206,13 +11319,56 @@
             <p:ph idx="1"/>
           </p:nvPr>
         </p:nvSpPr>
-        <p:spPr/>
-        <p:txBody>
-          <a:bodyPr/>
+        <p:spPr>
+          <a:xfrm>
+            <a:off x="381000" y="1447800"/>
+            <a:ext cx="11506200" cy="4729163"/>
+          </a:xfrm>
+        </p:spPr>
+        <p:txBody>
+          <a:bodyPr>
+            <a:normAutofit fontScale="92500" lnSpcReduction="10000"/>
+          </a:bodyPr>
           <a:lstStyle/>
           <a:p>
             <a:r>
-              <a:rPr lang="en-US" dirty="0">
+              <a:rPr lang="en-US" dirty="0" smtClean="0">
+                <a:solidFill>
+                  <a:srgbClr val="7030A0"/>
+                </a:solidFill>
+              </a:rPr>
+              <a:t>Independence</a:t>
+            </a:r>
+          </a:p>
+          <a:p>
+            <a:pPr lvl="1"/>
+            <a:r>
+              <a:rPr lang="en-US" dirty="0" smtClean="0"/>
+              <a:t>SUBJECTS are independent of each other </a:t>
+            </a:r>
+          </a:p>
+          <a:p>
+            <a:r>
+              <a:rPr lang="en-US" dirty="0" smtClean="0">
+                <a:solidFill>
+                  <a:schemeClr val="accent5">
+                    <a:lumMod val="75000"/>
+                  </a:schemeClr>
+                </a:solidFill>
+              </a:rPr>
+              <a:t>Equal Spacing</a:t>
+            </a:r>
+          </a:p>
+          <a:p>
+            <a:pPr lvl="1"/>
+            <a:r>
+              <a:rPr lang="en-US" dirty="0" smtClean="0"/>
+              <a:t>If the repeated measures is time</a:t>
+            </a:r>
+          </a:p>
+          <a:p>
+            <a:r>
+              <a:rPr lang="en-US" dirty="0" smtClean="0">
                 <a:solidFill>
                   <a:schemeClr val="accent2">
                     <a:lumMod val="75000"/>
@@ -11225,8 +11381,20 @@
           <a:p>
             <a:pPr lvl="1"/>
             <a:r>
+              <a:rPr lang="en-US" dirty="0" smtClean="0"/>
+              <a:t>OUTCOMES (dependent variable) </a:t>
+            </a:r>
+            <a:r>
               <a:rPr lang="en-US" dirty="0"/>
-              <a:t>Scores for each condition should be sampled from a normally distributed population</a:t>
+              <a:t>for each </a:t>
+            </a:r>
+            <a:r>
+              <a:rPr lang="en-US" dirty="0" smtClean="0"/>
+              <a:t>condition combination </a:t>
+            </a:r>
+            <a:r>
+              <a:rPr lang="en-US" dirty="0"/>
+              <a:t>should be sampled from a normally distributed population</a:t>
             </a:r>
           </a:p>
           <a:p>
@@ -11243,7 +11411,15 @@
             <a:pPr lvl="1"/>
             <a:r>
               <a:rPr lang="en-US" dirty="0"/>
-              <a:t>Each population should have the same error variance</a:t>
+              <a:t>Each </a:t>
+            </a:r>
+            <a:r>
+              <a:rPr lang="en-US" dirty="0" smtClean="0"/>
+              <a:t>population (condition combination) </a:t>
+            </a:r>
+            <a:r>
+              <a:rPr lang="en-US" dirty="0"/>
+              <a:t>should have the same error variance</a:t>
             </a:r>
           </a:p>
           <a:p>
@@ -11265,7 +11441,15 @@
             <a:pPr lvl="1"/>
             <a:r>
               <a:rPr lang="en-US" dirty="0"/>
-              <a:t>Same as before (essentially all individuals have similar patterns of change across conditions/time) but after accounting for any between-subjects factors</a:t>
+              <a:t>Same as before (essentially all individuals have </a:t>
+            </a:r>
+            <a:r>
+              <a:rPr lang="en-US" b="1" dirty="0"/>
+              <a:t>similar patterns </a:t>
+            </a:r>
+            <a:r>
+              <a:rPr lang="en-US" dirty="0"/>
+              <a:t>of change across conditions/time) but after accounting for any between-subjects factors</a:t>
             </a:r>
           </a:p>
           <a:p>
@@ -11351,6 +11535,452 @@
   <p:clrMapOvr>
     <a:masterClrMapping/>
   </p:clrMapOvr>
+  <p:timing>
+    <p:tnLst>
+      <p:par>
+        <p:cTn id="1" dur="indefinite" restart="never" nodeType="tmRoot">
+          <p:childTnLst>
+            <p:seq concurrent="1" nextAc="seek">
+              <p:cTn id="2" dur="indefinite" nodeType="mainSeq">
+                <p:childTnLst>
+                  <p:par>
+                    <p:cTn id="3" fill="hold">
+                      <p:stCondLst>
+                        <p:cond delay="indefinite"/>
+                      </p:stCondLst>
+                      <p:childTnLst>
+                        <p:par>
+                          <p:cTn id="4" fill="hold">
+                            <p:stCondLst>
+                              <p:cond delay="0"/>
+                            </p:stCondLst>
+                            <p:childTnLst>
+                              <p:par>
+                                <p:cTn id="5" presetID="10" presetClass="entr" presetSubtype="0" fill="hold" nodeType="clickEffect">
+                                  <p:stCondLst>
+                                    <p:cond delay="0"/>
+                                  </p:stCondLst>
+                                  <p:childTnLst>
+                                    <p:set>
+                                      <p:cBhvr>
+                                        <p:cTn id="6" dur="1" fill="hold">
+                                          <p:stCondLst>
+                                            <p:cond delay="0"/>
+                                          </p:stCondLst>
+                                        </p:cTn>
+                                        <p:tgtEl>
+                                          <p:spTgt spid="3">
+                                            <p:txEl>
+                                              <p:pRg st="2" end="2"/>
+                                            </p:txEl>
+                                          </p:spTgt>
+                                        </p:tgtEl>
+                                        <p:attrNameLst>
+                                          <p:attrName>style.visibility</p:attrName>
+                                        </p:attrNameLst>
+                                      </p:cBhvr>
+                                      <p:to>
+                                        <p:strVal val="visible"/>
+                                      </p:to>
+                                    </p:set>
+                                    <p:animEffect transition="in" filter="fade">
+                                      <p:cBhvr>
+                                        <p:cTn id="7" dur="500"/>
+                                        <p:tgtEl>
+                                          <p:spTgt spid="3">
+                                            <p:txEl>
+                                              <p:pRg st="2" end="2"/>
+                                            </p:txEl>
+                                          </p:spTgt>
+                                        </p:tgtEl>
+                                      </p:cBhvr>
+                                    </p:animEffect>
+                                  </p:childTnLst>
+                                </p:cTn>
+                              </p:par>
+                              <p:par>
+                                <p:cTn id="8" presetID="10" presetClass="entr" presetSubtype="0" fill="hold" nodeType="withEffect">
+                                  <p:stCondLst>
+                                    <p:cond delay="0"/>
+                                  </p:stCondLst>
+                                  <p:childTnLst>
+                                    <p:set>
+                                      <p:cBhvr>
+                                        <p:cTn id="9" dur="1" fill="hold">
+                                          <p:stCondLst>
+                                            <p:cond delay="0"/>
+                                          </p:stCondLst>
+                                        </p:cTn>
+                                        <p:tgtEl>
+                                          <p:spTgt spid="3">
+                                            <p:txEl>
+                                              <p:pRg st="3" end="3"/>
+                                            </p:txEl>
+                                          </p:spTgt>
+                                        </p:tgtEl>
+                                        <p:attrNameLst>
+                                          <p:attrName>style.visibility</p:attrName>
+                                        </p:attrNameLst>
+                                      </p:cBhvr>
+                                      <p:to>
+                                        <p:strVal val="visible"/>
+                                      </p:to>
+                                    </p:set>
+                                    <p:animEffect transition="in" filter="fade">
+                                      <p:cBhvr>
+                                        <p:cTn id="10" dur="500"/>
+                                        <p:tgtEl>
+                                          <p:spTgt spid="3">
+                                            <p:txEl>
+                                              <p:pRg st="3" end="3"/>
+                                            </p:txEl>
+                                          </p:spTgt>
+                                        </p:tgtEl>
+                                      </p:cBhvr>
+                                    </p:animEffect>
+                                  </p:childTnLst>
+                                </p:cTn>
+                              </p:par>
+                            </p:childTnLst>
+                          </p:cTn>
+                        </p:par>
+                      </p:childTnLst>
+                    </p:cTn>
+                  </p:par>
+                  <p:par>
+                    <p:cTn id="11" fill="hold">
+                      <p:stCondLst>
+                        <p:cond delay="indefinite"/>
+                      </p:stCondLst>
+                      <p:childTnLst>
+                        <p:par>
+                          <p:cTn id="12" fill="hold">
+                            <p:stCondLst>
+                              <p:cond delay="0"/>
+                            </p:stCondLst>
+                            <p:childTnLst>
+                              <p:par>
+                                <p:cTn id="13" presetID="10" presetClass="entr" presetSubtype="0" fill="hold" nodeType="clickEffect">
+                                  <p:stCondLst>
+                                    <p:cond delay="0"/>
+                                  </p:stCondLst>
+                                  <p:childTnLst>
+                                    <p:set>
+                                      <p:cBhvr>
+                                        <p:cTn id="14" dur="1" fill="hold">
+                                          <p:stCondLst>
+                                            <p:cond delay="0"/>
+                                          </p:stCondLst>
+                                        </p:cTn>
+                                        <p:tgtEl>
+                                          <p:spTgt spid="3">
+                                            <p:txEl>
+                                              <p:pRg st="4" end="4"/>
+                                            </p:txEl>
+                                          </p:spTgt>
+                                        </p:tgtEl>
+                                        <p:attrNameLst>
+                                          <p:attrName>style.visibility</p:attrName>
+                                        </p:attrNameLst>
+                                      </p:cBhvr>
+                                      <p:to>
+                                        <p:strVal val="visible"/>
+                                      </p:to>
+                                    </p:set>
+                                    <p:animEffect transition="in" filter="fade">
+                                      <p:cBhvr>
+                                        <p:cTn id="15" dur="500"/>
+                                        <p:tgtEl>
+                                          <p:spTgt spid="3">
+                                            <p:txEl>
+                                              <p:pRg st="4" end="4"/>
+                                            </p:txEl>
+                                          </p:spTgt>
+                                        </p:tgtEl>
+                                      </p:cBhvr>
+                                    </p:animEffect>
+                                  </p:childTnLst>
+                                </p:cTn>
+                              </p:par>
+                              <p:par>
+                                <p:cTn id="16" presetID="10" presetClass="entr" presetSubtype="0" fill="hold" nodeType="withEffect">
+                                  <p:stCondLst>
+                                    <p:cond delay="0"/>
+                                  </p:stCondLst>
+                                  <p:childTnLst>
+                                    <p:set>
+                                      <p:cBhvr>
+                                        <p:cTn id="17" dur="1" fill="hold">
+                                          <p:stCondLst>
+                                            <p:cond delay="0"/>
+                                          </p:stCondLst>
+                                        </p:cTn>
+                                        <p:tgtEl>
+                                          <p:spTgt spid="3">
+                                            <p:txEl>
+                                              <p:pRg st="5" end="5"/>
+                                            </p:txEl>
+                                          </p:spTgt>
+                                        </p:tgtEl>
+                                        <p:attrNameLst>
+                                          <p:attrName>style.visibility</p:attrName>
+                                        </p:attrNameLst>
+                                      </p:cBhvr>
+                                      <p:to>
+                                        <p:strVal val="visible"/>
+                                      </p:to>
+                                    </p:set>
+                                    <p:animEffect transition="in" filter="fade">
+                                      <p:cBhvr>
+                                        <p:cTn id="18" dur="500"/>
+                                        <p:tgtEl>
+                                          <p:spTgt spid="3">
+                                            <p:txEl>
+                                              <p:pRg st="5" end="5"/>
+                                            </p:txEl>
+                                          </p:spTgt>
+                                        </p:tgtEl>
+                                      </p:cBhvr>
+                                    </p:animEffect>
+                                  </p:childTnLst>
+                                </p:cTn>
+                              </p:par>
+                            </p:childTnLst>
+                          </p:cTn>
+                        </p:par>
+                      </p:childTnLst>
+                    </p:cTn>
+                  </p:par>
+                  <p:par>
+                    <p:cTn id="19" fill="hold">
+                      <p:stCondLst>
+                        <p:cond delay="indefinite"/>
+                      </p:stCondLst>
+                      <p:childTnLst>
+                        <p:par>
+                          <p:cTn id="20" fill="hold">
+                            <p:stCondLst>
+                              <p:cond delay="0"/>
+                            </p:stCondLst>
+                            <p:childTnLst>
+                              <p:par>
+                                <p:cTn id="21" presetID="10" presetClass="entr" presetSubtype="0" fill="hold" nodeType="clickEffect">
+                                  <p:stCondLst>
+                                    <p:cond delay="0"/>
+                                  </p:stCondLst>
+                                  <p:childTnLst>
+                                    <p:set>
+                                      <p:cBhvr>
+                                        <p:cTn id="22" dur="1" fill="hold">
+                                          <p:stCondLst>
+                                            <p:cond delay="0"/>
+                                          </p:stCondLst>
+                                        </p:cTn>
+                                        <p:tgtEl>
+                                          <p:spTgt spid="3">
+                                            <p:txEl>
+                                              <p:pRg st="6" end="6"/>
+                                            </p:txEl>
+                                          </p:spTgt>
+                                        </p:tgtEl>
+                                        <p:attrNameLst>
+                                          <p:attrName>style.visibility</p:attrName>
+                                        </p:attrNameLst>
+                                      </p:cBhvr>
+                                      <p:to>
+                                        <p:strVal val="visible"/>
+                                      </p:to>
+                                    </p:set>
+                                    <p:animEffect transition="in" filter="fade">
+                                      <p:cBhvr>
+                                        <p:cTn id="23" dur="500"/>
+                                        <p:tgtEl>
+                                          <p:spTgt spid="3">
+                                            <p:txEl>
+                                              <p:pRg st="6" end="6"/>
+                                            </p:txEl>
+                                          </p:spTgt>
+                                        </p:tgtEl>
+                                      </p:cBhvr>
+                                    </p:animEffect>
+                                  </p:childTnLst>
+                                </p:cTn>
+                              </p:par>
+                              <p:par>
+                                <p:cTn id="24" presetID="10" presetClass="entr" presetSubtype="0" fill="hold" nodeType="withEffect">
+                                  <p:stCondLst>
+                                    <p:cond delay="0"/>
+                                  </p:stCondLst>
+                                  <p:childTnLst>
+                                    <p:set>
+                                      <p:cBhvr>
+                                        <p:cTn id="25" dur="1" fill="hold">
+                                          <p:stCondLst>
+                                            <p:cond delay="0"/>
+                                          </p:stCondLst>
+                                        </p:cTn>
+                                        <p:tgtEl>
+                                          <p:spTgt spid="3">
+                                            <p:txEl>
+                                              <p:pRg st="7" end="7"/>
+                                            </p:txEl>
+                                          </p:spTgt>
+                                        </p:tgtEl>
+                                        <p:attrNameLst>
+                                          <p:attrName>style.visibility</p:attrName>
+                                        </p:attrNameLst>
+                                      </p:cBhvr>
+                                      <p:to>
+                                        <p:strVal val="visible"/>
+                                      </p:to>
+                                    </p:set>
+                                    <p:animEffect transition="in" filter="fade">
+                                      <p:cBhvr>
+                                        <p:cTn id="26" dur="500"/>
+                                        <p:tgtEl>
+                                          <p:spTgt spid="3">
+                                            <p:txEl>
+                                              <p:pRg st="7" end="7"/>
+                                            </p:txEl>
+                                          </p:spTgt>
+                                        </p:tgtEl>
+                                      </p:cBhvr>
+                                    </p:animEffect>
+                                  </p:childTnLst>
+                                </p:cTn>
+                              </p:par>
+                            </p:childTnLst>
+                          </p:cTn>
+                        </p:par>
+                      </p:childTnLst>
+                    </p:cTn>
+                  </p:par>
+                  <p:par>
+                    <p:cTn id="27" fill="hold">
+                      <p:stCondLst>
+                        <p:cond delay="indefinite"/>
+                      </p:stCondLst>
+                      <p:childTnLst>
+                        <p:par>
+                          <p:cTn id="28" fill="hold">
+                            <p:stCondLst>
+                              <p:cond delay="0"/>
+                            </p:stCondLst>
+                            <p:childTnLst>
+                              <p:par>
+                                <p:cTn id="29" presetID="10" presetClass="entr" presetSubtype="0" fill="hold" nodeType="clickEffect">
+                                  <p:stCondLst>
+                                    <p:cond delay="0"/>
+                                  </p:stCondLst>
+                                  <p:childTnLst>
+                                    <p:set>
+                                      <p:cBhvr>
+                                        <p:cTn id="30" dur="1" fill="hold">
+                                          <p:stCondLst>
+                                            <p:cond delay="0"/>
+                                          </p:stCondLst>
+                                        </p:cTn>
+                                        <p:tgtEl>
+                                          <p:spTgt spid="3">
+                                            <p:txEl>
+                                              <p:pRg st="8" end="8"/>
+                                            </p:txEl>
+                                          </p:spTgt>
+                                        </p:tgtEl>
+                                        <p:attrNameLst>
+                                          <p:attrName>style.visibility</p:attrName>
+                                        </p:attrNameLst>
+                                      </p:cBhvr>
+                                      <p:to>
+                                        <p:strVal val="visible"/>
+                                      </p:to>
+                                    </p:set>
+                                    <p:animEffect transition="in" filter="fade">
+                                      <p:cBhvr>
+                                        <p:cTn id="31" dur="500"/>
+                                        <p:tgtEl>
+                                          <p:spTgt spid="3">
+                                            <p:txEl>
+                                              <p:pRg st="8" end="8"/>
+                                            </p:txEl>
+                                          </p:spTgt>
+                                        </p:tgtEl>
+                                      </p:cBhvr>
+                                    </p:animEffect>
+                                  </p:childTnLst>
+                                </p:cTn>
+                              </p:par>
+                              <p:par>
+                                <p:cTn id="32" presetID="10" presetClass="entr" presetSubtype="0" fill="hold" nodeType="withEffect">
+                                  <p:stCondLst>
+                                    <p:cond delay="0"/>
+                                  </p:stCondLst>
+                                  <p:childTnLst>
+                                    <p:set>
+                                      <p:cBhvr>
+                                        <p:cTn id="33" dur="1" fill="hold">
+                                          <p:stCondLst>
+                                            <p:cond delay="0"/>
+                                          </p:stCondLst>
+                                        </p:cTn>
+                                        <p:tgtEl>
+                                          <p:spTgt spid="3">
+                                            <p:txEl>
+                                              <p:pRg st="9" end="9"/>
+                                            </p:txEl>
+                                          </p:spTgt>
+                                        </p:tgtEl>
+                                        <p:attrNameLst>
+                                          <p:attrName>style.visibility</p:attrName>
+                                        </p:attrNameLst>
+                                      </p:cBhvr>
+                                      <p:to>
+                                        <p:strVal val="visible"/>
+                                      </p:to>
+                                    </p:set>
+                                    <p:animEffect transition="in" filter="fade">
+                                      <p:cBhvr>
+                                        <p:cTn id="34" dur="500"/>
+                                        <p:tgtEl>
+                                          <p:spTgt spid="3">
+                                            <p:txEl>
+                                              <p:pRg st="9" end="9"/>
+                                            </p:txEl>
+                                          </p:spTgt>
+                                        </p:tgtEl>
+                                      </p:cBhvr>
+                                    </p:animEffect>
+                                  </p:childTnLst>
+                                </p:cTn>
+                              </p:par>
+                            </p:childTnLst>
+                          </p:cTn>
+                        </p:par>
+                      </p:childTnLst>
+                    </p:cTn>
+                  </p:par>
+                </p:childTnLst>
+              </p:cTn>
+              <p:prevCondLst>
+                <p:cond evt="onPrev" delay="0">
+                  <p:tgtEl>
+                    <p:sldTgt/>
+                  </p:tgtEl>
+                </p:cond>
+              </p:prevCondLst>
+              <p:nextCondLst>
+                <p:cond evt="onNext" delay="0">
+                  <p:tgtEl>
+                    <p:sldTgt/>
+                  </p:tgtEl>
+                </p:cond>
+              </p:nextCondLst>
+            </p:seq>
+          </p:childTnLst>
+        </p:cTn>
+      </p:par>
+    </p:tnLst>
+  </p:timing>
 </p:sld>
 </file>
 
@@ -11459,6 +12089,13 @@
   <p:clrMapOvr>
     <a:masterClrMapping/>
   </p:clrMapOvr>
+  <p:timing>
+    <p:tnLst>
+      <p:par>
+        <p:cTn id="1" dur="indefinite" restart="never" nodeType="tmRoot"/>
+      </p:par>
+    </p:tnLst>
+  </p:timing>
 </p:sld>
 </file>
 

--- a/slides/Ch16_mixANOVA.pptx
+++ b/slides/Ch16_mixANOVA.pptx
@@ -5,21 +5,22 @@
     <p:sldMasterId id="2147483708" r:id="rId1"/>
   </p:sldMasterIdLst>
   <p:notesMasterIdLst>
-    <p:notesMasterId r:id="rId11"/>
+    <p:notesMasterId r:id="rId12"/>
   </p:notesMasterIdLst>
   <p:handoutMasterIdLst>
-    <p:handoutMasterId r:id="rId12"/>
+    <p:handoutMasterId r:id="rId13"/>
   </p:handoutMasterIdLst>
   <p:sldIdLst>
     <p:sldId id="447" r:id="rId2"/>
     <p:sldId id="256" r:id="rId3"/>
     <p:sldId id="315" r:id="rId4"/>
-    <p:sldId id="446" r:id="rId5"/>
-    <p:sldId id="448" r:id="rId6"/>
-    <p:sldId id="450" r:id="rId7"/>
-    <p:sldId id="451" r:id="rId8"/>
-    <p:sldId id="452" r:id="rId9"/>
-    <p:sldId id="449" r:id="rId10"/>
+    <p:sldId id="448" r:id="rId5"/>
+    <p:sldId id="446" r:id="rId6"/>
+    <p:sldId id="454" r:id="rId7"/>
+    <p:sldId id="450" r:id="rId8"/>
+    <p:sldId id="451" r:id="rId9"/>
+    <p:sldId id="452" r:id="rId10"/>
+    <p:sldId id="453" r:id="rId11"/>
   </p:sldIdLst>
   <p:sldSz cx="12192000" cy="6858000"/>
   <p:notesSz cx="7315200" cy="9601200"/>
@@ -3934,6 +3935,341 @@
 </p:sld>
 </file>
 
+<file path=ppt/slides/slide10.xml><?xml version="1.0" encoding="utf-8"?>
+<p:sld xmlns:a="http://schemas.openxmlformats.org/drawingml/2006/main" xmlns:r="http://schemas.openxmlformats.org/officeDocument/2006/relationships" xmlns:p="http://schemas.openxmlformats.org/presentationml/2006/main">
+  <p:cSld>
+    <p:spTree>
+      <p:nvGrpSpPr>
+        <p:cNvPr id="1" name=""/>
+        <p:cNvGrpSpPr/>
+        <p:nvPr/>
+      </p:nvGrpSpPr>
+      <p:grpSpPr>
+        <a:xfrm>
+          <a:off x="0" y="0"/>
+          <a:ext cx="0" cy="0"/>
+          <a:chOff x="0" y="0"/>
+          <a:chExt cx="0" cy="0"/>
+        </a:xfrm>
+      </p:grpSpPr>
+      <p:sp>
+        <p:nvSpPr>
+          <p:cNvPr id="5" name="Slide Number Placeholder 4"/>
+          <p:cNvSpPr>
+            <a:spLocks noGrp="1"/>
+          </p:cNvSpPr>
+          <p:nvPr>
+            <p:ph type="sldNum" sz="quarter" idx="12"/>
+          </p:nvPr>
+        </p:nvSpPr>
+        <p:spPr/>
+        <p:txBody>
+          <a:bodyPr/>
+          <a:lstStyle/>
+          <a:p>
+            <a:fld id="{E7DC3035-C8D6-4312-8AC4-36A973EDC8AE}" type="slidenum">
+              <a:rPr lang="en-US" altLang="en-US" smtClean="0"/>
+              <a:pPr/>
+              <a:t>10</a:t>
+            </a:fld>
+            <a:endParaRPr lang="en-US" altLang="en-US"/>
+          </a:p>
+        </p:txBody>
+      </p:sp>
+      <p:pic>
+        <p:nvPicPr>
+          <p:cNvPr id="6" name="Picture 5"/>
+          <p:cNvPicPr>
+            <a:picLocks noChangeAspect="1"/>
+          </p:cNvPicPr>
+          <p:nvPr/>
+        </p:nvPicPr>
+        <p:blipFill rotWithShape="1">
+          <a:blip r:embed="rId2"/>
+          <a:srcRect l="8570" t="16416" r="56200" b="52859"/>
+          <a:stretch/>
+        </p:blipFill>
+        <p:spPr>
+          <a:xfrm>
+            <a:off x="4495800" y="152399"/>
+            <a:ext cx="2819400" cy="1981201"/>
+          </a:xfrm>
+          <a:prstGeom prst="rect">
+            <a:avLst/>
+          </a:prstGeom>
+        </p:spPr>
+      </p:pic>
+      <p:pic>
+        <p:nvPicPr>
+          <p:cNvPr id="7" name="Picture 6"/>
+          <p:cNvPicPr>
+            <a:picLocks noChangeAspect="1"/>
+          </p:cNvPicPr>
+          <p:nvPr/>
+        </p:nvPicPr>
+        <p:blipFill rotWithShape="1">
+          <a:blip r:embed="rId2"/>
+          <a:srcRect t="47141" r="56200" b="12680"/>
+          <a:stretch/>
+        </p:blipFill>
+        <p:spPr>
+          <a:xfrm>
+            <a:off x="978794" y="3536324"/>
+            <a:ext cx="3505200" cy="2590800"/>
+          </a:xfrm>
+          <a:prstGeom prst="rect">
+            <a:avLst/>
+          </a:prstGeom>
+        </p:spPr>
+      </p:pic>
+      <p:pic>
+        <p:nvPicPr>
+          <p:cNvPr id="8" name="Picture 7"/>
+          <p:cNvPicPr>
+            <a:picLocks noChangeAspect="1"/>
+          </p:cNvPicPr>
+          <p:nvPr/>
+        </p:nvPicPr>
+        <p:blipFill rotWithShape="1">
+          <a:blip r:embed="rId2"/>
+          <a:srcRect l="43800" r="13352" b="52731"/>
+          <a:stretch/>
+        </p:blipFill>
+        <p:spPr>
+          <a:xfrm>
+            <a:off x="1039969" y="457200"/>
+            <a:ext cx="3429000" cy="3048000"/>
+          </a:xfrm>
+          <a:prstGeom prst="rect">
+            <a:avLst/>
+          </a:prstGeom>
+        </p:spPr>
+      </p:pic>
+      <p:pic>
+        <p:nvPicPr>
+          <p:cNvPr id="9" name="Picture 8"/>
+          <p:cNvPicPr>
+            <a:picLocks noChangeAspect="1"/>
+          </p:cNvPicPr>
+          <p:nvPr/>
+        </p:nvPicPr>
+        <p:blipFill rotWithShape="1">
+          <a:blip r:embed="rId2"/>
+          <a:srcRect l="43800" t="47270" r="22" b="734"/>
+          <a:stretch/>
+        </p:blipFill>
+        <p:spPr>
+          <a:xfrm>
+            <a:off x="4495800" y="2133600"/>
+            <a:ext cx="6019800" cy="4489342"/>
+          </a:xfrm>
+          <a:prstGeom prst="rect">
+            <a:avLst/>
+          </a:prstGeom>
+        </p:spPr>
+      </p:pic>
+    </p:spTree>
+    <p:extLst>
+      <p:ext uri="{BB962C8B-B14F-4D97-AF65-F5344CB8AC3E}">
+        <p14:creationId xmlns:p14="http://schemas.microsoft.com/office/powerpoint/2010/main" val="2848237569"/>
+      </p:ext>
+    </p:extLst>
+  </p:cSld>
+  <p:clrMapOvr>
+    <a:masterClrMapping/>
+  </p:clrMapOvr>
+  <p:timing>
+    <p:tnLst>
+      <p:par>
+        <p:cTn id="1" dur="indefinite" restart="never" nodeType="tmRoot">
+          <p:childTnLst>
+            <p:seq concurrent="1" nextAc="seek">
+              <p:cTn id="2" dur="indefinite" nodeType="mainSeq">
+                <p:childTnLst>
+                  <p:par>
+                    <p:cTn id="3" fill="hold">
+                      <p:stCondLst>
+                        <p:cond delay="indefinite"/>
+                      </p:stCondLst>
+                      <p:childTnLst>
+                        <p:par>
+                          <p:cTn id="4" fill="hold">
+                            <p:stCondLst>
+                              <p:cond delay="0"/>
+                            </p:stCondLst>
+                            <p:childTnLst>
+                              <p:par>
+                                <p:cTn id="5" presetID="10" presetClass="entr" presetSubtype="0" fill="hold" nodeType="clickEffect">
+                                  <p:stCondLst>
+                                    <p:cond delay="0"/>
+                                  </p:stCondLst>
+                                  <p:childTnLst>
+                                    <p:set>
+                                      <p:cBhvr>
+                                        <p:cTn id="6" dur="1" fill="hold">
+                                          <p:stCondLst>
+                                            <p:cond delay="0"/>
+                                          </p:stCondLst>
+                                        </p:cTn>
+                                        <p:tgtEl>
+                                          <p:spTgt spid="8"/>
+                                        </p:tgtEl>
+                                        <p:attrNameLst>
+                                          <p:attrName>style.visibility</p:attrName>
+                                        </p:attrNameLst>
+                                      </p:cBhvr>
+                                      <p:to>
+                                        <p:strVal val="visible"/>
+                                      </p:to>
+                                    </p:set>
+                                    <p:animEffect transition="in" filter="fade">
+                                      <p:cBhvr>
+                                        <p:cTn id="7" dur="500"/>
+                                        <p:tgtEl>
+                                          <p:spTgt spid="8"/>
+                                        </p:tgtEl>
+                                      </p:cBhvr>
+                                    </p:animEffect>
+                                  </p:childTnLst>
+                                </p:cTn>
+                              </p:par>
+                            </p:childTnLst>
+                          </p:cTn>
+                        </p:par>
+                      </p:childTnLst>
+                    </p:cTn>
+                  </p:par>
+                  <p:par>
+                    <p:cTn id="8" fill="hold">
+                      <p:stCondLst>
+                        <p:cond delay="indefinite"/>
+                      </p:stCondLst>
+                      <p:childTnLst>
+                        <p:par>
+                          <p:cTn id="9" fill="hold">
+                            <p:stCondLst>
+                              <p:cond delay="0"/>
+                            </p:stCondLst>
+                            <p:childTnLst>
+                              <p:par>
+                                <p:cTn id="10" presetID="10" presetClass="entr" presetSubtype="0" fill="hold" nodeType="clickEffect">
+                                  <p:stCondLst>
+                                    <p:cond delay="0"/>
+                                  </p:stCondLst>
+                                  <p:childTnLst>
+                                    <p:set>
+                                      <p:cBhvr>
+                                        <p:cTn id="11" dur="1" fill="hold">
+                                          <p:stCondLst>
+                                            <p:cond delay="0"/>
+                                          </p:stCondLst>
+                                        </p:cTn>
+                                        <p:tgtEl>
+                                          <p:spTgt spid="7"/>
+                                        </p:tgtEl>
+                                        <p:attrNameLst>
+                                          <p:attrName>style.visibility</p:attrName>
+                                        </p:attrNameLst>
+                                      </p:cBhvr>
+                                      <p:to>
+                                        <p:strVal val="visible"/>
+                                      </p:to>
+                                    </p:set>
+                                    <p:animEffect transition="in" filter="fade">
+                                      <p:cBhvr>
+                                        <p:cTn id="12" dur="500"/>
+                                        <p:tgtEl>
+                                          <p:spTgt spid="7"/>
+                                        </p:tgtEl>
+                                      </p:cBhvr>
+                                    </p:animEffect>
+                                  </p:childTnLst>
+                                </p:cTn>
+                              </p:par>
+                            </p:childTnLst>
+                          </p:cTn>
+                        </p:par>
+                      </p:childTnLst>
+                    </p:cTn>
+                  </p:par>
+                  <p:par>
+                    <p:cTn id="13" fill="hold">
+                      <p:stCondLst>
+                        <p:cond delay="indefinite"/>
+                      </p:stCondLst>
+                      <p:childTnLst>
+                        <p:par>
+                          <p:cTn id="14" fill="hold">
+                            <p:stCondLst>
+                              <p:cond delay="0"/>
+                            </p:stCondLst>
+                            <p:childTnLst>
+                              <p:par>
+                                <p:cTn id="15" presetID="10" presetClass="entr" presetSubtype="0" fill="hold" nodeType="clickEffect">
+                                  <p:stCondLst>
+                                    <p:cond delay="0"/>
+                                  </p:stCondLst>
+                                  <p:childTnLst>
+                                    <p:set>
+                                      <p:cBhvr>
+                                        <p:cTn id="16" dur="1" fill="hold">
+                                          <p:stCondLst>
+                                            <p:cond delay="0"/>
+                                          </p:stCondLst>
+                                        </p:cTn>
+                                        <p:tgtEl>
+                                          <p:spTgt spid="9"/>
+                                        </p:tgtEl>
+                                        <p:attrNameLst>
+                                          <p:attrName>style.visibility</p:attrName>
+                                        </p:attrNameLst>
+                                      </p:cBhvr>
+                                      <p:to>
+                                        <p:strVal val="visible"/>
+                                      </p:to>
+                                    </p:set>
+                                    <p:animEffect transition="in" filter="fade">
+                                      <p:cBhvr>
+                                        <p:cTn id="17" dur="500"/>
+                                        <p:tgtEl>
+                                          <p:spTgt spid="9"/>
+                                        </p:tgtEl>
+                                      </p:cBhvr>
+                                    </p:animEffect>
+                                  </p:childTnLst>
+                                </p:cTn>
+                              </p:par>
+                            </p:childTnLst>
+                          </p:cTn>
+                        </p:par>
+                      </p:childTnLst>
+                    </p:cTn>
+                  </p:par>
+                </p:childTnLst>
+              </p:cTn>
+              <p:prevCondLst>
+                <p:cond evt="onPrev" delay="0">
+                  <p:tgtEl>
+                    <p:sldTgt/>
+                  </p:tgtEl>
+                </p:cond>
+              </p:prevCondLst>
+              <p:nextCondLst>
+                <p:cond evt="onNext" delay="0">
+                  <p:tgtEl>
+                    <p:sldTgt/>
+                  </p:tgtEl>
+                </p:cond>
+              </p:nextCondLst>
+            </p:seq>
+          </p:childTnLst>
+        </p:cTn>
+      </p:par>
+    </p:tnLst>
+  </p:timing>
+</p:sld>
+</file>
+
 <file path=ppt/slides/slide2.xml><?xml version="1.0" encoding="utf-8"?>
 <p:sld xmlns:a="http://schemas.openxmlformats.org/drawingml/2006/main" xmlns:r="http://schemas.openxmlformats.org/officeDocument/2006/relationships" xmlns:p="http://schemas.openxmlformats.org/presentationml/2006/main">
   <p:cSld>
@@ -4816,2204 +5152,6 @@
               <a:rPr lang="en-US" altLang="en-US" smtClean="0"/>
               <a:pPr/>
               <a:t>4</a:t>
-            </a:fld>
-            <a:endParaRPr lang="en-US" altLang="en-US"/>
-          </a:p>
-        </p:txBody>
-      </p:sp>
-      <p:sp>
-        <p:nvSpPr>
-          <p:cNvPr id="2" name="Rectangle 1">
-            <a:extLst>
-              <a:ext uri="{FF2B5EF4-FFF2-40B4-BE49-F238E27FC236}">
-                <a16:creationId xmlns:a16="http://schemas.microsoft.com/office/drawing/2014/main" id="{1F39F37C-30F2-C548-BE18-A44758F46223}"/>
-              </a:ext>
-            </a:extLst>
-          </p:cNvPr>
-          <p:cNvSpPr/>
-          <p:nvPr/>
-        </p:nvSpPr>
-        <p:spPr>
-          <a:xfrm>
-            <a:off x="436622" y="3041445"/>
-            <a:ext cx="2667000" cy="762000"/>
-          </a:xfrm>
-          <a:prstGeom prst="rect">
-            <a:avLst/>
-          </a:prstGeom>
-          <a:solidFill>
-            <a:schemeClr val="accent5">
-              <a:lumMod val="20000"/>
-              <a:lumOff val="80000"/>
-            </a:schemeClr>
-          </a:solidFill>
-          <a:ln>
-            <a:solidFill>
-              <a:schemeClr val="accent5"/>
-            </a:solidFill>
-          </a:ln>
-        </p:spPr>
-        <p:style>
-          <a:lnRef idx="2">
-            <a:schemeClr val="accent1">
-              <a:shade val="50000"/>
-            </a:schemeClr>
-          </a:lnRef>
-          <a:fillRef idx="1">
-            <a:schemeClr val="accent1"/>
-          </a:fillRef>
-          <a:effectRef idx="0">
-            <a:schemeClr val="accent1"/>
-          </a:effectRef>
-          <a:fontRef idx="minor">
-            <a:schemeClr val="lt1"/>
-          </a:fontRef>
-        </p:style>
-        <p:txBody>
-          <a:bodyPr rtlCol="0" anchor="ctr"/>
-          <a:lstStyle/>
-          <a:p>
-            <a:pPr algn="ctr"/>
-            <a:r>
-              <a:rPr lang="en-US" sz="1600" dirty="0">
-                <a:solidFill>
-                  <a:schemeClr val="bg2"/>
-                </a:solidFill>
-                <a:latin typeface="Georgia" panose="02040502050405020303" pitchFamily="18" charset="0"/>
-              </a:rPr>
-              <a:t>Sample</a:t>
-            </a:r>
-          </a:p>
-        </p:txBody>
-      </p:sp>
-      <p:cxnSp>
-        <p:nvCxnSpPr>
-          <p:cNvPr id="4" name="Straight Arrow Connector 3">
-            <a:extLst>
-              <a:ext uri="{FF2B5EF4-FFF2-40B4-BE49-F238E27FC236}">
-                <a16:creationId xmlns:a16="http://schemas.microsoft.com/office/drawing/2014/main" id="{0D2DBB25-D995-D04F-A1A7-1E8126204023}"/>
-              </a:ext>
-            </a:extLst>
-          </p:cNvPr>
-          <p:cNvCxnSpPr>
-            <a:cxnSpLocks/>
-            <a:stCxn id="2" idx="3"/>
-          </p:cNvCxnSpPr>
-          <p:nvPr/>
-        </p:nvCxnSpPr>
-        <p:spPr>
-          <a:xfrm>
-            <a:off x="3103622" y="3422445"/>
-            <a:ext cx="419100" cy="0"/>
-          </a:xfrm>
-          <a:prstGeom prst="straightConnector1">
-            <a:avLst/>
-          </a:prstGeom>
-          <a:ln>
-            <a:solidFill>
-              <a:schemeClr val="accent5"/>
-            </a:solidFill>
-            <a:tailEnd type="triangle"/>
-          </a:ln>
-        </p:spPr>
-        <p:style>
-          <a:lnRef idx="1">
-            <a:schemeClr val="accent1"/>
-          </a:lnRef>
-          <a:fillRef idx="0">
-            <a:schemeClr val="accent1"/>
-          </a:fillRef>
-          <a:effectRef idx="0">
-            <a:schemeClr val="accent1"/>
-          </a:effectRef>
-          <a:fontRef idx="minor">
-            <a:schemeClr val="tx1"/>
-          </a:fontRef>
-        </p:style>
-      </p:cxnSp>
-      <p:cxnSp>
-        <p:nvCxnSpPr>
-          <p:cNvPr id="8" name="Straight Arrow Connector 7">
-            <a:extLst>
-              <a:ext uri="{FF2B5EF4-FFF2-40B4-BE49-F238E27FC236}">
-                <a16:creationId xmlns:a16="http://schemas.microsoft.com/office/drawing/2014/main" id="{833A2753-567A-EB44-8170-B6DBCB5C9C7D}"/>
-              </a:ext>
-            </a:extLst>
-          </p:cNvPr>
-          <p:cNvCxnSpPr>
-            <a:cxnSpLocks/>
-          </p:cNvCxnSpPr>
-          <p:nvPr/>
-        </p:nvCxnSpPr>
-        <p:spPr>
-          <a:xfrm flipV="1">
-            <a:off x="6177493" y="2355645"/>
-            <a:ext cx="1231889" cy="685235"/>
-          </a:xfrm>
-          <a:prstGeom prst="straightConnector1">
-            <a:avLst/>
-          </a:prstGeom>
-          <a:ln>
-            <a:solidFill>
-              <a:schemeClr val="accent2">
-                <a:lumMod val="75000"/>
-              </a:schemeClr>
-            </a:solidFill>
-            <a:tailEnd type="triangle"/>
-          </a:ln>
-        </p:spPr>
-        <p:style>
-          <a:lnRef idx="1">
-            <a:schemeClr val="accent1"/>
-          </a:lnRef>
-          <a:fillRef idx="0">
-            <a:schemeClr val="accent1"/>
-          </a:fillRef>
-          <a:effectRef idx="0">
-            <a:schemeClr val="accent1"/>
-          </a:effectRef>
-          <a:fontRef idx="minor">
-            <a:schemeClr val="tx1"/>
-          </a:fontRef>
-        </p:style>
-      </p:cxnSp>
-      <p:cxnSp>
-        <p:nvCxnSpPr>
-          <p:cNvPr id="10" name="Straight Arrow Connector 9">
-            <a:extLst>
-              <a:ext uri="{FF2B5EF4-FFF2-40B4-BE49-F238E27FC236}">
-                <a16:creationId xmlns:a16="http://schemas.microsoft.com/office/drawing/2014/main" id="{93AF4746-662B-9448-A81B-7AF4FE0A17F0}"/>
-              </a:ext>
-            </a:extLst>
-          </p:cNvPr>
-          <p:cNvCxnSpPr>
-            <a:cxnSpLocks/>
-            <a:endCxn id="26" idx="1"/>
-          </p:cNvCxnSpPr>
-          <p:nvPr/>
-        </p:nvCxnSpPr>
-        <p:spPr>
-          <a:xfrm>
-            <a:off x="6177493" y="3802913"/>
-            <a:ext cx="1225895" cy="1618391"/>
-          </a:xfrm>
-          <a:prstGeom prst="straightConnector1">
-            <a:avLst/>
-          </a:prstGeom>
-          <a:ln>
-            <a:solidFill>
-              <a:schemeClr val="accent2">
-                <a:lumMod val="75000"/>
-              </a:schemeClr>
-            </a:solidFill>
-            <a:tailEnd type="triangle"/>
-          </a:ln>
-        </p:spPr>
-        <p:style>
-          <a:lnRef idx="1">
-            <a:schemeClr val="accent1"/>
-          </a:lnRef>
-          <a:fillRef idx="0">
-            <a:schemeClr val="accent1"/>
-          </a:fillRef>
-          <a:effectRef idx="0">
-            <a:schemeClr val="accent1"/>
-          </a:effectRef>
-          <a:fontRef idx="minor">
-            <a:schemeClr val="tx1"/>
-          </a:fontRef>
-        </p:style>
-      </p:cxnSp>
-      <p:sp>
-        <p:nvSpPr>
-          <p:cNvPr id="17" name="Rectangle 16">
-            <a:extLst>
-              <a:ext uri="{FF2B5EF4-FFF2-40B4-BE49-F238E27FC236}">
-                <a16:creationId xmlns:a16="http://schemas.microsoft.com/office/drawing/2014/main" id="{6CA982AA-2C3C-F848-BC5E-B4254DEC99FA}"/>
-              </a:ext>
-            </a:extLst>
-          </p:cNvPr>
-          <p:cNvSpPr/>
-          <p:nvPr/>
-        </p:nvSpPr>
-        <p:spPr>
-          <a:xfrm>
-            <a:off x="3510493" y="3041445"/>
-            <a:ext cx="2667000" cy="762000"/>
-          </a:xfrm>
-          <a:prstGeom prst="rect">
-            <a:avLst/>
-          </a:prstGeom>
-          <a:solidFill>
-            <a:schemeClr val="accent2">
-              <a:lumMod val="20000"/>
-              <a:lumOff val="80000"/>
-            </a:schemeClr>
-          </a:solidFill>
-          <a:ln>
-            <a:solidFill>
-              <a:schemeClr val="accent2">
-                <a:lumMod val="50000"/>
-              </a:schemeClr>
-            </a:solidFill>
-          </a:ln>
-        </p:spPr>
-        <p:style>
-          <a:lnRef idx="2">
-            <a:schemeClr val="accent1">
-              <a:shade val="50000"/>
-            </a:schemeClr>
-          </a:lnRef>
-          <a:fillRef idx="1">
-            <a:schemeClr val="accent1"/>
-          </a:fillRef>
-          <a:effectRef idx="0">
-            <a:schemeClr val="accent1"/>
-          </a:effectRef>
-          <a:fontRef idx="minor">
-            <a:schemeClr val="lt1"/>
-          </a:fontRef>
-        </p:style>
-        <p:txBody>
-          <a:bodyPr rtlCol="0" anchor="ctr"/>
-          <a:lstStyle/>
-          <a:p>
-            <a:pPr algn="ctr"/>
-            <a:r>
-              <a:rPr lang="en-US" sz="1600" dirty="0">
-                <a:solidFill>
-                  <a:schemeClr val="bg2"/>
-                </a:solidFill>
-                <a:latin typeface="Georgia" panose="02040502050405020303" pitchFamily="18" charset="0"/>
-              </a:rPr>
-              <a:t>Groups </a:t>
-            </a:r>
-          </a:p>
-          <a:p>
-            <a:pPr algn="ctr"/>
-            <a:r>
-              <a:rPr lang="en-US" sz="1600" dirty="0">
-                <a:solidFill>
-                  <a:schemeClr val="bg2"/>
-                </a:solidFill>
-                <a:latin typeface="Georgia" panose="02040502050405020303" pitchFamily="18" charset="0"/>
-              </a:rPr>
-              <a:t>(between-subjects)</a:t>
-            </a:r>
-          </a:p>
-        </p:txBody>
-      </p:sp>
-      <p:cxnSp>
-        <p:nvCxnSpPr>
-          <p:cNvPr id="19" name="Straight Arrow Connector 18">
-            <a:extLst>
-              <a:ext uri="{FF2B5EF4-FFF2-40B4-BE49-F238E27FC236}">
-                <a16:creationId xmlns:a16="http://schemas.microsoft.com/office/drawing/2014/main" id="{A4B589C8-00C9-F74D-A19D-C5F946FEA9DB}"/>
-              </a:ext>
-            </a:extLst>
-          </p:cNvPr>
-          <p:cNvCxnSpPr>
-            <a:cxnSpLocks/>
-          </p:cNvCxnSpPr>
-          <p:nvPr/>
-        </p:nvCxnSpPr>
-        <p:spPr>
-          <a:xfrm>
-            <a:off x="6177493" y="3310552"/>
-            <a:ext cx="1231889" cy="0"/>
-          </a:xfrm>
-          <a:prstGeom prst="straightConnector1">
-            <a:avLst/>
-          </a:prstGeom>
-          <a:ln>
-            <a:solidFill>
-              <a:schemeClr val="accent2">
-                <a:lumMod val="75000"/>
-              </a:schemeClr>
-            </a:solidFill>
-            <a:tailEnd type="triangle"/>
-          </a:ln>
-        </p:spPr>
-        <p:style>
-          <a:lnRef idx="1">
-            <a:schemeClr val="accent1"/>
-          </a:lnRef>
-          <a:fillRef idx="0">
-            <a:schemeClr val="accent1"/>
-          </a:fillRef>
-          <a:effectRef idx="0">
-            <a:schemeClr val="accent1"/>
-          </a:effectRef>
-          <a:fontRef idx="minor">
-            <a:schemeClr val="tx1"/>
-          </a:fontRef>
-        </p:style>
-      </p:cxnSp>
-      <p:sp>
-        <p:nvSpPr>
-          <p:cNvPr id="22" name="Rectangle 21">
-            <a:extLst>
-              <a:ext uri="{FF2B5EF4-FFF2-40B4-BE49-F238E27FC236}">
-                <a16:creationId xmlns:a16="http://schemas.microsoft.com/office/drawing/2014/main" id="{EE3CC4FA-8106-AF42-897C-3D5AE6DB9225}"/>
-              </a:ext>
-            </a:extLst>
-          </p:cNvPr>
-          <p:cNvSpPr/>
-          <p:nvPr/>
-        </p:nvSpPr>
-        <p:spPr>
-          <a:xfrm>
-            <a:off x="7403388" y="1974645"/>
-            <a:ext cx="1295400" cy="762000"/>
-          </a:xfrm>
-          <a:prstGeom prst="rect">
-            <a:avLst/>
-          </a:prstGeom>
-          <a:solidFill>
-            <a:schemeClr val="accent4">
-              <a:lumMod val="20000"/>
-              <a:lumOff val="80000"/>
-            </a:schemeClr>
-          </a:solidFill>
-          <a:ln>
-            <a:solidFill>
-              <a:schemeClr val="accent4"/>
-            </a:solidFill>
-          </a:ln>
-        </p:spPr>
-        <p:style>
-          <a:lnRef idx="2">
-            <a:schemeClr val="accent1">
-              <a:shade val="50000"/>
-            </a:schemeClr>
-          </a:lnRef>
-          <a:fillRef idx="1">
-            <a:schemeClr val="accent1"/>
-          </a:fillRef>
-          <a:effectRef idx="0">
-            <a:schemeClr val="accent1"/>
-          </a:effectRef>
-          <a:fontRef idx="minor">
-            <a:schemeClr val="lt1"/>
-          </a:fontRef>
-        </p:style>
-        <p:txBody>
-          <a:bodyPr rtlCol="0" anchor="ctr"/>
-          <a:lstStyle/>
-          <a:p>
-            <a:pPr algn="ctr"/>
-            <a:r>
-              <a:rPr lang="en-US" sz="1600" dirty="0">
-                <a:solidFill>
-                  <a:schemeClr val="bg2"/>
-                </a:solidFill>
-                <a:latin typeface="Georgia" panose="02040502050405020303" pitchFamily="18" charset="0"/>
-              </a:rPr>
-              <a:t>Time 1</a:t>
-            </a:r>
-          </a:p>
-        </p:txBody>
-      </p:sp>
-      <p:sp>
-        <p:nvSpPr>
-          <p:cNvPr id="23" name="Rectangle 22">
-            <a:extLst>
-              <a:ext uri="{FF2B5EF4-FFF2-40B4-BE49-F238E27FC236}">
-                <a16:creationId xmlns:a16="http://schemas.microsoft.com/office/drawing/2014/main" id="{521EDD06-7ADA-434E-9C8D-1306AF3993DA}"/>
-              </a:ext>
-            </a:extLst>
-          </p:cNvPr>
-          <p:cNvSpPr/>
-          <p:nvPr/>
-        </p:nvSpPr>
-        <p:spPr>
-          <a:xfrm>
-            <a:off x="7412739" y="2910527"/>
-            <a:ext cx="1295400" cy="762000"/>
-          </a:xfrm>
-          <a:prstGeom prst="rect">
-            <a:avLst/>
-          </a:prstGeom>
-          <a:solidFill>
-            <a:schemeClr val="accent4">
-              <a:lumMod val="20000"/>
-              <a:lumOff val="80000"/>
-            </a:schemeClr>
-          </a:solidFill>
-          <a:ln>
-            <a:solidFill>
-              <a:schemeClr val="accent4"/>
-            </a:solidFill>
-          </a:ln>
-        </p:spPr>
-        <p:style>
-          <a:lnRef idx="2">
-            <a:schemeClr val="accent1">
-              <a:shade val="50000"/>
-            </a:schemeClr>
-          </a:lnRef>
-          <a:fillRef idx="1">
-            <a:schemeClr val="accent1"/>
-          </a:fillRef>
-          <a:effectRef idx="0">
-            <a:schemeClr val="accent1"/>
-          </a:effectRef>
-          <a:fontRef idx="minor">
-            <a:schemeClr val="lt1"/>
-          </a:fontRef>
-        </p:style>
-        <p:txBody>
-          <a:bodyPr rtlCol="0" anchor="ctr"/>
-          <a:lstStyle/>
-          <a:p>
-            <a:pPr algn="ctr"/>
-            <a:r>
-              <a:rPr lang="en-US" sz="1600" dirty="0">
-                <a:solidFill>
-                  <a:schemeClr val="bg2"/>
-                </a:solidFill>
-                <a:latin typeface="Georgia" panose="02040502050405020303" pitchFamily="18" charset="0"/>
-              </a:rPr>
-              <a:t>Time 1</a:t>
-            </a:r>
-          </a:p>
-        </p:txBody>
-      </p:sp>
-      <p:sp>
-        <p:nvSpPr>
-          <p:cNvPr id="26" name="Rectangle 25">
-            <a:extLst>
-              <a:ext uri="{FF2B5EF4-FFF2-40B4-BE49-F238E27FC236}">
-                <a16:creationId xmlns:a16="http://schemas.microsoft.com/office/drawing/2014/main" id="{E9C3B6DC-AD45-3649-BF54-F1B552AF3B6E}"/>
-              </a:ext>
-            </a:extLst>
-          </p:cNvPr>
-          <p:cNvSpPr/>
-          <p:nvPr/>
-        </p:nvSpPr>
-        <p:spPr>
-          <a:xfrm>
-            <a:off x="7403388" y="5040304"/>
-            <a:ext cx="1295400" cy="762000"/>
-          </a:xfrm>
-          <a:prstGeom prst="rect">
-            <a:avLst/>
-          </a:prstGeom>
-          <a:solidFill>
-            <a:schemeClr val="accent4">
-              <a:lumMod val="20000"/>
-              <a:lumOff val="80000"/>
-            </a:schemeClr>
-          </a:solidFill>
-          <a:ln>
-            <a:solidFill>
-              <a:schemeClr val="accent4"/>
-            </a:solidFill>
-          </a:ln>
-        </p:spPr>
-        <p:style>
-          <a:lnRef idx="2">
-            <a:schemeClr val="accent1">
-              <a:shade val="50000"/>
-            </a:schemeClr>
-          </a:lnRef>
-          <a:fillRef idx="1">
-            <a:schemeClr val="accent1"/>
-          </a:fillRef>
-          <a:effectRef idx="0">
-            <a:schemeClr val="accent1"/>
-          </a:effectRef>
-          <a:fontRef idx="minor">
-            <a:schemeClr val="lt1"/>
-          </a:fontRef>
-        </p:style>
-        <p:txBody>
-          <a:bodyPr rtlCol="0" anchor="ctr"/>
-          <a:lstStyle/>
-          <a:p>
-            <a:pPr algn="ctr"/>
-            <a:r>
-              <a:rPr lang="en-US" sz="1600" dirty="0">
-                <a:solidFill>
-                  <a:schemeClr val="bg2"/>
-                </a:solidFill>
-                <a:latin typeface="Georgia" panose="02040502050405020303" pitchFamily="18" charset="0"/>
-              </a:rPr>
-              <a:t>Time 1</a:t>
-            </a:r>
-          </a:p>
-        </p:txBody>
-      </p:sp>
-      <p:sp>
-        <p:nvSpPr>
-          <p:cNvPr id="27" name="Rectangle 26">
-            <a:extLst>
-              <a:ext uri="{FF2B5EF4-FFF2-40B4-BE49-F238E27FC236}">
-                <a16:creationId xmlns:a16="http://schemas.microsoft.com/office/drawing/2014/main" id="{E23E1ACC-C235-744E-A8D3-0F9DF4A54D1D}"/>
-              </a:ext>
-            </a:extLst>
-          </p:cNvPr>
-          <p:cNvSpPr/>
-          <p:nvPr/>
-        </p:nvSpPr>
-        <p:spPr>
-          <a:xfrm>
-            <a:off x="8883294" y="1966939"/>
-            <a:ext cx="1295400" cy="762000"/>
-          </a:xfrm>
-          <a:prstGeom prst="rect">
-            <a:avLst/>
-          </a:prstGeom>
-          <a:solidFill>
-            <a:schemeClr val="accent4">
-              <a:lumMod val="20000"/>
-              <a:lumOff val="80000"/>
-            </a:schemeClr>
-          </a:solidFill>
-          <a:ln>
-            <a:solidFill>
-              <a:schemeClr val="accent4"/>
-            </a:solidFill>
-          </a:ln>
-        </p:spPr>
-        <p:style>
-          <a:lnRef idx="2">
-            <a:schemeClr val="accent1">
-              <a:shade val="50000"/>
-            </a:schemeClr>
-          </a:lnRef>
-          <a:fillRef idx="1">
-            <a:schemeClr val="accent1"/>
-          </a:fillRef>
-          <a:effectRef idx="0">
-            <a:schemeClr val="accent1"/>
-          </a:effectRef>
-          <a:fontRef idx="minor">
-            <a:schemeClr val="lt1"/>
-          </a:fontRef>
-        </p:style>
-        <p:txBody>
-          <a:bodyPr rtlCol="0" anchor="ctr"/>
-          <a:lstStyle/>
-          <a:p>
-            <a:pPr algn="ctr"/>
-            <a:r>
-              <a:rPr lang="en-US" sz="1600" dirty="0">
-                <a:solidFill>
-                  <a:schemeClr val="bg2"/>
-                </a:solidFill>
-                <a:latin typeface="Georgia" panose="02040502050405020303" pitchFamily="18" charset="0"/>
-              </a:rPr>
-              <a:t>Time 2</a:t>
-            </a:r>
-          </a:p>
-        </p:txBody>
-      </p:sp>
-      <p:sp>
-        <p:nvSpPr>
-          <p:cNvPr id="28" name="Rectangle 27">
-            <a:extLst>
-              <a:ext uri="{FF2B5EF4-FFF2-40B4-BE49-F238E27FC236}">
-                <a16:creationId xmlns:a16="http://schemas.microsoft.com/office/drawing/2014/main" id="{2C25B8A0-7C1C-D645-80CC-C33B8AC44B7E}"/>
-              </a:ext>
-            </a:extLst>
-          </p:cNvPr>
-          <p:cNvSpPr/>
-          <p:nvPr/>
-        </p:nvSpPr>
-        <p:spPr>
-          <a:xfrm>
-            <a:off x="8892645" y="2910527"/>
-            <a:ext cx="1295400" cy="762000"/>
-          </a:xfrm>
-          <a:prstGeom prst="rect">
-            <a:avLst/>
-          </a:prstGeom>
-          <a:solidFill>
-            <a:schemeClr val="accent4">
-              <a:lumMod val="20000"/>
-              <a:lumOff val="80000"/>
-            </a:schemeClr>
-          </a:solidFill>
-          <a:ln>
-            <a:solidFill>
-              <a:schemeClr val="accent4"/>
-            </a:solidFill>
-          </a:ln>
-        </p:spPr>
-        <p:style>
-          <a:lnRef idx="2">
-            <a:schemeClr val="accent1">
-              <a:shade val="50000"/>
-            </a:schemeClr>
-          </a:lnRef>
-          <a:fillRef idx="1">
-            <a:schemeClr val="accent1"/>
-          </a:fillRef>
-          <a:effectRef idx="0">
-            <a:schemeClr val="accent1"/>
-          </a:effectRef>
-          <a:fontRef idx="minor">
-            <a:schemeClr val="lt1"/>
-          </a:fontRef>
-        </p:style>
-        <p:txBody>
-          <a:bodyPr rtlCol="0" anchor="ctr"/>
-          <a:lstStyle/>
-          <a:p>
-            <a:pPr algn="ctr"/>
-            <a:r>
-              <a:rPr lang="en-US" sz="1600" dirty="0">
-                <a:solidFill>
-                  <a:schemeClr val="bg2"/>
-                </a:solidFill>
-                <a:latin typeface="Georgia" panose="02040502050405020303" pitchFamily="18" charset="0"/>
-              </a:rPr>
-              <a:t>Time 2</a:t>
-            </a:r>
-          </a:p>
-        </p:txBody>
-      </p:sp>
-      <p:sp>
-        <p:nvSpPr>
-          <p:cNvPr id="29" name="Rectangle 28">
-            <a:extLst>
-              <a:ext uri="{FF2B5EF4-FFF2-40B4-BE49-F238E27FC236}">
-                <a16:creationId xmlns:a16="http://schemas.microsoft.com/office/drawing/2014/main" id="{FCBC3BF6-6DF3-0440-896A-85FF40CBCC4C}"/>
-              </a:ext>
-            </a:extLst>
-          </p:cNvPr>
-          <p:cNvSpPr/>
-          <p:nvPr/>
-        </p:nvSpPr>
-        <p:spPr>
-          <a:xfrm>
-            <a:off x="8895282" y="5037664"/>
-            <a:ext cx="1295400" cy="762000"/>
-          </a:xfrm>
-          <a:prstGeom prst="rect">
-            <a:avLst/>
-          </a:prstGeom>
-          <a:solidFill>
-            <a:schemeClr val="accent4">
-              <a:lumMod val="20000"/>
-              <a:lumOff val="80000"/>
-            </a:schemeClr>
-          </a:solidFill>
-          <a:ln>
-            <a:solidFill>
-              <a:schemeClr val="accent4"/>
-            </a:solidFill>
-          </a:ln>
-        </p:spPr>
-        <p:style>
-          <a:lnRef idx="2">
-            <a:schemeClr val="accent1">
-              <a:shade val="50000"/>
-            </a:schemeClr>
-          </a:lnRef>
-          <a:fillRef idx="1">
-            <a:schemeClr val="accent1"/>
-          </a:fillRef>
-          <a:effectRef idx="0">
-            <a:schemeClr val="accent1"/>
-          </a:effectRef>
-          <a:fontRef idx="minor">
-            <a:schemeClr val="lt1"/>
-          </a:fontRef>
-        </p:style>
-        <p:txBody>
-          <a:bodyPr rtlCol="0" anchor="ctr"/>
-          <a:lstStyle/>
-          <a:p>
-            <a:pPr algn="ctr"/>
-            <a:r>
-              <a:rPr lang="en-US" sz="1600" dirty="0">
-                <a:solidFill>
-                  <a:schemeClr val="bg2"/>
-                </a:solidFill>
-                <a:latin typeface="Georgia" panose="02040502050405020303" pitchFamily="18" charset="0"/>
-              </a:rPr>
-              <a:t>Time 2</a:t>
-            </a:r>
-          </a:p>
-        </p:txBody>
-      </p:sp>
-      <p:cxnSp>
-        <p:nvCxnSpPr>
-          <p:cNvPr id="30" name="Straight Arrow Connector 29">
-            <a:extLst>
-              <a:ext uri="{FF2B5EF4-FFF2-40B4-BE49-F238E27FC236}">
-                <a16:creationId xmlns:a16="http://schemas.microsoft.com/office/drawing/2014/main" id="{2CFB0A7E-F99A-334A-8103-A3BA6ABAD556}"/>
-              </a:ext>
-            </a:extLst>
-          </p:cNvPr>
-          <p:cNvCxnSpPr>
-            <a:cxnSpLocks/>
-            <a:stCxn id="22" idx="3"/>
-            <a:endCxn id="27" idx="1"/>
-          </p:cNvCxnSpPr>
-          <p:nvPr/>
-        </p:nvCxnSpPr>
-        <p:spPr>
-          <a:xfrm flipV="1">
-            <a:off x="8698788" y="2347939"/>
-            <a:ext cx="184506" cy="7706"/>
-          </a:xfrm>
-          <a:prstGeom prst="straightConnector1">
-            <a:avLst/>
-          </a:prstGeom>
-          <a:ln>
-            <a:tailEnd type="triangle"/>
-          </a:ln>
-        </p:spPr>
-        <p:style>
-          <a:lnRef idx="1">
-            <a:schemeClr val="accent1"/>
-          </a:lnRef>
-          <a:fillRef idx="0">
-            <a:schemeClr val="accent1"/>
-          </a:fillRef>
-          <a:effectRef idx="0">
-            <a:schemeClr val="accent1"/>
-          </a:effectRef>
-          <a:fontRef idx="minor">
-            <a:schemeClr val="tx1"/>
-          </a:fontRef>
-        </p:style>
-      </p:cxnSp>
-      <p:cxnSp>
-        <p:nvCxnSpPr>
-          <p:cNvPr id="33" name="Straight Arrow Connector 32">
-            <a:extLst>
-              <a:ext uri="{FF2B5EF4-FFF2-40B4-BE49-F238E27FC236}">
-                <a16:creationId xmlns:a16="http://schemas.microsoft.com/office/drawing/2014/main" id="{8FC6E655-0E84-2F44-A3F6-C6B7DC93E17C}"/>
-              </a:ext>
-            </a:extLst>
-          </p:cNvPr>
-          <p:cNvCxnSpPr>
-            <a:cxnSpLocks/>
-          </p:cNvCxnSpPr>
-          <p:nvPr/>
-        </p:nvCxnSpPr>
-        <p:spPr>
-          <a:xfrm>
-            <a:off x="8708139" y="3278684"/>
-            <a:ext cx="190500" cy="1712"/>
-          </a:xfrm>
-          <a:prstGeom prst="straightConnector1">
-            <a:avLst/>
-          </a:prstGeom>
-          <a:ln>
-            <a:tailEnd type="triangle"/>
-          </a:ln>
-        </p:spPr>
-        <p:style>
-          <a:lnRef idx="1">
-            <a:schemeClr val="accent1"/>
-          </a:lnRef>
-          <a:fillRef idx="0">
-            <a:schemeClr val="accent1"/>
-          </a:fillRef>
-          <a:effectRef idx="0">
-            <a:schemeClr val="accent1"/>
-          </a:effectRef>
-          <a:fontRef idx="minor">
-            <a:schemeClr val="tx1"/>
-          </a:fontRef>
-        </p:style>
-      </p:cxnSp>
-      <p:cxnSp>
-        <p:nvCxnSpPr>
-          <p:cNvPr id="34" name="Straight Arrow Connector 33">
-            <a:extLst>
-              <a:ext uri="{FF2B5EF4-FFF2-40B4-BE49-F238E27FC236}">
-                <a16:creationId xmlns:a16="http://schemas.microsoft.com/office/drawing/2014/main" id="{DAE854FC-392B-0942-8E67-45C4ED349F2C}"/>
-              </a:ext>
-            </a:extLst>
-          </p:cNvPr>
-          <p:cNvCxnSpPr>
-            <a:cxnSpLocks/>
-          </p:cNvCxnSpPr>
-          <p:nvPr/>
-        </p:nvCxnSpPr>
-        <p:spPr>
-          <a:xfrm>
-            <a:off x="8709277" y="5421908"/>
-            <a:ext cx="190500" cy="1712"/>
-          </a:xfrm>
-          <a:prstGeom prst="straightConnector1">
-            <a:avLst/>
-          </a:prstGeom>
-          <a:ln>
-            <a:solidFill>
-              <a:schemeClr val="accent4"/>
-            </a:solidFill>
-            <a:tailEnd type="triangle"/>
-          </a:ln>
-        </p:spPr>
-        <p:style>
-          <a:lnRef idx="1">
-            <a:schemeClr val="accent1"/>
-          </a:lnRef>
-          <a:fillRef idx="0">
-            <a:schemeClr val="accent1"/>
-          </a:fillRef>
-          <a:effectRef idx="0">
-            <a:schemeClr val="accent1"/>
-          </a:effectRef>
-          <a:fontRef idx="minor">
-            <a:schemeClr val="tx1"/>
-          </a:fontRef>
-        </p:style>
-      </p:cxnSp>
-      <p:sp>
-        <p:nvSpPr>
-          <p:cNvPr id="38" name="TextBox 37">
-            <a:extLst>
-              <a:ext uri="{FF2B5EF4-FFF2-40B4-BE49-F238E27FC236}">
-                <a16:creationId xmlns:a16="http://schemas.microsoft.com/office/drawing/2014/main" id="{A92E0FF5-EFE5-9441-9338-40E36871DE00}"/>
-              </a:ext>
-            </a:extLst>
-          </p:cNvPr>
-          <p:cNvSpPr txBox="1"/>
-          <p:nvPr/>
-        </p:nvSpPr>
-        <p:spPr>
-          <a:xfrm rot="19827836">
-            <a:off x="6350770" y="2400047"/>
-            <a:ext cx="809837" cy="307777"/>
-          </a:xfrm>
-          <a:prstGeom prst="rect">
-            <a:avLst/>
-          </a:prstGeom>
-          <a:noFill/>
-        </p:spPr>
-        <p:txBody>
-          <a:bodyPr wrap="none" rtlCol="0">
-            <a:spAutoFit/>
-          </a:bodyPr>
-          <a:lstStyle/>
-          <a:p>
-            <a:r>
-              <a:rPr lang="en-US" sz="1400" dirty="0">
-                <a:solidFill>
-                  <a:schemeClr val="bg2"/>
-                </a:solidFill>
-                <a:latin typeface="Georgia" panose="02040502050405020303" pitchFamily="18" charset="0"/>
-              </a:rPr>
-              <a:t>Group 1</a:t>
-            </a:r>
-          </a:p>
-        </p:txBody>
-      </p:sp>
-      <p:sp>
-        <p:nvSpPr>
-          <p:cNvPr id="40" name="TextBox 39">
-            <a:extLst>
-              <a:ext uri="{FF2B5EF4-FFF2-40B4-BE49-F238E27FC236}">
-                <a16:creationId xmlns:a16="http://schemas.microsoft.com/office/drawing/2014/main" id="{A627077D-9DC4-834D-8CDD-54485B6F5879}"/>
-              </a:ext>
-            </a:extLst>
-          </p:cNvPr>
-          <p:cNvSpPr txBox="1"/>
-          <p:nvPr/>
-        </p:nvSpPr>
-        <p:spPr>
-          <a:xfrm>
-            <a:off x="6439535" y="3031783"/>
-            <a:ext cx="833883" cy="307777"/>
-          </a:xfrm>
-          <a:prstGeom prst="rect">
-            <a:avLst/>
-          </a:prstGeom>
-          <a:noFill/>
-        </p:spPr>
-        <p:txBody>
-          <a:bodyPr wrap="none" rtlCol="0">
-            <a:spAutoFit/>
-          </a:bodyPr>
-          <a:lstStyle/>
-          <a:p>
-            <a:r>
-              <a:rPr lang="en-US" sz="1400" dirty="0">
-                <a:solidFill>
-                  <a:schemeClr val="bg2"/>
-                </a:solidFill>
-                <a:latin typeface="Georgia" panose="02040502050405020303" pitchFamily="18" charset="0"/>
-              </a:rPr>
-              <a:t>Group 2</a:t>
-            </a:r>
-          </a:p>
-        </p:txBody>
-      </p:sp>
-      <p:cxnSp>
-        <p:nvCxnSpPr>
-          <p:cNvPr id="42" name="Straight Arrow Connector 41">
-            <a:extLst>
-              <a:ext uri="{FF2B5EF4-FFF2-40B4-BE49-F238E27FC236}">
-                <a16:creationId xmlns:a16="http://schemas.microsoft.com/office/drawing/2014/main" id="{8DCC07CD-D634-5949-A867-8DCFE17C4D51}"/>
-              </a:ext>
-            </a:extLst>
-          </p:cNvPr>
-          <p:cNvCxnSpPr>
-            <a:cxnSpLocks/>
-          </p:cNvCxnSpPr>
-          <p:nvPr/>
-        </p:nvCxnSpPr>
-        <p:spPr>
-          <a:xfrm>
-            <a:off x="6160832" y="3542526"/>
-            <a:ext cx="1234468" cy="814206"/>
-          </a:xfrm>
-          <a:prstGeom prst="straightConnector1">
-            <a:avLst/>
-          </a:prstGeom>
-          <a:ln>
-            <a:solidFill>
-              <a:schemeClr val="accent2">
-                <a:lumMod val="75000"/>
-              </a:schemeClr>
-            </a:solidFill>
-            <a:tailEnd type="triangle"/>
-          </a:ln>
-        </p:spPr>
-        <p:style>
-          <a:lnRef idx="1">
-            <a:schemeClr val="accent1"/>
-          </a:lnRef>
-          <a:fillRef idx="0">
-            <a:schemeClr val="accent1"/>
-          </a:fillRef>
-          <a:effectRef idx="0">
-            <a:schemeClr val="accent1"/>
-          </a:effectRef>
-          <a:fontRef idx="minor">
-            <a:schemeClr val="tx1"/>
-          </a:fontRef>
-        </p:style>
-      </p:cxnSp>
-      <p:sp>
-        <p:nvSpPr>
-          <p:cNvPr id="43" name="Oval 42">
-            <a:extLst>
-              <a:ext uri="{FF2B5EF4-FFF2-40B4-BE49-F238E27FC236}">
-                <a16:creationId xmlns:a16="http://schemas.microsoft.com/office/drawing/2014/main" id="{B938DE25-A443-184C-A42E-23E0E56C981F}"/>
-              </a:ext>
-            </a:extLst>
-          </p:cNvPr>
-          <p:cNvSpPr/>
-          <p:nvPr/>
-        </p:nvSpPr>
-        <p:spPr>
-          <a:xfrm>
-            <a:off x="7725008" y="4322450"/>
-            <a:ext cx="152400" cy="152400"/>
-          </a:xfrm>
-          <a:prstGeom prst="ellipse">
-            <a:avLst/>
-          </a:prstGeom>
-          <a:solidFill>
-            <a:schemeClr val="accent4">
-              <a:lumMod val="20000"/>
-              <a:lumOff val="80000"/>
-            </a:schemeClr>
-          </a:solidFill>
-          <a:ln w="38100">
-            <a:solidFill>
-              <a:schemeClr val="accent4"/>
-            </a:solidFill>
-          </a:ln>
-        </p:spPr>
-        <p:style>
-          <a:lnRef idx="2">
-            <a:schemeClr val="accent1">
-              <a:shade val="50000"/>
-            </a:schemeClr>
-          </a:lnRef>
-          <a:fillRef idx="1">
-            <a:schemeClr val="accent1"/>
-          </a:fillRef>
-          <a:effectRef idx="0">
-            <a:schemeClr val="accent1"/>
-          </a:effectRef>
-          <a:fontRef idx="minor">
-            <a:schemeClr val="lt1"/>
-          </a:fontRef>
-        </p:style>
-        <p:txBody>
-          <a:bodyPr rtlCol="0" anchor="ctr"/>
-          <a:lstStyle/>
-          <a:p>
-            <a:pPr algn="ctr"/>
-            <a:endParaRPr lang="en-US">
-              <a:solidFill>
-                <a:schemeClr val="bg2"/>
-              </a:solidFill>
-            </a:endParaRPr>
-          </a:p>
-        </p:txBody>
-      </p:sp>
-      <p:sp>
-        <p:nvSpPr>
-          <p:cNvPr id="46" name="Oval 45">
-            <a:extLst>
-              <a:ext uri="{FF2B5EF4-FFF2-40B4-BE49-F238E27FC236}">
-                <a16:creationId xmlns:a16="http://schemas.microsoft.com/office/drawing/2014/main" id="{173ABC93-4828-814A-A480-60E46D33A848}"/>
-              </a:ext>
-            </a:extLst>
-          </p:cNvPr>
-          <p:cNvSpPr/>
-          <p:nvPr/>
-        </p:nvSpPr>
-        <p:spPr>
-          <a:xfrm>
-            <a:off x="7977885" y="4321190"/>
-            <a:ext cx="152400" cy="152400"/>
-          </a:xfrm>
-          <a:prstGeom prst="ellipse">
-            <a:avLst/>
-          </a:prstGeom>
-          <a:solidFill>
-            <a:schemeClr val="accent4">
-              <a:lumMod val="20000"/>
-              <a:lumOff val="80000"/>
-            </a:schemeClr>
-          </a:solidFill>
-          <a:ln w="38100">
-            <a:solidFill>
-              <a:schemeClr val="accent4"/>
-            </a:solidFill>
-          </a:ln>
-        </p:spPr>
-        <p:style>
-          <a:lnRef idx="2">
-            <a:schemeClr val="accent1">
-              <a:shade val="50000"/>
-            </a:schemeClr>
-          </a:lnRef>
-          <a:fillRef idx="1">
-            <a:schemeClr val="accent1"/>
-          </a:fillRef>
-          <a:effectRef idx="0">
-            <a:schemeClr val="accent1"/>
-          </a:effectRef>
-          <a:fontRef idx="minor">
-            <a:schemeClr val="lt1"/>
-          </a:fontRef>
-        </p:style>
-        <p:txBody>
-          <a:bodyPr rtlCol="0" anchor="ctr"/>
-          <a:lstStyle/>
-          <a:p>
-            <a:pPr algn="ctr"/>
-            <a:endParaRPr lang="en-US">
-              <a:solidFill>
-                <a:schemeClr val="bg2"/>
-              </a:solidFill>
-            </a:endParaRPr>
-          </a:p>
-        </p:txBody>
-      </p:sp>
-      <p:sp>
-        <p:nvSpPr>
-          <p:cNvPr id="47" name="Oval 46">
-            <a:extLst>
-              <a:ext uri="{FF2B5EF4-FFF2-40B4-BE49-F238E27FC236}">
-                <a16:creationId xmlns:a16="http://schemas.microsoft.com/office/drawing/2014/main" id="{5DB24D45-0D0F-334D-AD3E-7C0C43B1D76D}"/>
-              </a:ext>
-            </a:extLst>
-          </p:cNvPr>
-          <p:cNvSpPr/>
-          <p:nvPr/>
-        </p:nvSpPr>
-        <p:spPr>
-          <a:xfrm>
-            <a:off x="8230762" y="4327644"/>
-            <a:ext cx="152400" cy="152400"/>
-          </a:xfrm>
-          <a:prstGeom prst="ellipse">
-            <a:avLst/>
-          </a:prstGeom>
-          <a:solidFill>
-            <a:schemeClr val="accent4">
-              <a:lumMod val="20000"/>
-              <a:lumOff val="80000"/>
-            </a:schemeClr>
-          </a:solidFill>
-          <a:ln w="38100">
-            <a:solidFill>
-              <a:schemeClr val="accent4"/>
-            </a:solidFill>
-          </a:ln>
-        </p:spPr>
-        <p:style>
-          <a:lnRef idx="2">
-            <a:schemeClr val="accent1">
-              <a:shade val="50000"/>
-            </a:schemeClr>
-          </a:lnRef>
-          <a:fillRef idx="1">
-            <a:schemeClr val="accent1"/>
-          </a:fillRef>
-          <a:effectRef idx="0">
-            <a:schemeClr val="accent1"/>
-          </a:effectRef>
-          <a:fontRef idx="minor">
-            <a:schemeClr val="lt1"/>
-          </a:fontRef>
-        </p:style>
-        <p:txBody>
-          <a:bodyPr rtlCol="0" anchor="ctr"/>
-          <a:lstStyle/>
-          <a:p>
-            <a:pPr algn="ctr"/>
-            <a:endParaRPr lang="en-US">
-              <a:solidFill>
-                <a:schemeClr val="bg2"/>
-              </a:solidFill>
-            </a:endParaRPr>
-          </a:p>
-        </p:txBody>
-      </p:sp>
-      <p:sp>
-        <p:nvSpPr>
-          <p:cNvPr id="52" name="TextBox 51">
-            <a:extLst>
-              <a:ext uri="{FF2B5EF4-FFF2-40B4-BE49-F238E27FC236}">
-                <a16:creationId xmlns:a16="http://schemas.microsoft.com/office/drawing/2014/main" id="{16D94DCC-96B0-8D4A-ABCE-AB02FCC315CC}"/>
-              </a:ext>
-            </a:extLst>
-          </p:cNvPr>
-          <p:cNvSpPr txBox="1"/>
-          <p:nvPr/>
-        </p:nvSpPr>
-        <p:spPr>
-          <a:xfrm rot="3013864">
-            <a:off x="6490439" y="4326156"/>
-            <a:ext cx="829073" cy="307777"/>
-          </a:xfrm>
-          <a:prstGeom prst="rect">
-            <a:avLst/>
-          </a:prstGeom>
-          <a:noFill/>
-        </p:spPr>
-        <p:txBody>
-          <a:bodyPr wrap="none" rtlCol="0">
-            <a:spAutoFit/>
-          </a:bodyPr>
-          <a:lstStyle/>
-          <a:p>
-            <a:r>
-              <a:rPr lang="en-US" sz="1400" dirty="0">
-                <a:solidFill>
-                  <a:schemeClr val="bg2"/>
-                </a:solidFill>
-                <a:latin typeface="Georgia" panose="02040502050405020303" pitchFamily="18" charset="0"/>
-              </a:rPr>
-              <a:t>Group k</a:t>
-            </a:r>
-          </a:p>
-        </p:txBody>
-      </p:sp>
-      <p:sp>
-        <p:nvSpPr>
-          <p:cNvPr id="53" name="TextBox 52">
-            <a:extLst>
-              <a:ext uri="{FF2B5EF4-FFF2-40B4-BE49-F238E27FC236}">
-                <a16:creationId xmlns:a16="http://schemas.microsoft.com/office/drawing/2014/main" id="{DE9B19D9-7ADA-FC42-9DF5-B032508008EB}"/>
-              </a:ext>
-            </a:extLst>
-          </p:cNvPr>
-          <p:cNvSpPr txBox="1"/>
-          <p:nvPr/>
-        </p:nvSpPr>
-        <p:spPr>
-          <a:xfrm rot="2038625">
-            <a:off x="6371198" y="3688950"/>
-            <a:ext cx="1082348" cy="307777"/>
-          </a:xfrm>
-          <a:prstGeom prst="rect">
-            <a:avLst/>
-          </a:prstGeom>
-          <a:noFill/>
-        </p:spPr>
-        <p:txBody>
-          <a:bodyPr wrap="none" rtlCol="0">
-            <a:spAutoFit/>
-          </a:bodyPr>
-          <a:lstStyle/>
-          <a:p>
-            <a:r>
-              <a:rPr lang="en-US" sz="1400" dirty="0">
-                <a:solidFill>
-                  <a:schemeClr val="bg2"/>
-                </a:solidFill>
-                <a:latin typeface="Georgia" panose="02040502050405020303" pitchFamily="18" charset="0"/>
-              </a:rPr>
-              <a:t>Group 3 - k</a:t>
-            </a:r>
-          </a:p>
-        </p:txBody>
-      </p:sp>
-      <p:cxnSp>
-        <p:nvCxnSpPr>
-          <p:cNvPr id="59" name="Straight Arrow Connector 58">
-            <a:extLst>
-              <a:ext uri="{FF2B5EF4-FFF2-40B4-BE49-F238E27FC236}">
-                <a16:creationId xmlns:a16="http://schemas.microsoft.com/office/drawing/2014/main" id="{EE370682-82C8-7042-8368-955FD930E504}"/>
-              </a:ext>
-            </a:extLst>
-          </p:cNvPr>
-          <p:cNvCxnSpPr>
-            <a:cxnSpLocks/>
-            <a:stCxn id="27" idx="3"/>
-          </p:cNvCxnSpPr>
-          <p:nvPr/>
-        </p:nvCxnSpPr>
-        <p:spPr>
-          <a:xfrm>
-            <a:off x="10178694" y="2347939"/>
-            <a:ext cx="184506" cy="0"/>
-          </a:xfrm>
-          <a:prstGeom prst="straightConnector1">
-            <a:avLst/>
-          </a:prstGeom>
-          <a:ln>
-            <a:tailEnd type="triangle"/>
-          </a:ln>
-        </p:spPr>
-        <p:style>
-          <a:lnRef idx="1">
-            <a:schemeClr val="accent1"/>
-          </a:lnRef>
-          <a:fillRef idx="0">
-            <a:schemeClr val="accent1"/>
-          </a:fillRef>
-          <a:effectRef idx="0">
-            <a:schemeClr val="accent1"/>
-          </a:effectRef>
-          <a:fontRef idx="minor">
-            <a:schemeClr val="tx1"/>
-          </a:fontRef>
-        </p:style>
-      </p:cxnSp>
-      <p:sp>
-        <p:nvSpPr>
-          <p:cNvPr id="62" name="Rectangle 61">
-            <a:extLst>
-              <a:ext uri="{FF2B5EF4-FFF2-40B4-BE49-F238E27FC236}">
-                <a16:creationId xmlns:a16="http://schemas.microsoft.com/office/drawing/2014/main" id="{CBCD9280-7D48-DC4B-A19B-BB8265B6810B}"/>
-              </a:ext>
-            </a:extLst>
-          </p:cNvPr>
-          <p:cNvSpPr/>
-          <p:nvPr/>
-        </p:nvSpPr>
-        <p:spPr>
-          <a:xfrm>
-            <a:off x="10363200" y="1966939"/>
-            <a:ext cx="1295400" cy="762000"/>
-          </a:xfrm>
-          <a:prstGeom prst="rect">
-            <a:avLst/>
-          </a:prstGeom>
-          <a:solidFill>
-            <a:schemeClr val="accent4">
-              <a:lumMod val="20000"/>
-              <a:lumOff val="80000"/>
-            </a:schemeClr>
-          </a:solidFill>
-          <a:ln>
-            <a:solidFill>
-              <a:schemeClr val="accent4"/>
-            </a:solidFill>
-          </a:ln>
-        </p:spPr>
-        <p:style>
-          <a:lnRef idx="2">
-            <a:schemeClr val="accent1">
-              <a:shade val="50000"/>
-            </a:schemeClr>
-          </a:lnRef>
-          <a:fillRef idx="1">
-            <a:schemeClr val="accent1"/>
-          </a:fillRef>
-          <a:effectRef idx="0">
-            <a:schemeClr val="accent1"/>
-          </a:effectRef>
-          <a:fontRef idx="minor">
-            <a:schemeClr val="lt1"/>
-          </a:fontRef>
-        </p:style>
-        <p:txBody>
-          <a:bodyPr rtlCol="0" anchor="ctr"/>
-          <a:lstStyle/>
-          <a:p>
-            <a:pPr algn="ctr"/>
-            <a:r>
-              <a:rPr lang="en-US" sz="1600" dirty="0">
-                <a:solidFill>
-                  <a:schemeClr val="bg2"/>
-                </a:solidFill>
-                <a:latin typeface="Georgia" panose="02040502050405020303" pitchFamily="18" charset="0"/>
-              </a:rPr>
-              <a:t>Time t</a:t>
-            </a:r>
-          </a:p>
-        </p:txBody>
-      </p:sp>
-      <p:cxnSp>
-        <p:nvCxnSpPr>
-          <p:cNvPr id="63" name="Straight Arrow Connector 62">
-            <a:extLst>
-              <a:ext uri="{FF2B5EF4-FFF2-40B4-BE49-F238E27FC236}">
-                <a16:creationId xmlns:a16="http://schemas.microsoft.com/office/drawing/2014/main" id="{73A74C0B-DE48-7A47-A471-4A0252CF5992}"/>
-              </a:ext>
-            </a:extLst>
-          </p:cNvPr>
-          <p:cNvCxnSpPr>
-            <a:cxnSpLocks/>
-          </p:cNvCxnSpPr>
-          <p:nvPr/>
-        </p:nvCxnSpPr>
-        <p:spPr>
-          <a:xfrm>
-            <a:off x="10188045" y="3285957"/>
-            <a:ext cx="184506" cy="0"/>
-          </a:xfrm>
-          <a:prstGeom prst="straightConnector1">
-            <a:avLst/>
-          </a:prstGeom>
-          <a:ln>
-            <a:tailEnd type="triangle"/>
-          </a:ln>
-        </p:spPr>
-        <p:style>
-          <a:lnRef idx="1">
-            <a:schemeClr val="accent1"/>
-          </a:lnRef>
-          <a:fillRef idx="0">
-            <a:schemeClr val="accent1"/>
-          </a:fillRef>
-          <a:effectRef idx="0">
-            <a:schemeClr val="accent1"/>
-          </a:effectRef>
-          <a:fontRef idx="minor">
-            <a:schemeClr val="tx1"/>
-          </a:fontRef>
-        </p:style>
-      </p:cxnSp>
-      <p:sp>
-        <p:nvSpPr>
-          <p:cNvPr id="64" name="Rectangle 63">
-            <a:extLst>
-              <a:ext uri="{FF2B5EF4-FFF2-40B4-BE49-F238E27FC236}">
-                <a16:creationId xmlns:a16="http://schemas.microsoft.com/office/drawing/2014/main" id="{01A4E850-90BD-F24E-B39C-5ED153D0755B}"/>
-              </a:ext>
-            </a:extLst>
-          </p:cNvPr>
-          <p:cNvSpPr/>
-          <p:nvPr/>
-        </p:nvSpPr>
-        <p:spPr>
-          <a:xfrm>
-            <a:off x="10372551" y="2904957"/>
-            <a:ext cx="1295400" cy="762000"/>
-          </a:xfrm>
-          <a:prstGeom prst="rect">
-            <a:avLst/>
-          </a:prstGeom>
-          <a:solidFill>
-            <a:schemeClr val="accent4">
-              <a:lumMod val="20000"/>
-              <a:lumOff val="80000"/>
-            </a:schemeClr>
-          </a:solidFill>
-          <a:ln>
-            <a:solidFill>
-              <a:schemeClr val="accent4"/>
-            </a:solidFill>
-          </a:ln>
-        </p:spPr>
-        <p:style>
-          <a:lnRef idx="2">
-            <a:schemeClr val="accent1">
-              <a:shade val="50000"/>
-            </a:schemeClr>
-          </a:lnRef>
-          <a:fillRef idx="1">
-            <a:schemeClr val="accent1"/>
-          </a:fillRef>
-          <a:effectRef idx="0">
-            <a:schemeClr val="accent1"/>
-          </a:effectRef>
-          <a:fontRef idx="minor">
-            <a:schemeClr val="lt1"/>
-          </a:fontRef>
-        </p:style>
-        <p:txBody>
-          <a:bodyPr rtlCol="0" anchor="ctr"/>
-          <a:lstStyle/>
-          <a:p>
-            <a:pPr algn="ctr"/>
-            <a:r>
-              <a:rPr lang="en-US" sz="1600" dirty="0">
-                <a:solidFill>
-                  <a:schemeClr val="bg2"/>
-                </a:solidFill>
-                <a:latin typeface="Georgia" panose="02040502050405020303" pitchFamily="18" charset="0"/>
-              </a:rPr>
-              <a:t>Time t</a:t>
-            </a:r>
-          </a:p>
-        </p:txBody>
-      </p:sp>
-      <p:cxnSp>
-        <p:nvCxnSpPr>
-          <p:cNvPr id="65" name="Straight Arrow Connector 64">
-            <a:extLst>
-              <a:ext uri="{FF2B5EF4-FFF2-40B4-BE49-F238E27FC236}">
-                <a16:creationId xmlns:a16="http://schemas.microsoft.com/office/drawing/2014/main" id="{C661A371-44FB-5A4E-BA5E-F031B75378C1}"/>
-              </a:ext>
-            </a:extLst>
-          </p:cNvPr>
-          <p:cNvCxnSpPr>
-            <a:cxnSpLocks/>
-          </p:cNvCxnSpPr>
-          <p:nvPr/>
-        </p:nvCxnSpPr>
-        <p:spPr>
-          <a:xfrm>
-            <a:off x="10178694" y="5410200"/>
-            <a:ext cx="184506" cy="0"/>
-          </a:xfrm>
-          <a:prstGeom prst="straightConnector1">
-            <a:avLst/>
-          </a:prstGeom>
-          <a:ln>
-            <a:solidFill>
-              <a:schemeClr val="accent4"/>
-            </a:solidFill>
-            <a:tailEnd type="triangle"/>
-          </a:ln>
-        </p:spPr>
-        <p:style>
-          <a:lnRef idx="1">
-            <a:schemeClr val="accent1"/>
-          </a:lnRef>
-          <a:fillRef idx="0">
-            <a:schemeClr val="accent1"/>
-          </a:fillRef>
-          <a:effectRef idx="0">
-            <a:schemeClr val="accent1"/>
-          </a:effectRef>
-          <a:fontRef idx="minor">
-            <a:schemeClr val="tx1"/>
-          </a:fontRef>
-        </p:style>
-      </p:cxnSp>
-      <p:sp>
-        <p:nvSpPr>
-          <p:cNvPr id="66" name="Rectangle 65">
-            <a:extLst>
-              <a:ext uri="{FF2B5EF4-FFF2-40B4-BE49-F238E27FC236}">
-                <a16:creationId xmlns:a16="http://schemas.microsoft.com/office/drawing/2014/main" id="{531655D5-49C3-E54D-A230-69AD38E51F3D}"/>
-              </a:ext>
-            </a:extLst>
-          </p:cNvPr>
-          <p:cNvSpPr/>
-          <p:nvPr/>
-        </p:nvSpPr>
-        <p:spPr>
-          <a:xfrm>
-            <a:off x="10363200" y="5029200"/>
-            <a:ext cx="1295400" cy="762000"/>
-          </a:xfrm>
-          <a:prstGeom prst="rect">
-            <a:avLst/>
-          </a:prstGeom>
-          <a:solidFill>
-            <a:schemeClr val="accent4">
-              <a:lumMod val="20000"/>
-              <a:lumOff val="80000"/>
-            </a:schemeClr>
-          </a:solidFill>
-          <a:ln>
-            <a:solidFill>
-              <a:schemeClr val="accent4"/>
-            </a:solidFill>
-          </a:ln>
-        </p:spPr>
-        <p:style>
-          <a:lnRef idx="2">
-            <a:schemeClr val="accent1">
-              <a:shade val="50000"/>
-            </a:schemeClr>
-          </a:lnRef>
-          <a:fillRef idx="1">
-            <a:schemeClr val="accent1"/>
-          </a:fillRef>
-          <a:effectRef idx="0">
-            <a:schemeClr val="accent1"/>
-          </a:effectRef>
-          <a:fontRef idx="minor">
-            <a:schemeClr val="lt1"/>
-          </a:fontRef>
-        </p:style>
-        <p:txBody>
-          <a:bodyPr rtlCol="0" anchor="ctr"/>
-          <a:lstStyle/>
-          <a:p>
-            <a:pPr algn="ctr"/>
-            <a:r>
-              <a:rPr lang="en-US" sz="1600" dirty="0">
-                <a:solidFill>
-                  <a:schemeClr val="bg2"/>
-                </a:solidFill>
-                <a:latin typeface="Georgia" panose="02040502050405020303" pitchFamily="18" charset="0"/>
-              </a:rPr>
-              <a:t>Time t</a:t>
-            </a:r>
-          </a:p>
-        </p:txBody>
-      </p:sp>
-      <p:sp>
-        <p:nvSpPr>
-          <p:cNvPr id="67" name="Oval 66">
-            <a:extLst>
-              <a:ext uri="{FF2B5EF4-FFF2-40B4-BE49-F238E27FC236}">
-                <a16:creationId xmlns:a16="http://schemas.microsoft.com/office/drawing/2014/main" id="{FE4E1649-D4C4-EB4D-9E54-6A033A8133F6}"/>
-              </a:ext>
-            </a:extLst>
-          </p:cNvPr>
-          <p:cNvSpPr/>
-          <p:nvPr/>
-        </p:nvSpPr>
-        <p:spPr>
-          <a:xfrm>
-            <a:off x="9189628" y="4326167"/>
-            <a:ext cx="152400" cy="152400"/>
-          </a:xfrm>
-          <a:prstGeom prst="ellipse">
-            <a:avLst/>
-          </a:prstGeom>
-          <a:solidFill>
-            <a:schemeClr val="accent4">
-              <a:lumMod val="20000"/>
-              <a:lumOff val="80000"/>
-            </a:schemeClr>
-          </a:solidFill>
-          <a:ln w="38100">
-            <a:solidFill>
-              <a:schemeClr val="accent4"/>
-            </a:solidFill>
-          </a:ln>
-        </p:spPr>
-        <p:style>
-          <a:lnRef idx="2">
-            <a:schemeClr val="accent1">
-              <a:shade val="50000"/>
-            </a:schemeClr>
-          </a:lnRef>
-          <a:fillRef idx="1">
-            <a:schemeClr val="accent1"/>
-          </a:fillRef>
-          <a:effectRef idx="0">
-            <a:schemeClr val="accent1"/>
-          </a:effectRef>
-          <a:fontRef idx="minor">
-            <a:schemeClr val="lt1"/>
-          </a:fontRef>
-        </p:style>
-        <p:txBody>
-          <a:bodyPr rtlCol="0" anchor="ctr"/>
-          <a:lstStyle/>
-          <a:p>
-            <a:pPr algn="ctr"/>
-            <a:endParaRPr lang="en-US">
-              <a:solidFill>
-                <a:schemeClr val="bg2"/>
-              </a:solidFill>
-            </a:endParaRPr>
-          </a:p>
-        </p:txBody>
-      </p:sp>
-      <p:sp>
-        <p:nvSpPr>
-          <p:cNvPr id="68" name="Oval 67">
-            <a:extLst>
-              <a:ext uri="{FF2B5EF4-FFF2-40B4-BE49-F238E27FC236}">
-                <a16:creationId xmlns:a16="http://schemas.microsoft.com/office/drawing/2014/main" id="{B7EC3774-039C-2C47-B003-EF29253C96CA}"/>
-              </a:ext>
-            </a:extLst>
-          </p:cNvPr>
-          <p:cNvSpPr/>
-          <p:nvPr/>
-        </p:nvSpPr>
-        <p:spPr>
-          <a:xfrm>
-            <a:off x="9442505" y="4324907"/>
-            <a:ext cx="152400" cy="152400"/>
-          </a:xfrm>
-          <a:prstGeom prst="ellipse">
-            <a:avLst/>
-          </a:prstGeom>
-          <a:solidFill>
-            <a:schemeClr val="accent4">
-              <a:lumMod val="20000"/>
-              <a:lumOff val="80000"/>
-            </a:schemeClr>
-          </a:solidFill>
-          <a:ln w="38100">
-            <a:solidFill>
-              <a:schemeClr val="accent4"/>
-            </a:solidFill>
-          </a:ln>
-        </p:spPr>
-        <p:style>
-          <a:lnRef idx="2">
-            <a:schemeClr val="accent1">
-              <a:shade val="50000"/>
-            </a:schemeClr>
-          </a:lnRef>
-          <a:fillRef idx="1">
-            <a:schemeClr val="accent1"/>
-          </a:fillRef>
-          <a:effectRef idx="0">
-            <a:schemeClr val="accent1"/>
-          </a:effectRef>
-          <a:fontRef idx="minor">
-            <a:schemeClr val="lt1"/>
-          </a:fontRef>
-        </p:style>
-        <p:txBody>
-          <a:bodyPr rtlCol="0" anchor="ctr"/>
-          <a:lstStyle/>
-          <a:p>
-            <a:pPr algn="ctr"/>
-            <a:endParaRPr lang="en-US">
-              <a:solidFill>
-                <a:schemeClr val="bg2"/>
-              </a:solidFill>
-            </a:endParaRPr>
-          </a:p>
-        </p:txBody>
-      </p:sp>
-      <p:sp>
-        <p:nvSpPr>
-          <p:cNvPr id="69" name="Oval 68">
-            <a:extLst>
-              <a:ext uri="{FF2B5EF4-FFF2-40B4-BE49-F238E27FC236}">
-                <a16:creationId xmlns:a16="http://schemas.microsoft.com/office/drawing/2014/main" id="{D5787B9E-E4AD-3A4F-9BE6-F293B7FA5006}"/>
-              </a:ext>
-            </a:extLst>
-          </p:cNvPr>
-          <p:cNvSpPr/>
-          <p:nvPr/>
-        </p:nvSpPr>
-        <p:spPr>
-          <a:xfrm>
-            <a:off x="9695382" y="4331361"/>
-            <a:ext cx="152400" cy="152400"/>
-          </a:xfrm>
-          <a:prstGeom prst="ellipse">
-            <a:avLst/>
-          </a:prstGeom>
-          <a:solidFill>
-            <a:schemeClr val="accent4">
-              <a:lumMod val="20000"/>
-              <a:lumOff val="80000"/>
-            </a:schemeClr>
-          </a:solidFill>
-          <a:ln w="38100">
-            <a:solidFill>
-              <a:schemeClr val="accent4"/>
-            </a:solidFill>
-          </a:ln>
-        </p:spPr>
-        <p:style>
-          <a:lnRef idx="2">
-            <a:schemeClr val="accent1">
-              <a:shade val="50000"/>
-            </a:schemeClr>
-          </a:lnRef>
-          <a:fillRef idx="1">
-            <a:schemeClr val="accent1"/>
-          </a:fillRef>
-          <a:effectRef idx="0">
-            <a:schemeClr val="accent1"/>
-          </a:effectRef>
-          <a:fontRef idx="minor">
-            <a:schemeClr val="lt1"/>
-          </a:fontRef>
-        </p:style>
-        <p:txBody>
-          <a:bodyPr rtlCol="0" anchor="ctr"/>
-          <a:lstStyle/>
-          <a:p>
-            <a:pPr algn="ctr"/>
-            <a:endParaRPr lang="en-US">
-              <a:solidFill>
-                <a:schemeClr val="bg2"/>
-              </a:solidFill>
-            </a:endParaRPr>
-          </a:p>
-        </p:txBody>
-      </p:sp>
-      <p:sp>
-        <p:nvSpPr>
-          <p:cNvPr id="70" name="Oval 69">
-            <a:extLst>
-              <a:ext uri="{FF2B5EF4-FFF2-40B4-BE49-F238E27FC236}">
-                <a16:creationId xmlns:a16="http://schemas.microsoft.com/office/drawing/2014/main" id="{BA305F4C-9AD6-B54D-A43B-7FF67BA96499}"/>
-              </a:ext>
-            </a:extLst>
-          </p:cNvPr>
-          <p:cNvSpPr/>
-          <p:nvPr/>
-        </p:nvSpPr>
-        <p:spPr>
-          <a:xfrm>
-            <a:off x="10691852" y="4317703"/>
-            <a:ext cx="152400" cy="152400"/>
-          </a:xfrm>
-          <a:prstGeom prst="ellipse">
-            <a:avLst/>
-          </a:prstGeom>
-          <a:solidFill>
-            <a:schemeClr val="accent4">
-              <a:lumMod val="20000"/>
-              <a:lumOff val="80000"/>
-            </a:schemeClr>
-          </a:solidFill>
-          <a:ln w="38100">
-            <a:solidFill>
-              <a:schemeClr val="accent4"/>
-            </a:solidFill>
-          </a:ln>
-        </p:spPr>
-        <p:style>
-          <a:lnRef idx="2">
-            <a:schemeClr val="accent1">
-              <a:shade val="50000"/>
-            </a:schemeClr>
-          </a:lnRef>
-          <a:fillRef idx="1">
-            <a:schemeClr val="accent1"/>
-          </a:fillRef>
-          <a:effectRef idx="0">
-            <a:schemeClr val="accent1"/>
-          </a:effectRef>
-          <a:fontRef idx="minor">
-            <a:schemeClr val="lt1"/>
-          </a:fontRef>
-        </p:style>
-        <p:txBody>
-          <a:bodyPr rtlCol="0" anchor="ctr"/>
-          <a:lstStyle/>
-          <a:p>
-            <a:pPr algn="ctr"/>
-            <a:endParaRPr lang="en-US">
-              <a:solidFill>
-                <a:schemeClr val="bg2"/>
-              </a:solidFill>
-            </a:endParaRPr>
-          </a:p>
-        </p:txBody>
-      </p:sp>
-      <p:sp>
-        <p:nvSpPr>
-          <p:cNvPr id="71" name="Oval 70">
-            <a:extLst>
-              <a:ext uri="{FF2B5EF4-FFF2-40B4-BE49-F238E27FC236}">
-                <a16:creationId xmlns:a16="http://schemas.microsoft.com/office/drawing/2014/main" id="{B623749F-63FA-4942-9902-3D49E3078624}"/>
-              </a:ext>
-            </a:extLst>
-          </p:cNvPr>
-          <p:cNvSpPr/>
-          <p:nvPr/>
-        </p:nvSpPr>
-        <p:spPr>
-          <a:xfrm>
-            <a:off x="10944729" y="4316443"/>
-            <a:ext cx="152400" cy="152400"/>
-          </a:xfrm>
-          <a:prstGeom prst="ellipse">
-            <a:avLst/>
-          </a:prstGeom>
-          <a:solidFill>
-            <a:schemeClr val="accent4">
-              <a:lumMod val="20000"/>
-              <a:lumOff val="80000"/>
-            </a:schemeClr>
-          </a:solidFill>
-          <a:ln w="38100">
-            <a:solidFill>
-              <a:schemeClr val="accent4"/>
-            </a:solidFill>
-          </a:ln>
-        </p:spPr>
-        <p:style>
-          <a:lnRef idx="2">
-            <a:schemeClr val="accent1">
-              <a:shade val="50000"/>
-            </a:schemeClr>
-          </a:lnRef>
-          <a:fillRef idx="1">
-            <a:schemeClr val="accent1"/>
-          </a:fillRef>
-          <a:effectRef idx="0">
-            <a:schemeClr val="accent1"/>
-          </a:effectRef>
-          <a:fontRef idx="minor">
-            <a:schemeClr val="lt1"/>
-          </a:fontRef>
-        </p:style>
-        <p:txBody>
-          <a:bodyPr rtlCol="0" anchor="ctr"/>
-          <a:lstStyle/>
-          <a:p>
-            <a:pPr algn="ctr"/>
-            <a:endParaRPr lang="en-US">
-              <a:solidFill>
-                <a:schemeClr val="bg2"/>
-              </a:solidFill>
-            </a:endParaRPr>
-          </a:p>
-        </p:txBody>
-      </p:sp>
-      <p:sp>
-        <p:nvSpPr>
-          <p:cNvPr id="72" name="Oval 71">
-            <a:extLst>
-              <a:ext uri="{FF2B5EF4-FFF2-40B4-BE49-F238E27FC236}">
-                <a16:creationId xmlns:a16="http://schemas.microsoft.com/office/drawing/2014/main" id="{10BC65F8-BF99-4B4D-81AC-334BABE9E1E0}"/>
-              </a:ext>
-            </a:extLst>
-          </p:cNvPr>
-          <p:cNvSpPr/>
-          <p:nvPr/>
-        </p:nvSpPr>
-        <p:spPr>
-          <a:xfrm>
-            <a:off x="11197606" y="4322897"/>
-            <a:ext cx="152400" cy="152400"/>
-          </a:xfrm>
-          <a:prstGeom prst="ellipse">
-            <a:avLst/>
-          </a:prstGeom>
-          <a:solidFill>
-            <a:schemeClr val="accent4">
-              <a:lumMod val="20000"/>
-              <a:lumOff val="80000"/>
-            </a:schemeClr>
-          </a:solidFill>
-          <a:ln w="38100">
-            <a:solidFill>
-              <a:schemeClr val="accent4"/>
-            </a:solidFill>
-          </a:ln>
-        </p:spPr>
-        <p:style>
-          <a:lnRef idx="2">
-            <a:schemeClr val="accent1">
-              <a:shade val="50000"/>
-            </a:schemeClr>
-          </a:lnRef>
-          <a:fillRef idx="1">
-            <a:schemeClr val="accent1"/>
-          </a:fillRef>
-          <a:effectRef idx="0">
-            <a:schemeClr val="accent1"/>
-          </a:effectRef>
-          <a:fontRef idx="minor">
-            <a:schemeClr val="lt1"/>
-          </a:fontRef>
-        </p:style>
-        <p:txBody>
-          <a:bodyPr rtlCol="0" anchor="ctr"/>
-          <a:lstStyle/>
-          <a:p>
-            <a:pPr algn="ctr"/>
-            <a:endParaRPr lang="en-US">
-              <a:solidFill>
-                <a:schemeClr val="bg2"/>
-              </a:solidFill>
-            </a:endParaRPr>
-          </a:p>
-        </p:txBody>
-      </p:sp>
-      <p:sp>
-        <p:nvSpPr>
-          <p:cNvPr id="61" name="TextBox 60">
-            <a:extLst>
-              <a:ext uri="{FF2B5EF4-FFF2-40B4-BE49-F238E27FC236}">
-                <a16:creationId xmlns:a16="http://schemas.microsoft.com/office/drawing/2014/main" id="{A4D3EFD7-9276-0946-B9AE-40D557A06114}"/>
-              </a:ext>
-            </a:extLst>
-          </p:cNvPr>
-          <p:cNvSpPr txBox="1"/>
-          <p:nvPr/>
-        </p:nvSpPr>
-        <p:spPr>
-          <a:xfrm>
-            <a:off x="436622" y="304800"/>
-            <a:ext cx="6952544" cy="646331"/>
-          </a:xfrm>
-          <a:prstGeom prst="rect">
-            <a:avLst/>
-          </a:prstGeom>
-          <a:noFill/>
-        </p:spPr>
-        <p:txBody>
-          <a:bodyPr wrap="none" rtlCol="0">
-            <a:spAutoFit/>
-          </a:bodyPr>
-          <a:lstStyle/>
-          <a:p>
-            <a:r>
-              <a:rPr lang="en-US" sz="3600" b="1" dirty="0">
-                <a:latin typeface="Georgia" panose="02040502050405020303" pitchFamily="18" charset="0"/>
-              </a:rPr>
-              <a:t>The Design of Mixed ANOVA</a:t>
-            </a:r>
-          </a:p>
-        </p:txBody>
-      </p:sp>
-      <p:sp>
-        <p:nvSpPr>
-          <p:cNvPr id="75" name="TextBox 74">
-            <a:extLst>
-              <a:ext uri="{FF2B5EF4-FFF2-40B4-BE49-F238E27FC236}">
-                <a16:creationId xmlns:a16="http://schemas.microsoft.com/office/drawing/2014/main" id="{003741C1-7B35-3846-A251-9CFC1A3351CB}"/>
-              </a:ext>
-            </a:extLst>
-          </p:cNvPr>
-          <p:cNvSpPr txBox="1"/>
-          <p:nvPr/>
-        </p:nvSpPr>
-        <p:spPr>
-          <a:xfrm>
-            <a:off x="5080920" y="4717702"/>
-            <a:ext cx="1655519" cy="1384995"/>
-          </a:xfrm>
-          <a:prstGeom prst="rect">
-            <a:avLst/>
-          </a:prstGeom>
-          <a:noFill/>
-        </p:spPr>
-        <p:txBody>
-          <a:bodyPr wrap="square" rtlCol="0">
-            <a:spAutoFit/>
-          </a:bodyPr>
-          <a:lstStyle/>
-          <a:p>
-            <a:pPr algn="ctr"/>
-            <a:r>
-              <a:rPr lang="en-US" sz="1200" dirty="0">
-                <a:solidFill>
-                  <a:schemeClr val="bg2"/>
-                </a:solidFill>
-                <a:latin typeface="Georgia" panose="02040502050405020303" pitchFamily="18" charset="0"/>
-              </a:rPr>
-              <a:t>Use matched or repeated measures for each group</a:t>
-            </a:r>
-          </a:p>
-          <a:p>
-            <a:pPr algn="ctr"/>
-            <a:endParaRPr lang="en-US" sz="1200" dirty="0">
-              <a:solidFill>
-                <a:schemeClr val="bg2"/>
-              </a:solidFill>
-              <a:latin typeface="Georgia" panose="02040502050405020303" pitchFamily="18" charset="0"/>
-            </a:endParaRPr>
-          </a:p>
-          <a:p>
-            <a:pPr algn="ctr"/>
-            <a:r>
-              <a:rPr lang="en-US" sz="1200" dirty="0">
-                <a:solidFill>
-                  <a:schemeClr val="bg2"/>
-                </a:solidFill>
-                <a:latin typeface="Georgia" panose="02040502050405020303" pitchFamily="18" charset="0"/>
-              </a:rPr>
-              <a:t>(can have different treatments, different treatment times)</a:t>
-            </a:r>
-          </a:p>
-        </p:txBody>
-      </p:sp>
-      <p:sp>
-        <p:nvSpPr>
-          <p:cNvPr id="76" name="TextBox 75">
-            <a:extLst>
-              <a:ext uri="{FF2B5EF4-FFF2-40B4-BE49-F238E27FC236}">
-                <a16:creationId xmlns:a16="http://schemas.microsoft.com/office/drawing/2014/main" id="{099FEE60-5898-1848-B07B-467805DBD54F}"/>
-              </a:ext>
-            </a:extLst>
-          </p:cNvPr>
-          <p:cNvSpPr txBox="1"/>
-          <p:nvPr/>
-        </p:nvSpPr>
-        <p:spPr>
-          <a:xfrm>
-            <a:off x="2482857" y="3895067"/>
-            <a:ext cx="1655519" cy="1261884"/>
-          </a:xfrm>
-          <a:prstGeom prst="rect">
-            <a:avLst/>
-          </a:prstGeom>
-          <a:noFill/>
-        </p:spPr>
-        <p:txBody>
-          <a:bodyPr wrap="square" rtlCol="0">
-            <a:spAutoFit/>
-          </a:bodyPr>
-          <a:lstStyle/>
-          <a:p>
-            <a:pPr algn="ctr"/>
-            <a:r>
-              <a:rPr lang="en-US" sz="1200" dirty="0">
-                <a:solidFill>
-                  <a:schemeClr val="bg2"/>
-                </a:solidFill>
-                <a:latin typeface="Georgia" panose="02040502050405020303" pitchFamily="18" charset="0"/>
-              </a:rPr>
-              <a:t>Randomize sample to k groups (experiment)</a:t>
-            </a:r>
-          </a:p>
-          <a:p>
-            <a:pPr algn="ctr"/>
-            <a:endParaRPr lang="en-US" sz="400" dirty="0">
-              <a:solidFill>
-                <a:schemeClr val="bg2"/>
-              </a:solidFill>
-              <a:latin typeface="Georgia" panose="02040502050405020303" pitchFamily="18" charset="0"/>
-            </a:endParaRPr>
-          </a:p>
-          <a:p>
-            <a:pPr algn="ctr"/>
-            <a:r>
-              <a:rPr lang="en-US" sz="1200" dirty="0">
-                <a:solidFill>
-                  <a:schemeClr val="bg2"/>
-                </a:solidFill>
-                <a:latin typeface="Georgia" panose="02040502050405020303" pitchFamily="18" charset="0"/>
-              </a:rPr>
-              <a:t>Individuals self-select groups (quasi-experimental)</a:t>
-            </a:r>
-          </a:p>
-        </p:txBody>
-      </p:sp>
-      <p:sp>
-        <p:nvSpPr>
-          <p:cNvPr id="3" name="TextBox 2">
-            <a:extLst>
-              <a:ext uri="{FF2B5EF4-FFF2-40B4-BE49-F238E27FC236}">
-                <a16:creationId xmlns:a16="http://schemas.microsoft.com/office/drawing/2014/main" id="{43AEFA1A-72A6-A843-81C4-B8D3231E0DF0}"/>
-              </a:ext>
-            </a:extLst>
-          </p:cNvPr>
-          <p:cNvSpPr txBox="1"/>
-          <p:nvPr/>
-        </p:nvSpPr>
-        <p:spPr>
-          <a:xfrm>
-            <a:off x="762001" y="2152444"/>
-            <a:ext cx="10588006" cy="1323439"/>
-          </a:xfrm>
-          <a:prstGeom prst="rect">
-            <a:avLst/>
-          </a:prstGeom>
-          <a:solidFill>
-            <a:schemeClr val="accent5">
-              <a:lumMod val="60000"/>
-              <a:lumOff val="40000"/>
-            </a:schemeClr>
-          </a:solidFill>
-          <a:ln>
-            <a:solidFill>
-              <a:schemeClr val="accent5"/>
-            </a:solidFill>
-          </a:ln>
-        </p:spPr>
-        <p:txBody>
-          <a:bodyPr wrap="square" rtlCol="0">
-            <a:spAutoFit/>
-          </a:bodyPr>
-          <a:lstStyle/>
-          <a:p>
-            <a:pPr algn="ctr"/>
-            <a:r>
-              <a:rPr lang="en-US" sz="4000" dirty="0">
-                <a:solidFill>
-                  <a:schemeClr val="accent5">
-                    <a:lumMod val="75000"/>
-                  </a:schemeClr>
-                </a:solidFill>
-                <a:latin typeface="Georgia" panose="02040502050405020303" pitchFamily="18" charset="0"/>
-              </a:rPr>
-              <a:t>When there is repeated measures for one of the factors but not for the other</a:t>
-            </a:r>
-          </a:p>
-        </p:txBody>
-      </p:sp>
-    </p:spTree>
-    <p:extLst>
-      <p:ext uri="{BB962C8B-B14F-4D97-AF65-F5344CB8AC3E}">
-        <p14:creationId xmlns:p14="http://schemas.microsoft.com/office/powerpoint/2010/main" val="3722281095"/>
-      </p:ext>
-    </p:extLst>
-  </p:cSld>
-  <p:clrMapOvr>
-    <a:masterClrMapping/>
-  </p:clrMapOvr>
-  <p:timing>
-    <p:tnLst>
-      <p:par>
-        <p:cTn id="1" dur="indefinite" restart="never" nodeType="tmRoot"/>
-      </p:par>
-    </p:tnLst>
-  </p:timing>
-</p:sld>
-</file>
-
-<file path=ppt/slides/slide5.xml><?xml version="1.0" encoding="utf-8"?>
-<p:sld xmlns:a="http://schemas.openxmlformats.org/drawingml/2006/main" xmlns:r="http://schemas.openxmlformats.org/officeDocument/2006/relationships" xmlns:p="http://schemas.openxmlformats.org/presentationml/2006/main">
-  <p:cSld>
-    <p:spTree>
-      <p:nvGrpSpPr>
-        <p:cNvPr id="1" name=""/>
-        <p:cNvGrpSpPr/>
-        <p:nvPr/>
-      </p:nvGrpSpPr>
-      <p:grpSpPr>
-        <a:xfrm>
-          <a:off x="0" y="0"/>
-          <a:ext cx="0" cy="0"/>
-          <a:chOff x="0" y="0"/>
-          <a:chExt cx="0" cy="0"/>
-        </a:xfrm>
-      </p:grpSpPr>
-      <p:sp>
-        <p:nvSpPr>
-          <p:cNvPr id="5" name="Slide Number Placeholder 4"/>
-          <p:cNvSpPr>
-            <a:spLocks noGrp="1"/>
-          </p:cNvSpPr>
-          <p:nvPr>
-            <p:ph type="sldNum" sz="quarter" idx="12"/>
-          </p:nvPr>
-        </p:nvSpPr>
-        <p:spPr/>
-        <p:txBody>
-          <a:bodyPr/>
-          <a:lstStyle/>
-          <a:p>
-            <a:fld id="{E7DC3035-C8D6-4312-8AC4-36A973EDC8AE}" type="slidenum">
-              <a:rPr lang="en-US" altLang="en-US" smtClean="0"/>
-              <a:pPr/>
-              <a:t>5</a:t>
             </a:fld>
             <a:endParaRPr lang="en-US" altLang="en-US"/>
           </a:p>
@@ -10658,6 +8796,2248 @@
 </p:sld>
 </file>
 
+<file path=ppt/slides/slide5.xml><?xml version="1.0" encoding="utf-8"?>
+<p:sld xmlns:a="http://schemas.openxmlformats.org/drawingml/2006/main" xmlns:r="http://schemas.openxmlformats.org/officeDocument/2006/relationships" xmlns:p="http://schemas.openxmlformats.org/presentationml/2006/main">
+  <p:cSld>
+    <p:spTree>
+      <p:nvGrpSpPr>
+        <p:cNvPr id="1" name=""/>
+        <p:cNvGrpSpPr/>
+        <p:nvPr/>
+      </p:nvGrpSpPr>
+      <p:grpSpPr>
+        <a:xfrm>
+          <a:off x="0" y="0"/>
+          <a:ext cx="0" cy="0"/>
+          <a:chOff x="0" y="0"/>
+          <a:chExt cx="0" cy="0"/>
+        </a:xfrm>
+      </p:grpSpPr>
+      <p:sp>
+        <p:nvSpPr>
+          <p:cNvPr id="5" name="Slide Number Placeholder 4"/>
+          <p:cNvSpPr>
+            <a:spLocks noGrp="1"/>
+          </p:cNvSpPr>
+          <p:nvPr>
+            <p:ph type="sldNum" sz="quarter" idx="12"/>
+          </p:nvPr>
+        </p:nvSpPr>
+        <p:spPr/>
+        <p:txBody>
+          <a:bodyPr/>
+          <a:lstStyle/>
+          <a:p>
+            <a:fld id="{E7DC3035-C8D6-4312-8AC4-36A973EDC8AE}" type="slidenum">
+              <a:rPr lang="en-US" altLang="en-US" smtClean="0"/>
+              <a:pPr/>
+              <a:t>5</a:t>
+            </a:fld>
+            <a:endParaRPr lang="en-US" altLang="en-US"/>
+          </a:p>
+        </p:txBody>
+      </p:sp>
+      <p:sp>
+        <p:nvSpPr>
+          <p:cNvPr id="2" name="Rectangle 1">
+            <a:extLst>
+              <a:ext uri="{FF2B5EF4-FFF2-40B4-BE49-F238E27FC236}">
+                <a16:creationId xmlns:a16="http://schemas.microsoft.com/office/drawing/2014/main" id="{1F39F37C-30F2-C548-BE18-A44758F46223}"/>
+              </a:ext>
+            </a:extLst>
+          </p:cNvPr>
+          <p:cNvSpPr/>
+          <p:nvPr/>
+        </p:nvSpPr>
+        <p:spPr>
+          <a:xfrm>
+            <a:off x="436622" y="3041445"/>
+            <a:ext cx="2667000" cy="762000"/>
+          </a:xfrm>
+          <a:prstGeom prst="rect">
+            <a:avLst/>
+          </a:prstGeom>
+          <a:solidFill>
+            <a:schemeClr val="accent5">
+              <a:lumMod val="20000"/>
+              <a:lumOff val="80000"/>
+            </a:schemeClr>
+          </a:solidFill>
+          <a:ln>
+            <a:solidFill>
+              <a:schemeClr val="accent5"/>
+            </a:solidFill>
+          </a:ln>
+        </p:spPr>
+        <p:style>
+          <a:lnRef idx="2">
+            <a:schemeClr val="accent1">
+              <a:shade val="50000"/>
+            </a:schemeClr>
+          </a:lnRef>
+          <a:fillRef idx="1">
+            <a:schemeClr val="accent1"/>
+          </a:fillRef>
+          <a:effectRef idx="0">
+            <a:schemeClr val="accent1"/>
+          </a:effectRef>
+          <a:fontRef idx="minor">
+            <a:schemeClr val="lt1"/>
+          </a:fontRef>
+        </p:style>
+        <p:txBody>
+          <a:bodyPr rtlCol="0" anchor="ctr"/>
+          <a:lstStyle/>
+          <a:p>
+            <a:pPr algn="ctr"/>
+            <a:r>
+              <a:rPr lang="en-US" sz="1600" dirty="0">
+                <a:solidFill>
+                  <a:schemeClr val="bg2"/>
+                </a:solidFill>
+                <a:latin typeface="Georgia" panose="02040502050405020303" pitchFamily="18" charset="0"/>
+              </a:rPr>
+              <a:t>Sample</a:t>
+            </a:r>
+          </a:p>
+        </p:txBody>
+      </p:sp>
+      <p:cxnSp>
+        <p:nvCxnSpPr>
+          <p:cNvPr id="4" name="Straight Arrow Connector 3">
+            <a:extLst>
+              <a:ext uri="{FF2B5EF4-FFF2-40B4-BE49-F238E27FC236}">
+                <a16:creationId xmlns:a16="http://schemas.microsoft.com/office/drawing/2014/main" id="{0D2DBB25-D995-D04F-A1A7-1E8126204023}"/>
+              </a:ext>
+            </a:extLst>
+          </p:cNvPr>
+          <p:cNvCxnSpPr>
+            <a:cxnSpLocks/>
+            <a:stCxn id="2" idx="3"/>
+          </p:cNvCxnSpPr>
+          <p:nvPr/>
+        </p:nvCxnSpPr>
+        <p:spPr>
+          <a:xfrm>
+            <a:off x="3103622" y="3422445"/>
+            <a:ext cx="419100" cy="0"/>
+          </a:xfrm>
+          <a:prstGeom prst="straightConnector1">
+            <a:avLst/>
+          </a:prstGeom>
+          <a:ln>
+            <a:solidFill>
+              <a:schemeClr val="accent5"/>
+            </a:solidFill>
+            <a:tailEnd type="triangle"/>
+          </a:ln>
+        </p:spPr>
+        <p:style>
+          <a:lnRef idx="1">
+            <a:schemeClr val="accent1"/>
+          </a:lnRef>
+          <a:fillRef idx="0">
+            <a:schemeClr val="accent1"/>
+          </a:fillRef>
+          <a:effectRef idx="0">
+            <a:schemeClr val="accent1"/>
+          </a:effectRef>
+          <a:fontRef idx="minor">
+            <a:schemeClr val="tx1"/>
+          </a:fontRef>
+        </p:style>
+      </p:cxnSp>
+      <p:cxnSp>
+        <p:nvCxnSpPr>
+          <p:cNvPr id="8" name="Straight Arrow Connector 7">
+            <a:extLst>
+              <a:ext uri="{FF2B5EF4-FFF2-40B4-BE49-F238E27FC236}">
+                <a16:creationId xmlns:a16="http://schemas.microsoft.com/office/drawing/2014/main" id="{833A2753-567A-EB44-8170-B6DBCB5C9C7D}"/>
+              </a:ext>
+            </a:extLst>
+          </p:cNvPr>
+          <p:cNvCxnSpPr>
+            <a:cxnSpLocks/>
+          </p:cNvCxnSpPr>
+          <p:nvPr/>
+        </p:nvCxnSpPr>
+        <p:spPr>
+          <a:xfrm flipV="1">
+            <a:off x="6177493" y="2355645"/>
+            <a:ext cx="1231889" cy="685235"/>
+          </a:xfrm>
+          <a:prstGeom prst="straightConnector1">
+            <a:avLst/>
+          </a:prstGeom>
+          <a:ln>
+            <a:solidFill>
+              <a:schemeClr val="accent2">
+                <a:lumMod val="75000"/>
+              </a:schemeClr>
+            </a:solidFill>
+            <a:tailEnd type="triangle"/>
+          </a:ln>
+        </p:spPr>
+        <p:style>
+          <a:lnRef idx="1">
+            <a:schemeClr val="accent1"/>
+          </a:lnRef>
+          <a:fillRef idx="0">
+            <a:schemeClr val="accent1"/>
+          </a:fillRef>
+          <a:effectRef idx="0">
+            <a:schemeClr val="accent1"/>
+          </a:effectRef>
+          <a:fontRef idx="minor">
+            <a:schemeClr val="tx1"/>
+          </a:fontRef>
+        </p:style>
+      </p:cxnSp>
+      <p:cxnSp>
+        <p:nvCxnSpPr>
+          <p:cNvPr id="10" name="Straight Arrow Connector 9">
+            <a:extLst>
+              <a:ext uri="{FF2B5EF4-FFF2-40B4-BE49-F238E27FC236}">
+                <a16:creationId xmlns:a16="http://schemas.microsoft.com/office/drawing/2014/main" id="{93AF4746-662B-9448-A81B-7AF4FE0A17F0}"/>
+              </a:ext>
+            </a:extLst>
+          </p:cNvPr>
+          <p:cNvCxnSpPr>
+            <a:cxnSpLocks/>
+            <a:endCxn id="26" idx="1"/>
+          </p:cNvCxnSpPr>
+          <p:nvPr/>
+        </p:nvCxnSpPr>
+        <p:spPr>
+          <a:xfrm>
+            <a:off x="6177493" y="3802913"/>
+            <a:ext cx="1225895" cy="1618391"/>
+          </a:xfrm>
+          <a:prstGeom prst="straightConnector1">
+            <a:avLst/>
+          </a:prstGeom>
+          <a:ln>
+            <a:solidFill>
+              <a:schemeClr val="accent2">
+                <a:lumMod val="75000"/>
+              </a:schemeClr>
+            </a:solidFill>
+            <a:tailEnd type="triangle"/>
+          </a:ln>
+        </p:spPr>
+        <p:style>
+          <a:lnRef idx="1">
+            <a:schemeClr val="accent1"/>
+          </a:lnRef>
+          <a:fillRef idx="0">
+            <a:schemeClr val="accent1"/>
+          </a:fillRef>
+          <a:effectRef idx="0">
+            <a:schemeClr val="accent1"/>
+          </a:effectRef>
+          <a:fontRef idx="minor">
+            <a:schemeClr val="tx1"/>
+          </a:fontRef>
+        </p:style>
+      </p:cxnSp>
+      <p:sp>
+        <p:nvSpPr>
+          <p:cNvPr id="17" name="Rectangle 16">
+            <a:extLst>
+              <a:ext uri="{FF2B5EF4-FFF2-40B4-BE49-F238E27FC236}">
+                <a16:creationId xmlns:a16="http://schemas.microsoft.com/office/drawing/2014/main" id="{6CA982AA-2C3C-F848-BC5E-B4254DEC99FA}"/>
+              </a:ext>
+            </a:extLst>
+          </p:cNvPr>
+          <p:cNvSpPr/>
+          <p:nvPr/>
+        </p:nvSpPr>
+        <p:spPr>
+          <a:xfrm>
+            <a:off x="3510493" y="3041445"/>
+            <a:ext cx="2667000" cy="762000"/>
+          </a:xfrm>
+          <a:prstGeom prst="rect">
+            <a:avLst/>
+          </a:prstGeom>
+          <a:solidFill>
+            <a:schemeClr val="accent2">
+              <a:lumMod val="20000"/>
+              <a:lumOff val="80000"/>
+            </a:schemeClr>
+          </a:solidFill>
+          <a:ln>
+            <a:solidFill>
+              <a:schemeClr val="accent2">
+                <a:lumMod val="50000"/>
+              </a:schemeClr>
+            </a:solidFill>
+          </a:ln>
+        </p:spPr>
+        <p:style>
+          <a:lnRef idx="2">
+            <a:schemeClr val="accent1">
+              <a:shade val="50000"/>
+            </a:schemeClr>
+          </a:lnRef>
+          <a:fillRef idx="1">
+            <a:schemeClr val="accent1"/>
+          </a:fillRef>
+          <a:effectRef idx="0">
+            <a:schemeClr val="accent1"/>
+          </a:effectRef>
+          <a:fontRef idx="minor">
+            <a:schemeClr val="lt1"/>
+          </a:fontRef>
+        </p:style>
+        <p:txBody>
+          <a:bodyPr rtlCol="0" anchor="ctr"/>
+          <a:lstStyle/>
+          <a:p>
+            <a:pPr algn="ctr"/>
+            <a:r>
+              <a:rPr lang="en-US" sz="1600" dirty="0">
+                <a:solidFill>
+                  <a:schemeClr val="bg2"/>
+                </a:solidFill>
+                <a:latin typeface="Georgia" panose="02040502050405020303" pitchFamily="18" charset="0"/>
+              </a:rPr>
+              <a:t>Groups </a:t>
+            </a:r>
+          </a:p>
+          <a:p>
+            <a:pPr algn="ctr"/>
+            <a:r>
+              <a:rPr lang="en-US" sz="1600" dirty="0">
+                <a:solidFill>
+                  <a:schemeClr val="bg2"/>
+                </a:solidFill>
+                <a:latin typeface="Georgia" panose="02040502050405020303" pitchFamily="18" charset="0"/>
+              </a:rPr>
+              <a:t>(between-subjects)</a:t>
+            </a:r>
+          </a:p>
+        </p:txBody>
+      </p:sp>
+      <p:cxnSp>
+        <p:nvCxnSpPr>
+          <p:cNvPr id="19" name="Straight Arrow Connector 18">
+            <a:extLst>
+              <a:ext uri="{FF2B5EF4-FFF2-40B4-BE49-F238E27FC236}">
+                <a16:creationId xmlns:a16="http://schemas.microsoft.com/office/drawing/2014/main" id="{A4B589C8-00C9-F74D-A19D-C5F946FEA9DB}"/>
+              </a:ext>
+            </a:extLst>
+          </p:cNvPr>
+          <p:cNvCxnSpPr>
+            <a:cxnSpLocks/>
+          </p:cNvCxnSpPr>
+          <p:nvPr/>
+        </p:nvCxnSpPr>
+        <p:spPr>
+          <a:xfrm>
+            <a:off x="6177493" y="3310552"/>
+            <a:ext cx="1231889" cy="0"/>
+          </a:xfrm>
+          <a:prstGeom prst="straightConnector1">
+            <a:avLst/>
+          </a:prstGeom>
+          <a:ln>
+            <a:solidFill>
+              <a:schemeClr val="accent2">
+                <a:lumMod val="75000"/>
+              </a:schemeClr>
+            </a:solidFill>
+            <a:tailEnd type="triangle"/>
+          </a:ln>
+        </p:spPr>
+        <p:style>
+          <a:lnRef idx="1">
+            <a:schemeClr val="accent1"/>
+          </a:lnRef>
+          <a:fillRef idx="0">
+            <a:schemeClr val="accent1"/>
+          </a:fillRef>
+          <a:effectRef idx="0">
+            <a:schemeClr val="accent1"/>
+          </a:effectRef>
+          <a:fontRef idx="minor">
+            <a:schemeClr val="tx1"/>
+          </a:fontRef>
+        </p:style>
+      </p:cxnSp>
+      <p:sp>
+        <p:nvSpPr>
+          <p:cNvPr id="22" name="Rectangle 21">
+            <a:extLst>
+              <a:ext uri="{FF2B5EF4-FFF2-40B4-BE49-F238E27FC236}">
+                <a16:creationId xmlns:a16="http://schemas.microsoft.com/office/drawing/2014/main" id="{EE3CC4FA-8106-AF42-897C-3D5AE6DB9225}"/>
+              </a:ext>
+            </a:extLst>
+          </p:cNvPr>
+          <p:cNvSpPr/>
+          <p:nvPr/>
+        </p:nvSpPr>
+        <p:spPr>
+          <a:xfrm>
+            <a:off x="7403388" y="1974645"/>
+            <a:ext cx="1295400" cy="762000"/>
+          </a:xfrm>
+          <a:prstGeom prst="rect">
+            <a:avLst/>
+          </a:prstGeom>
+          <a:solidFill>
+            <a:schemeClr val="accent4">
+              <a:lumMod val="20000"/>
+              <a:lumOff val="80000"/>
+            </a:schemeClr>
+          </a:solidFill>
+          <a:ln>
+            <a:solidFill>
+              <a:schemeClr val="accent4"/>
+            </a:solidFill>
+          </a:ln>
+        </p:spPr>
+        <p:style>
+          <a:lnRef idx="2">
+            <a:schemeClr val="accent1">
+              <a:shade val="50000"/>
+            </a:schemeClr>
+          </a:lnRef>
+          <a:fillRef idx="1">
+            <a:schemeClr val="accent1"/>
+          </a:fillRef>
+          <a:effectRef idx="0">
+            <a:schemeClr val="accent1"/>
+          </a:effectRef>
+          <a:fontRef idx="minor">
+            <a:schemeClr val="lt1"/>
+          </a:fontRef>
+        </p:style>
+        <p:txBody>
+          <a:bodyPr rtlCol="0" anchor="ctr"/>
+          <a:lstStyle/>
+          <a:p>
+            <a:pPr algn="ctr"/>
+            <a:r>
+              <a:rPr lang="en-US" sz="1600" dirty="0">
+                <a:solidFill>
+                  <a:schemeClr val="bg2"/>
+                </a:solidFill>
+                <a:latin typeface="Georgia" panose="02040502050405020303" pitchFamily="18" charset="0"/>
+              </a:rPr>
+              <a:t>Time 1</a:t>
+            </a:r>
+          </a:p>
+        </p:txBody>
+      </p:sp>
+      <p:sp>
+        <p:nvSpPr>
+          <p:cNvPr id="23" name="Rectangle 22">
+            <a:extLst>
+              <a:ext uri="{FF2B5EF4-FFF2-40B4-BE49-F238E27FC236}">
+                <a16:creationId xmlns:a16="http://schemas.microsoft.com/office/drawing/2014/main" id="{521EDD06-7ADA-434E-9C8D-1306AF3993DA}"/>
+              </a:ext>
+            </a:extLst>
+          </p:cNvPr>
+          <p:cNvSpPr/>
+          <p:nvPr/>
+        </p:nvSpPr>
+        <p:spPr>
+          <a:xfrm>
+            <a:off x="7412739" y="2910527"/>
+            <a:ext cx="1295400" cy="762000"/>
+          </a:xfrm>
+          <a:prstGeom prst="rect">
+            <a:avLst/>
+          </a:prstGeom>
+          <a:solidFill>
+            <a:schemeClr val="accent4">
+              <a:lumMod val="20000"/>
+              <a:lumOff val="80000"/>
+            </a:schemeClr>
+          </a:solidFill>
+          <a:ln>
+            <a:solidFill>
+              <a:schemeClr val="accent4"/>
+            </a:solidFill>
+          </a:ln>
+        </p:spPr>
+        <p:style>
+          <a:lnRef idx="2">
+            <a:schemeClr val="accent1">
+              <a:shade val="50000"/>
+            </a:schemeClr>
+          </a:lnRef>
+          <a:fillRef idx="1">
+            <a:schemeClr val="accent1"/>
+          </a:fillRef>
+          <a:effectRef idx="0">
+            <a:schemeClr val="accent1"/>
+          </a:effectRef>
+          <a:fontRef idx="minor">
+            <a:schemeClr val="lt1"/>
+          </a:fontRef>
+        </p:style>
+        <p:txBody>
+          <a:bodyPr rtlCol="0" anchor="ctr"/>
+          <a:lstStyle/>
+          <a:p>
+            <a:pPr algn="ctr"/>
+            <a:r>
+              <a:rPr lang="en-US" sz="1600" dirty="0">
+                <a:solidFill>
+                  <a:schemeClr val="bg2"/>
+                </a:solidFill>
+                <a:latin typeface="Georgia" panose="02040502050405020303" pitchFamily="18" charset="0"/>
+              </a:rPr>
+              <a:t>Time 1</a:t>
+            </a:r>
+          </a:p>
+        </p:txBody>
+      </p:sp>
+      <p:sp>
+        <p:nvSpPr>
+          <p:cNvPr id="26" name="Rectangle 25">
+            <a:extLst>
+              <a:ext uri="{FF2B5EF4-FFF2-40B4-BE49-F238E27FC236}">
+                <a16:creationId xmlns:a16="http://schemas.microsoft.com/office/drawing/2014/main" id="{E9C3B6DC-AD45-3649-BF54-F1B552AF3B6E}"/>
+              </a:ext>
+            </a:extLst>
+          </p:cNvPr>
+          <p:cNvSpPr/>
+          <p:nvPr/>
+        </p:nvSpPr>
+        <p:spPr>
+          <a:xfrm>
+            <a:off x="7403388" y="5040304"/>
+            <a:ext cx="1295400" cy="762000"/>
+          </a:xfrm>
+          <a:prstGeom prst="rect">
+            <a:avLst/>
+          </a:prstGeom>
+          <a:solidFill>
+            <a:schemeClr val="accent4">
+              <a:lumMod val="20000"/>
+              <a:lumOff val="80000"/>
+            </a:schemeClr>
+          </a:solidFill>
+          <a:ln>
+            <a:solidFill>
+              <a:schemeClr val="accent4"/>
+            </a:solidFill>
+          </a:ln>
+        </p:spPr>
+        <p:style>
+          <a:lnRef idx="2">
+            <a:schemeClr val="accent1">
+              <a:shade val="50000"/>
+            </a:schemeClr>
+          </a:lnRef>
+          <a:fillRef idx="1">
+            <a:schemeClr val="accent1"/>
+          </a:fillRef>
+          <a:effectRef idx="0">
+            <a:schemeClr val="accent1"/>
+          </a:effectRef>
+          <a:fontRef idx="minor">
+            <a:schemeClr val="lt1"/>
+          </a:fontRef>
+        </p:style>
+        <p:txBody>
+          <a:bodyPr rtlCol="0" anchor="ctr"/>
+          <a:lstStyle/>
+          <a:p>
+            <a:pPr algn="ctr"/>
+            <a:r>
+              <a:rPr lang="en-US" sz="1600" dirty="0">
+                <a:solidFill>
+                  <a:schemeClr val="bg2"/>
+                </a:solidFill>
+                <a:latin typeface="Georgia" panose="02040502050405020303" pitchFamily="18" charset="0"/>
+              </a:rPr>
+              <a:t>Time 1</a:t>
+            </a:r>
+          </a:p>
+        </p:txBody>
+      </p:sp>
+      <p:sp>
+        <p:nvSpPr>
+          <p:cNvPr id="27" name="Rectangle 26">
+            <a:extLst>
+              <a:ext uri="{FF2B5EF4-FFF2-40B4-BE49-F238E27FC236}">
+                <a16:creationId xmlns:a16="http://schemas.microsoft.com/office/drawing/2014/main" id="{E23E1ACC-C235-744E-A8D3-0F9DF4A54D1D}"/>
+              </a:ext>
+            </a:extLst>
+          </p:cNvPr>
+          <p:cNvSpPr/>
+          <p:nvPr/>
+        </p:nvSpPr>
+        <p:spPr>
+          <a:xfrm>
+            <a:off x="8883294" y="1966939"/>
+            <a:ext cx="1295400" cy="762000"/>
+          </a:xfrm>
+          <a:prstGeom prst="rect">
+            <a:avLst/>
+          </a:prstGeom>
+          <a:solidFill>
+            <a:schemeClr val="accent4">
+              <a:lumMod val="20000"/>
+              <a:lumOff val="80000"/>
+            </a:schemeClr>
+          </a:solidFill>
+          <a:ln>
+            <a:solidFill>
+              <a:schemeClr val="accent4"/>
+            </a:solidFill>
+          </a:ln>
+        </p:spPr>
+        <p:style>
+          <a:lnRef idx="2">
+            <a:schemeClr val="accent1">
+              <a:shade val="50000"/>
+            </a:schemeClr>
+          </a:lnRef>
+          <a:fillRef idx="1">
+            <a:schemeClr val="accent1"/>
+          </a:fillRef>
+          <a:effectRef idx="0">
+            <a:schemeClr val="accent1"/>
+          </a:effectRef>
+          <a:fontRef idx="minor">
+            <a:schemeClr val="lt1"/>
+          </a:fontRef>
+        </p:style>
+        <p:txBody>
+          <a:bodyPr rtlCol="0" anchor="ctr"/>
+          <a:lstStyle/>
+          <a:p>
+            <a:pPr algn="ctr"/>
+            <a:r>
+              <a:rPr lang="en-US" sz="1600" dirty="0">
+                <a:solidFill>
+                  <a:schemeClr val="bg2"/>
+                </a:solidFill>
+                <a:latin typeface="Georgia" panose="02040502050405020303" pitchFamily="18" charset="0"/>
+              </a:rPr>
+              <a:t>Time 2</a:t>
+            </a:r>
+          </a:p>
+        </p:txBody>
+      </p:sp>
+      <p:sp>
+        <p:nvSpPr>
+          <p:cNvPr id="28" name="Rectangle 27">
+            <a:extLst>
+              <a:ext uri="{FF2B5EF4-FFF2-40B4-BE49-F238E27FC236}">
+                <a16:creationId xmlns:a16="http://schemas.microsoft.com/office/drawing/2014/main" id="{2C25B8A0-7C1C-D645-80CC-C33B8AC44B7E}"/>
+              </a:ext>
+            </a:extLst>
+          </p:cNvPr>
+          <p:cNvSpPr/>
+          <p:nvPr/>
+        </p:nvSpPr>
+        <p:spPr>
+          <a:xfrm>
+            <a:off x="8892645" y="2910527"/>
+            <a:ext cx="1295400" cy="762000"/>
+          </a:xfrm>
+          <a:prstGeom prst="rect">
+            <a:avLst/>
+          </a:prstGeom>
+          <a:solidFill>
+            <a:schemeClr val="accent4">
+              <a:lumMod val="20000"/>
+              <a:lumOff val="80000"/>
+            </a:schemeClr>
+          </a:solidFill>
+          <a:ln>
+            <a:solidFill>
+              <a:schemeClr val="accent4"/>
+            </a:solidFill>
+          </a:ln>
+        </p:spPr>
+        <p:style>
+          <a:lnRef idx="2">
+            <a:schemeClr val="accent1">
+              <a:shade val="50000"/>
+            </a:schemeClr>
+          </a:lnRef>
+          <a:fillRef idx="1">
+            <a:schemeClr val="accent1"/>
+          </a:fillRef>
+          <a:effectRef idx="0">
+            <a:schemeClr val="accent1"/>
+          </a:effectRef>
+          <a:fontRef idx="minor">
+            <a:schemeClr val="lt1"/>
+          </a:fontRef>
+        </p:style>
+        <p:txBody>
+          <a:bodyPr rtlCol="0" anchor="ctr"/>
+          <a:lstStyle/>
+          <a:p>
+            <a:pPr algn="ctr"/>
+            <a:r>
+              <a:rPr lang="en-US" sz="1600" dirty="0">
+                <a:solidFill>
+                  <a:schemeClr val="bg2"/>
+                </a:solidFill>
+                <a:latin typeface="Georgia" panose="02040502050405020303" pitchFamily="18" charset="0"/>
+              </a:rPr>
+              <a:t>Time 2</a:t>
+            </a:r>
+          </a:p>
+        </p:txBody>
+      </p:sp>
+      <p:sp>
+        <p:nvSpPr>
+          <p:cNvPr id="29" name="Rectangle 28">
+            <a:extLst>
+              <a:ext uri="{FF2B5EF4-FFF2-40B4-BE49-F238E27FC236}">
+                <a16:creationId xmlns:a16="http://schemas.microsoft.com/office/drawing/2014/main" id="{FCBC3BF6-6DF3-0440-896A-85FF40CBCC4C}"/>
+              </a:ext>
+            </a:extLst>
+          </p:cNvPr>
+          <p:cNvSpPr/>
+          <p:nvPr/>
+        </p:nvSpPr>
+        <p:spPr>
+          <a:xfrm>
+            <a:off x="8895282" y="5037664"/>
+            <a:ext cx="1295400" cy="762000"/>
+          </a:xfrm>
+          <a:prstGeom prst="rect">
+            <a:avLst/>
+          </a:prstGeom>
+          <a:solidFill>
+            <a:schemeClr val="accent4">
+              <a:lumMod val="20000"/>
+              <a:lumOff val="80000"/>
+            </a:schemeClr>
+          </a:solidFill>
+          <a:ln>
+            <a:solidFill>
+              <a:schemeClr val="accent4"/>
+            </a:solidFill>
+          </a:ln>
+        </p:spPr>
+        <p:style>
+          <a:lnRef idx="2">
+            <a:schemeClr val="accent1">
+              <a:shade val="50000"/>
+            </a:schemeClr>
+          </a:lnRef>
+          <a:fillRef idx="1">
+            <a:schemeClr val="accent1"/>
+          </a:fillRef>
+          <a:effectRef idx="0">
+            <a:schemeClr val="accent1"/>
+          </a:effectRef>
+          <a:fontRef idx="minor">
+            <a:schemeClr val="lt1"/>
+          </a:fontRef>
+        </p:style>
+        <p:txBody>
+          <a:bodyPr rtlCol="0" anchor="ctr"/>
+          <a:lstStyle/>
+          <a:p>
+            <a:pPr algn="ctr"/>
+            <a:r>
+              <a:rPr lang="en-US" sz="1600" dirty="0">
+                <a:solidFill>
+                  <a:schemeClr val="bg2"/>
+                </a:solidFill>
+                <a:latin typeface="Georgia" panose="02040502050405020303" pitchFamily="18" charset="0"/>
+              </a:rPr>
+              <a:t>Time 2</a:t>
+            </a:r>
+          </a:p>
+        </p:txBody>
+      </p:sp>
+      <p:cxnSp>
+        <p:nvCxnSpPr>
+          <p:cNvPr id="30" name="Straight Arrow Connector 29">
+            <a:extLst>
+              <a:ext uri="{FF2B5EF4-FFF2-40B4-BE49-F238E27FC236}">
+                <a16:creationId xmlns:a16="http://schemas.microsoft.com/office/drawing/2014/main" id="{2CFB0A7E-F99A-334A-8103-A3BA6ABAD556}"/>
+              </a:ext>
+            </a:extLst>
+          </p:cNvPr>
+          <p:cNvCxnSpPr>
+            <a:cxnSpLocks/>
+            <a:stCxn id="22" idx="3"/>
+            <a:endCxn id="27" idx="1"/>
+          </p:cNvCxnSpPr>
+          <p:nvPr/>
+        </p:nvCxnSpPr>
+        <p:spPr>
+          <a:xfrm flipV="1">
+            <a:off x="8698788" y="2347939"/>
+            <a:ext cx="184506" cy="7706"/>
+          </a:xfrm>
+          <a:prstGeom prst="straightConnector1">
+            <a:avLst/>
+          </a:prstGeom>
+          <a:ln>
+            <a:tailEnd type="triangle"/>
+          </a:ln>
+        </p:spPr>
+        <p:style>
+          <a:lnRef idx="1">
+            <a:schemeClr val="accent1"/>
+          </a:lnRef>
+          <a:fillRef idx="0">
+            <a:schemeClr val="accent1"/>
+          </a:fillRef>
+          <a:effectRef idx="0">
+            <a:schemeClr val="accent1"/>
+          </a:effectRef>
+          <a:fontRef idx="minor">
+            <a:schemeClr val="tx1"/>
+          </a:fontRef>
+        </p:style>
+      </p:cxnSp>
+      <p:cxnSp>
+        <p:nvCxnSpPr>
+          <p:cNvPr id="33" name="Straight Arrow Connector 32">
+            <a:extLst>
+              <a:ext uri="{FF2B5EF4-FFF2-40B4-BE49-F238E27FC236}">
+                <a16:creationId xmlns:a16="http://schemas.microsoft.com/office/drawing/2014/main" id="{8FC6E655-0E84-2F44-A3F6-C6B7DC93E17C}"/>
+              </a:ext>
+            </a:extLst>
+          </p:cNvPr>
+          <p:cNvCxnSpPr>
+            <a:cxnSpLocks/>
+          </p:cNvCxnSpPr>
+          <p:nvPr/>
+        </p:nvCxnSpPr>
+        <p:spPr>
+          <a:xfrm>
+            <a:off x="8708139" y="3278684"/>
+            <a:ext cx="190500" cy="1712"/>
+          </a:xfrm>
+          <a:prstGeom prst="straightConnector1">
+            <a:avLst/>
+          </a:prstGeom>
+          <a:ln>
+            <a:tailEnd type="triangle"/>
+          </a:ln>
+        </p:spPr>
+        <p:style>
+          <a:lnRef idx="1">
+            <a:schemeClr val="accent1"/>
+          </a:lnRef>
+          <a:fillRef idx="0">
+            <a:schemeClr val="accent1"/>
+          </a:fillRef>
+          <a:effectRef idx="0">
+            <a:schemeClr val="accent1"/>
+          </a:effectRef>
+          <a:fontRef idx="minor">
+            <a:schemeClr val="tx1"/>
+          </a:fontRef>
+        </p:style>
+      </p:cxnSp>
+      <p:cxnSp>
+        <p:nvCxnSpPr>
+          <p:cNvPr id="34" name="Straight Arrow Connector 33">
+            <a:extLst>
+              <a:ext uri="{FF2B5EF4-FFF2-40B4-BE49-F238E27FC236}">
+                <a16:creationId xmlns:a16="http://schemas.microsoft.com/office/drawing/2014/main" id="{DAE854FC-392B-0942-8E67-45C4ED349F2C}"/>
+              </a:ext>
+            </a:extLst>
+          </p:cNvPr>
+          <p:cNvCxnSpPr>
+            <a:cxnSpLocks/>
+          </p:cNvCxnSpPr>
+          <p:nvPr/>
+        </p:nvCxnSpPr>
+        <p:spPr>
+          <a:xfrm>
+            <a:off x="8709277" y="5421908"/>
+            <a:ext cx="190500" cy="1712"/>
+          </a:xfrm>
+          <a:prstGeom prst="straightConnector1">
+            <a:avLst/>
+          </a:prstGeom>
+          <a:ln>
+            <a:solidFill>
+              <a:schemeClr val="accent4"/>
+            </a:solidFill>
+            <a:tailEnd type="triangle"/>
+          </a:ln>
+        </p:spPr>
+        <p:style>
+          <a:lnRef idx="1">
+            <a:schemeClr val="accent1"/>
+          </a:lnRef>
+          <a:fillRef idx="0">
+            <a:schemeClr val="accent1"/>
+          </a:fillRef>
+          <a:effectRef idx="0">
+            <a:schemeClr val="accent1"/>
+          </a:effectRef>
+          <a:fontRef idx="minor">
+            <a:schemeClr val="tx1"/>
+          </a:fontRef>
+        </p:style>
+      </p:cxnSp>
+      <p:sp>
+        <p:nvSpPr>
+          <p:cNvPr id="38" name="TextBox 37">
+            <a:extLst>
+              <a:ext uri="{FF2B5EF4-FFF2-40B4-BE49-F238E27FC236}">
+                <a16:creationId xmlns:a16="http://schemas.microsoft.com/office/drawing/2014/main" id="{A92E0FF5-EFE5-9441-9338-40E36871DE00}"/>
+              </a:ext>
+            </a:extLst>
+          </p:cNvPr>
+          <p:cNvSpPr txBox="1"/>
+          <p:nvPr/>
+        </p:nvSpPr>
+        <p:spPr>
+          <a:xfrm rot="19827836">
+            <a:off x="6350770" y="2400047"/>
+            <a:ext cx="809837" cy="307777"/>
+          </a:xfrm>
+          <a:prstGeom prst="rect">
+            <a:avLst/>
+          </a:prstGeom>
+          <a:noFill/>
+        </p:spPr>
+        <p:txBody>
+          <a:bodyPr wrap="none" rtlCol="0">
+            <a:spAutoFit/>
+          </a:bodyPr>
+          <a:lstStyle/>
+          <a:p>
+            <a:r>
+              <a:rPr lang="en-US" sz="1400" dirty="0">
+                <a:solidFill>
+                  <a:schemeClr val="bg2"/>
+                </a:solidFill>
+                <a:latin typeface="Georgia" panose="02040502050405020303" pitchFamily="18" charset="0"/>
+              </a:rPr>
+              <a:t>Group 1</a:t>
+            </a:r>
+          </a:p>
+        </p:txBody>
+      </p:sp>
+      <p:sp>
+        <p:nvSpPr>
+          <p:cNvPr id="40" name="TextBox 39">
+            <a:extLst>
+              <a:ext uri="{FF2B5EF4-FFF2-40B4-BE49-F238E27FC236}">
+                <a16:creationId xmlns:a16="http://schemas.microsoft.com/office/drawing/2014/main" id="{A627077D-9DC4-834D-8CDD-54485B6F5879}"/>
+              </a:ext>
+            </a:extLst>
+          </p:cNvPr>
+          <p:cNvSpPr txBox="1"/>
+          <p:nvPr/>
+        </p:nvSpPr>
+        <p:spPr>
+          <a:xfrm>
+            <a:off x="6439535" y="3031783"/>
+            <a:ext cx="833883" cy="307777"/>
+          </a:xfrm>
+          <a:prstGeom prst="rect">
+            <a:avLst/>
+          </a:prstGeom>
+          <a:noFill/>
+        </p:spPr>
+        <p:txBody>
+          <a:bodyPr wrap="none" rtlCol="0">
+            <a:spAutoFit/>
+          </a:bodyPr>
+          <a:lstStyle/>
+          <a:p>
+            <a:r>
+              <a:rPr lang="en-US" sz="1400" dirty="0">
+                <a:solidFill>
+                  <a:schemeClr val="bg2"/>
+                </a:solidFill>
+                <a:latin typeface="Georgia" panose="02040502050405020303" pitchFamily="18" charset="0"/>
+              </a:rPr>
+              <a:t>Group 2</a:t>
+            </a:r>
+          </a:p>
+        </p:txBody>
+      </p:sp>
+      <p:cxnSp>
+        <p:nvCxnSpPr>
+          <p:cNvPr id="42" name="Straight Arrow Connector 41">
+            <a:extLst>
+              <a:ext uri="{FF2B5EF4-FFF2-40B4-BE49-F238E27FC236}">
+                <a16:creationId xmlns:a16="http://schemas.microsoft.com/office/drawing/2014/main" id="{8DCC07CD-D634-5949-A867-8DCFE17C4D51}"/>
+              </a:ext>
+            </a:extLst>
+          </p:cNvPr>
+          <p:cNvCxnSpPr>
+            <a:cxnSpLocks/>
+          </p:cNvCxnSpPr>
+          <p:nvPr/>
+        </p:nvCxnSpPr>
+        <p:spPr>
+          <a:xfrm>
+            <a:off x="6160832" y="3542526"/>
+            <a:ext cx="1234468" cy="814206"/>
+          </a:xfrm>
+          <a:prstGeom prst="straightConnector1">
+            <a:avLst/>
+          </a:prstGeom>
+          <a:ln>
+            <a:solidFill>
+              <a:schemeClr val="accent2">
+                <a:lumMod val="75000"/>
+              </a:schemeClr>
+            </a:solidFill>
+            <a:tailEnd type="triangle"/>
+          </a:ln>
+        </p:spPr>
+        <p:style>
+          <a:lnRef idx="1">
+            <a:schemeClr val="accent1"/>
+          </a:lnRef>
+          <a:fillRef idx="0">
+            <a:schemeClr val="accent1"/>
+          </a:fillRef>
+          <a:effectRef idx="0">
+            <a:schemeClr val="accent1"/>
+          </a:effectRef>
+          <a:fontRef idx="minor">
+            <a:schemeClr val="tx1"/>
+          </a:fontRef>
+        </p:style>
+      </p:cxnSp>
+      <p:sp>
+        <p:nvSpPr>
+          <p:cNvPr id="43" name="Oval 42">
+            <a:extLst>
+              <a:ext uri="{FF2B5EF4-FFF2-40B4-BE49-F238E27FC236}">
+                <a16:creationId xmlns:a16="http://schemas.microsoft.com/office/drawing/2014/main" id="{B938DE25-A443-184C-A42E-23E0E56C981F}"/>
+              </a:ext>
+            </a:extLst>
+          </p:cNvPr>
+          <p:cNvSpPr/>
+          <p:nvPr/>
+        </p:nvSpPr>
+        <p:spPr>
+          <a:xfrm>
+            <a:off x="7725008" y="4322450"/>
+            <a:ext cx="152400" cy="152400"/>
+          </a:xfrm>
+          <a:prstGeom prst="ellipse">
+            <a:avLst/>
+          </a:prstGeom>
+          <a:solidFill>
+            <a:schemeClr val="accent4">
+              <a:lumMod val="20000"/>
+              <a:lumOff val="80000"/>
+            </a:schemeClr>
+          </a:solidFill>
+          <a:ln w="38100">
+            <a:solidFill>
+              <a:schemeClr val="accent4"/>
+            </a:solidFill>
+          </a:ln>
+        </p:spPr>
+        <p:style>
+          <a:lnRef idx="2">
+            <a:schemeClr val="accent1">
+              <a:shade val="50000"/>
+            </a:schemeClr>
+          </a:lnRef>
+          <a:fillRef idx="1">
+            <a:schemeClr val="accent1"/>
+          </a:fillRef>
+          <a:effectRef idx="0">
+            <a:schemeClr val="accent1"/>
+          </a:effectRef>
+          <a:fontRef idx="minor">
+            <a:schemeClr val="lt1"/>
+          </a:fontRef>
+        </p:style>
+        <p:txBody>
+          <a:bodyPr rtlCol="0" anchor="ctr"/>
+          <a:lstStyle/>
+          <a:p>
+            <a:pPr algn="ctr"/>
+            <a:endParaRPr lang="en-US">
+              <a:solidFill>
+                <a:schemeClr val="bg2"/>
+              </a:solidFill>
+            </a:endParaRPr>
+          </a:p>
+        </p:txBody>
+      </p:sp>
+      <p:sp>
+        <p:nvSpPr>
+          <p:cNvPr id="46" name="Oval 45">
+            <a:extLst>
+              <a:ext uri="{FF2B5EF4-FFF2-40B4-BE49-F238E27FC236}">
+                <a16:creationId xmlns:a16="http://schemas.microsoft.com/office/drawing/2014/main" id="{173ABC93-4828-814A-A480-60E46D33A848}"/>
+              </a:ext>
+            </a:extLst>
+          </p:cNvPr>
+          <p:cNvSpPr/>
+          <p:nvPr/>
+        </p:nvSpPr>
+        <p:spPr>
+          <a:xfrm>
+            <a:off x="7977885" y="4321190"/>
+            <a:ext cx="152400" cy="152400"/>
+          </a:xfrm>
+          <a:prstGeom prst="ellipse">
+            <a:avLst/>
+          </a:prstGeom>
+          <a:solidFill>
+            <a:schemeClr val="accent4">
+              <a:lumMod val="20000"/>
+              <a:lumOff val="80000"/>
+            </a:schemeClr>
+          </a:solidFill>
+          <a:ln w="38100">
+            <a:solidFill>
+              <a:schemeClr val="accent4"/>
+            </a:solidFill>
+          </a:ln>
+        </p:spPr>
+        <p:style>
+          <a:lnRef idx="2">
+            <a:schemeClr val="accent1">
+              <a:shade val="50000"/>
+            </a:schemeClr>
+          </a:lnRef>
+          <a:fillRef idx="1">
+            <a:schemeClr val="accent1"/>
+          </a:fillRef>
+          <a:effectRef idx="0">
+            <a:schemeClr val="accent1"/>
+          </a:effectRef>
+          <a:fontRef idx="minor">
+            <a:schemeClr val="lt1"/>
+          </a:fontRef>
+        </p:style>
+        <p:txBody>
+          <a:bodyPr rtlCol="0" anchor="ctr"/>
+          <a:lstStyle/>
+          <a:p>
+            <a:pPr algn="ctr"/>
+            <a:endParaRPr lang="en-US">
+              <a:solidFill>
+                <a:schemeClr val="bg2"/>
+              </a:solidFill>
+            </a:endParaRPr>
+          </a:p>
+        </p:txBody>
+      </p:sp>
+      <p:sp>
+        <p:nvSpPr>
+          <p:cNvPr id="47" name="Oval 46">
+            <a:extLst>
+              <a:ext uri="{FF2B5EF4-FFF2-40B4-BE49-F238E27FC236}">
+                <a16:creationId xmlns:a16="http://schemas.microsoft.com/office/drawing/2014/main" id="{5DB24D45-0D0F-334D-AD3E-7C0C43B1D76D}"/>
+              </a:ext>
+            </a:extLst>
+          </p:cNvPr>
+          <p:cNvSpPr/>
+          <p:nvPr/>
+        </p:nvSpPr>
+        <p:spPr>
+          <a:xfrm>
+            <a:off x="8230762" y="4327644"/>
+            <a:ext cx="152400" cy="152400"/>
+          </a:xfrm>
+          <a:prstGeom prst="ellipse">
+            <a:avLst/>
+          </a:prstGeom>
+          <a:solidFill>
+            <a:schemeClr val="accent4">
+              <a:lumMod val="20000"/>
+              <a:lumOff val="80000"/>
+            </a:schemeClr>
+          </a:solidFill>
+          <a:ln w="38100">
+            <a:solidFill>
+              <a:schemeClr val="accent4"/>
+            </a:solidFill>
+          </a:ln>
+        </p:spPr>
+        <p:style>
+          <a:lnRef idx="2">
+            <a:schemeClr val="accent1">
+              <a:shade val="50000"/>
+            </a:schemeClr>
+          </a:lnRef>
+          <a:fillRef idx="1">
+            <a:schemeClr val="accent1"/>
+          </a:fillRef>
+          <a:effectRef idx="0">
+            <a:schemeClr val="accent1"/>
+          </a:effectRef>
+          <a:fontRef idx="minor">
+            <a:schemeClr val="lt1"/>
+          </a:fontRef>
+        </p:style>
+        <p:txBody>
+          <a:bodyPr rtlCol="0" anchor="ctr"/>
+          <a:lstStyle/>
+          <a:p>
+            <a:pPr algn="ctr"/>
+            <a:endParaRPr lang="en-US">
+              <a:solidFill>
+                <a:schemeClr val="bg2"/>
+              </a:solidFill>
+            </a:endParaRPr>
+          </a:p>
+        </p:txBody>
+      </p:sp>
+      <p:sp>
+        <p:nvSpPr>
+          <p:cNvPr id="52" name="TextBox 51">
+            <a:extLst>
+              <a:ext uri="{FF2B5EF4-FFF2-40B4-BE49-F238E27FC236}">
+                <a16:creationId xmlns:a16="http://schemas.microsoft.com/office/drawing/2014/main" id="{16D94DCC-96B0-8D4A-ABCE-AB02FCC315CC}"/>
+              </a:ext>
+            </a:extLst>
+          </p:cNvPr>
+          <p:cNvSpPr txBox="1"/>
+          <p:nvPr/>
+        </p:nvSpPr>
+        <p:spPr>
+          <a:xfrm rot="3013864">
+            <a:off x="6490439" y="4326156"/>
+            <a:ext cx="829073" cy="307777"/>
+          </a:xfrm>
+          <a:prstGeom prst="rect">
+            <a:avLst/>
+          </a:prstGeom>
+          <a:noFill/>
+        </p:spPr>
+        <p:txBody>
+          <a:bodyPr wrap="none" rtlCol="0">
+            <a:spAutoFit/>
+          </a:bodyPr>
+          <a:lstStyle/>
+          <a:p>
+            <a:r>
+              <a:rPr lang="en-US" sz="1400" dirty="0">
+                <a:solidFill>
+                  <a:schemeClr val="bg2"/>
+                </a:solidFill>
+                <a:latin typeface="Georgia" panose="02040502050405020303" pitchFamily="18" charset="0"/>
+              </a:rPr>
+              <a:t>Group k</a:t>
+            </a:r>
+          </a:p>
+        </p:txBody>
+      </p:sp>
+      <p:sp>
+        <p:nvSpPr>
+          <p:cNvPr id="53" name="TextBox 52">
+            <a:extLst>
+              <a:ext uri="{FF2B5EF4-FFF2-40B4-BE49-F238E27FC236}">
+                <a16:creationId xmlns:a16="http://schemas.microsoft.com/office/drawing/2014/main" id="{DE9B19D9-7ADA-FC42-9DF5-B032508008EB}"/>
+              </a:ext>
+            </a:extLst>
+          </p:cNvPr>
+          <p:cNvSpPr txBox="1"/>
+          <p:nvPr/>
+        </p:nvSpPr>
+        <p:spPr>
+          <a:xfrm rot="2038625">
+            <a:off x="6371198" y="3688950"/>
+            <a:ext cx="1082348" cy="307777"/>
+          </a:xfrm>
+          <a:prstGeom prst="rect">
+            <a:avLst/>
+          </a:prstGeom>
+          <a:noFill/>
+        </p:spPr>
+        <p:txBody>
+          <a:bodyPr wrap="none" rtlCol="0">
+            <a:spAutoFit/>
+          </a:bodyPr>
+          <a:lstStyle/>
+          <a:p>
+            <a:r>
+              <a:rPr lang="en-US" sz="1400" dirty="0">
+                <a:solidFill>
+                  <a:schemeClr val="bg2"/>
+                </a:solidFill>
+                <a:latin typeface="Georgia" panose="02040502050405020303" pitchFamily="18" charset="0"/>
+              </a:rPr>
+              <a:t>Group 3 - k</a:t>
+            </a:r>
+          </a:p>
+        </p:txBody>
+      </p:sp>
+      <p:cxnSp>
+        <p:nvCxnSpPr>
+          <p:cNvPr id="59" name="Straight Arrow Connector 58">
+            <a:extLst>
+              <a:ext uri="{FF2B5EF4-FFF2-40B4-BE49-F238E27FC236}">
+                <a16:creationId xmlns:a16="http://schemas.microsoft.com/office/drawing/2014/main" id="{EE370682-82C8-7042-8368-955FD930E504}"/>
+              </a:ext>
+            </a:extLst>
+          </p:cNvPr>
+          <p:cNvCxnSpPr>
+            <a:cxnSpLocks/>
+            <a:stCxn id="27" idx="3"/>
+          </p:cNvCxnSpPr>
+          <p:nvPr/>
+        </p:nvCxnSpPr>
+        <p:spPr>
+          <a:xfrm>
+            <a:off x="10178694" y="2347939"/>
+            <a:ext cx="184506" cy="0"/>
+          </a:xfrm>
+          <a:prstGeom prst="straightConnector1">
+            <a:avLst/>
+          </a:prstGeom>
+          <a:ln>
+            <a:tailEnd type="triangle"/>
+          </a:ln>
+        </p:spPr>
+        <p:style>
+          <a:lnRef idx="1">
+            <a:schemeClr val="accent1"/>
+          </a:lnRef>
+          <a:fillRef idx="0">
+            <a:schemeClr val="accent1"/>
+          </a:fillRef>
+          <a:effectRef idx="0">
+            <a:schemeClr val="accent1"/>
+          </a:effectRef>
+          <a:fontRef idx="minor">
+            <a:schemeClr val="tx1"/>
+          </a:fontRef>
+        </p:style>
+      </p:cxnSp>
+      <p:sp>
+        <p:nvSpPr>
+          <p:cNvPr id="62" name="Rectangle 61">
+            <a:extLst>
+              <a:ext uri="{FF2B5EF4-FFF2-40B4-BE49-F238E27FC236}">
+                <a16:creationId xmlns:a16="http://schemas.microsoft.com/office/drawing/2014/main" id="{CBCD9280-7D48-DC4B-A19B-BB8265B6810B}"/>
+              </a:ext>
+            </a:extLst>
+          </p:cNvPr>
+          <p:cNvSpPr/>
+          <p:nvPr/>
+        </p:nvSpPr>
+        <p:spPr>
+          <a:xfrm>
+            <a:off x="10363200" y="1966939"/>
+            <a:ext cx="1295400" cy="762000"/>
+          </a:xfrm>
+          <a:prstGeom prst="rect">
+            <a:avLst/>
+          </a:prstGeom>
+          <a:solidFill>
+            <a:schemeClr val="accent4">
+              <a:lumMod val="20000"/>
+              <a:lumOff val="80000"/>
+            </a:schemeClr>
+          </a:solidFill>
+          <a:ln>
+            <a:solidFill>
+              <a:schemeClr val="accent4"/>
+            </a:solidFill>
+          </a:ln>
+        </p:spPr>
+        <p:style>
+          <a:lnRef idx="2">
+            <a:schemeClr val="accent1">
+              <a:shade val="50000"/>
+            </a:schemeClr>
+          </a:lnRef>
+          <a:fillRef idx="1">
+            <a:schemeClr val="accent1"/>
+          </a:fillRef>
+          <a:effectRef idx="0">
+            <a:schemeClr val="accent1"/>
+          </a:effectRef>
+          <a:fontRef idx="minor">
+            <a:schemeClr val="lt1"/>
+          </a:fontRef>
+        </p:style>
+        <p:txBody>
+          <a:bodyPr rtlCol="0" anchor="ctr"/>
+          <a:lstStyle/>
+          <a:p>
+            <a:pPr algn="ctr"/>
+            <a:r>
+              <a:rPr lang="en-US" sz="1600" dirty="0">
+                <a:solidFill>
+                  <a:schemeClr val="bg2"/>
+                </a:solidFill>
+                <a:latin typeface="Georgia" panose="02040502050405020303" pitchFamily="18" charset="0"/>
+              </a:rPr>
+              <a:t>Time t</a:t>
+            </a:r>
+          </a:p>
+        </p:txBody>
+      </p:sp>
+      <p:cxnSp>
+        <p:nvCxnSpPr>
+          <p:cNvPr id="63" name="Straight Arrow Connector 62">
+            <a:extLst>
+              <a:ext uri="{FF2B5EF4-FFF2-40B4-BE49-F238E27FC236}">
+                <a16:creationId xmlns:a16="http://schemas.microsoft.com/office/drawing/2014/main" id="{73A74C0B-DE48-7A47-A471-4A0252CF5992}"/>
+              </a:ext>
+            </a:extLst>
+          </p:cNvPr>
+          <p:cNvCxnSpPr>
+            <a:cxnSpLocks/>
+          </p:cNvCxnSpPr>
+          <p:nvPr/>
+        </p:nvCxnSpPr>
+        <p:spPr>
+          <a:xfrm>
+            <a:off x="10188045" y="3285957"/>
+            <a:ext cx="184506" cy="0"/>
+          </a:xfrm>
+          <a:prstGeom prst="straightConnector1">
+            <a:avLst/>
+          </a:prstGeom>
+          <a:ln>
+            <a:tailEnd type="triangle"/>
+          </a:ln>
+        </p:spPr>
+        <p:style>
+          <a:lnRef idx="1">
+            <a:schemeClr val="accent1"/>
+          </a:lnRef>
+          <a:fillRef idx="0">
+            <a:schemeClr val="accent1"/>
+          </a:fillRef>
+          <a:effectRef idx="0">
+            <a:schemeClr val="accent1"/>
+          </a:effectRef>
+          <a:fontRef idx="minor">
+            <a:schemeClr val="tx1"/>
+          </a:fontRef>
+        </p:style>
+      </p:cxnSp>
+      <p:sp>
+        <p:nvSpPr>
+          <p:cNvPr id="64" name="Rectangle 63">
+            <a:extLst>
+              <a:ext uri="{FF2B5EF4-FFF2-40B4-BE49-F238E27FC236}">
+                <a16:creationId xmlns:a16="http://schemas.microsoft.com/office/drawing/2014/main" id="{01A4E850-90BD-F24E-B39C-5ED153D0755B}"/>
+              </a:ext>
+            </a:extLst>
+          </p:cNvPr>
+          <p:cNvSpPr/>
+          <p:nvPr/>
+        </p:nvSpPr>
+        <p:spPr>
+          <a:xfrm>
+            <a:off x="10372551" y="2904957"/>
+            <a:ext cx="1295400" cy="762000"/>
+          </a:xfrm>
+          <a:prstGeom prst="rect">
+            <a:avLst/>
+          </a:prstGeom>
+          <a:solidFill>
+            <a:schemeClr val="accent4">
+              <a:lumMod val="20000"/>
+              <a:lumOff val="80000"/>
+            </a:schemeClr>
+          </a:solidFill>
+          <a:ln>
+            <a:solidFill>
+              <a:schemeClr val="accent4"/>
+            </a:solidFill>
+          </a:ln>
+        </p:spPr>
+        <p:style>
+          <a:lnRef idx="2">
+            <a:schemeClr val="accent1">
+              <a:shade val="50000"/>
+            </a:schemeClr>
+          </a:lnRef>
+          <a:fillRef idx="1">
+            <a:schemeClr val="accent1"/>
+          </a:fillRef>
+          <a:effectRef idx="0">
+            <a:schemeClr val="accent1"/>
+          </a:effectRef>
+          <a:fontRef idx="minor">
+            <a:schemeClr val="lt1"/>
+          </a:fontRef>
+        </p:style>
+        <p:txBody>
+          <a:bodyPr rtlCol="0" anchor="ctr"/>
+          <a:lstStyle/>
+          <a:p>
+            <a:pPr algn="ctr"/>
+            <a:r>
+              <a:rPr lang="en-US" sz="1600" dirty="0">
+                <a:solidFill>
+                  <a:schemeClr val="bg2"/>
+                </a:solidFill>
+                <a:latin typeface="Georgia" panose="02040502050405020303" pitchFamily="18" charset="0"/>
+              </a:rPr>
+              <a:t>Time t</a:t>
+            </a:r>
+          </a:p>
+        </p:txBody>
+      </p:sp>
+      <p:cxnSp>
+        <p:nvCxnSpPr>
+          <p:cNvPr id="65" name="Straight Arrow Connector 64">
+            <a:extLst>
+              <a:ext uri="{FF2B5EF4-FFF2-40B4-BE49-F238E27FC236}">
+                <a16:creationId xmlns:a16="http://schemas.microsoft.com/office/drawing/2014/main" id="{C661A371-44FB-5A4E-BA5E-F031B75378C1}"/>
+              </a:ext>
+            </a:extLst>
+          </p:cNvPr>
+          <p:cNvCxnSpPr>
+            <a:cxnSpLocks/>
+          </p:cNvCxnSpPr>
+          <p:nvPr/>
+        </p:nvCxnSpPr>
+        <p:spPr>
+          <a:xfrm>
+            <a:off x="10178694" y="5410200"/>
+            <a:ext cx="184506" cy="0"/>
+          </a:xfrm>
+          <a:prstGeom prst="straightConnector1">
+            <a:avLst/>
+          </a:prstGeom>
+          <a:ln>
+            <a:solidFill>
+              <a:schemeClr val="accent4"/>
+            </a:solidFill>
+            <a:tailEnd type="triangle"/>
+          </a:ln>
+        </p:spPr>
+        <p:style>
+          <a:lnRef idx="1">
+            <a:schemeClr val="accent1"/>
+          </a:lnRef>
+          <a:fillRef idx="0">
+            <a:schemeClr val="accent1"/>
+          </a:fillRef>
+          <a:effectRef idx="0">
+            <a:schemeClr val="accent1"/>
+          </a:effectRef>
+          <a:fontRef idx="minor">
+            <a:schemeClr val="tx1"/>
+          </a:fontRef>
+        </p:style>
+      </p:cxnSp>
+      <p:sp>
+        <p:nvSpPr>
+          <p:cNvPr id="66" name="Rectangle 65">
+            <a:extLst>
+              <a:ext uri="{FF2B5EF4-FFF2-40B4-BE49-F238E27FC236}">
+                <a16:creationId xmlns:a16="http://schemas.microsoft.com/office/drawing/2014/main" id="{531655D5-49C3-E54D-A230-69AD38E51F3D}"/>
+              </a:ext>
+            </a:extLst>
+          </p:cNvPr>
+          <p:cNvSpPr/>
+          <p:nvPr/>
+        </p:nvSpPr>
+        <p:spPr>
+          <a:xfrm>
+            <a:off x="10363200" y="5029200"/>
+            <a:ext cx="1295400" cy="762000"/>
+          </a:xfrm>
+          <a:prstGeom prst="rect">
+            <a:avLst/>
+          </a:prstGeom>
+          <a:solidFill>
+            <a:schemeClr val="accent4">
+              <a:lumMod val="20000"/>
+              <a:lumOff val="80000"/>
+            </a:schemeClr>
+          </a:solidFill>
+          <a:ln>
+            <a:solidFill>
+              <a:schemeClr val="accent4"/>
+            </a:solidFill>
+          </a:ln>
+        </p:spPr>
+        <p:style>
+          <a:lnRef idx="2">
+            <a:schemeClr val="accent1">
+              <a:shade val="50000"/>
+            </a:schemeClr>
+          </a:lnRef>
+          <a:fillRef idx="1">
+            <a:schemeClr val="accent1"/>
+          </a:fillRef>
+          <a:effectRef idx="0">
+            <a:schemeClr val="accent1"/>
+          </a:effectRef>
+          <a:fontRef idx="minor">
+            <a:schemeClr val="lt1"/>
+          </a:fontRef>
+        </p:style>
+        <p:txBody>
+          <a:bodyPr rtlCol="0" anchor="ctr"/>
+          <a:lstStyle/>
+          <a:p>
+            <a:pPr algn="ctr"/>
+            <a:r>
+              <a:rPr lang="en-US" sz="1600" dirty="0">
+                <a:solidFill>
+                  <a:schemeClr val="bg2"/>
+                </a:solidFill>
+                <a:latin typeface="Georgia" panose="02040502050405020303" pitchFamily="18" charset="0"/>
+              </a:rPr>
+              <a:t>Time t</a:t>
+            </a:r>
+          </a:p>
+        </p:txBody>
+      </p:sp>
+      <p:sp>
+        <p:nvSpPr>
+          <p:cNvPr id="67" name="Oval 66">
+            <a:extLst>
+              <a:ext uri="{FF2B5EF4-FFF2-40B4-BE49-F238E27FC236}">
+                <a16:creationId xmlns:a16="http://schemas.microsoft.com/office/drawing/2014/main" id="{FE4E1649-D4C4-EB4D-9E54-6A033A8133F6}"/>
+              </a:ext>
+            </a:extLst>
+          </p:cNvPr>
+          <p:cNvSpPr/>
+          <p:nvPr/>
+        </p:nvSpPr>
+        <p:spPr>
+          <a:xfrm>
+            <a:off x="9189628" y="4326167"/>
+            <a:ext cx="152400" cy="152400"/>
+          </a:xfrm>
+          <a:prstGeom prst="ellipse">
+            <a:avLst/>
+          </a:prstGeom>
+          <a:solidFill>
+            <a:schemeClr val="accent4">
+              <a:lumMod val="20000"/>
+              <a:lumOff val="80000"/>
+            </a:schemeClr>
+          </a:solidFill>
+          <a:ln w="38100">
+            <a:solidFill>
+              <a:schemeClr val="accent4"/>
+            </a:solidFill>
+          </a:ln>
+        </p:spPr>
+        <p:style>
+          <a:lnRef idx="2">
+            <a:schemeClr val="accent1">
+              <a:shade val="50000"/>
+            </a:schemeClr>
+          </a:lnRef>
+          <a:fillRef idx="1">
+            <a:schemeClr val="accent1"/>
+          </a:fillRef>
+          <a:effectRef idx="0">
+            <a:schemeClr val="accent1"/>
+          </a:effectRef>
+          <a:fontRef idx="minor">
+            <a:schemeClr val="lt1"/>
+          </a:fontRef>
+        </p:style>
+        <p:txBody>
+          <a:bodyPr rtlCol="0" anchor="ctr"/>
+          <a:lstStyle/>
+          <a:p>
+            <a:pPr algn="ctr"/>
+            <a:endParaRPr lang="en-US">
+              <a:solidFill>
+                <a:schemeClr val="bg2"/>
+              </a:solidFill>
+            </a:endParaRPr>
+          </a:p>
+        </p:txBody>
+      </p:sp>
+      <p:sp>
+        <p:nvSpPr>
+          <p:cNvPr id="68" name="Oval 67">
+            <a:extLst>
+              <a:ext uri="{FF2B5EF4-FFF2-40B4-BE49-F238E27FC236}">
+                <a16:creationId xmlns:a16="http://schemas.microsoft.com/office/drawing/2014/main" id="{B7EC3774-039C-2C47-B003-EF29253C96CA}"/>
+              </a:ext>
+            </a:extLst>
+          </p:cNvPr>
+          <p:cNvSpPr/>
+          <p:nvPr/>
+        </p:nvSpPr>
+        <p:spPr>
+          <a:xfrm>
+            <a:off x="9442505" y="4324907"/>
+            <a:ext cx="152400" cy="152400"/>
+          </a:xfrm>
+          <a:prstGeom prst="ellipse">
+            <a:avLst/>
+          </a:prstGeom>
+          <a:solidFill>
+            <a:schemeClr val="accent4">
+              <a:lumMod val="20000"/>
+              <a:lumOff val="80000"/>
+            </a:schemeClr>
+          </a:solidFill>
+          <a:ln w="38100">
+            <a:solidFill>
+              <a:schemeClr val="accent4"/>
+            </a:solidFill>
+          </a:ln>
+        </p:spPr>
+        <p:style>
+          <a:lnRef idx="2">
+            <a:schemeClr val="accent1">
+              <a:shade val="50000"/>
+            </a:schemeClr>
+          </a:lnRef>
+          <a:fillRef idx="1">
+            <a:schemeClr val="accent1"/>
+          </a:fillRef>
+          <a:effectRef idx="0">
+            <a:schemeClr val="accent1"/>
+          </a:effectRef>
+          <a:fontRef idx="minor">
+            <a:schemeClr val="lt1"/>
+          </a:fontRef>
+        </p:style>
+        <p:txBody>
+          <a:bodyPr rtlCol="0" anchor="ctr"/>
+          <a:lstStyle/>
+          <a:p>
+            <a:pPr algn="ctr"/>
+            <a:endParaRPr lang="en-US">
+              <a:solidFill>
+                <a:schemeClr val="bg2"/>
+              </a:solidFill>
+            </a:endParaRPr>
+          </a:p>
+        </p:txBody>
+      </p:sp>
+      <p:sp>
+        <p:nvSpPr>
+          <p:cNvPr id="69" name="Oval 68">
+            <a:extLst>
+              <a:ext uri="{FF2B5EF4-FFF2-40B4-BE49-F238E27FC236}">
+                <a16:creationId xmlns:a16="http://schemas.microsoft.com/office/drawing/2014/main" id="{D5787B9E-E4AD-3A4F-9BE6-F293B7FA5006}"/>
+              </a:ext>
+            </a:extLst>
+          </p:cNvPr>
+          <p:cNvSpPr/>
+          <p:nvPr/>
+        </p:nvSpPr>
+        <p:spPr>
+          <a:xfrm>
+            <a:off x="9695382" y="4331361"/>
+            <a:ext cx="152400" cy="152400"/>
+          </a:xfrm>
+          <a:prstGeom prst="ellipse">
+            <a:avLst/>
+          </a:prstGeom>
+          <a:solidFill>
+            <a:schemeClr val="accent4">
+              <a:lumMod val="20000"/>
+              <a:lumOff val="80000"/>
+            </a:schemeClr>
+          </a:solidFill>
+          <a:ln w="38100">
+            <a:solidFill>
+              <a:schemeClr val="accent4"/>
+            </a:solidFill>
+          </a:ln>
+        </p:spPr>
+        <p:style>
+          <a:lnRef idx="2">
+            <a:schemeClr val="accent1">
+              <a:shade val="50000"/>
+            </a:schemeClr>
+          </a:lnRef>
+          <a:fillRef idx="1">
+            <a:schemeClr val="accent1"/>
+          </a:fillRef>
+          <a:effectRef idx="0">
+            <a:schemeClr val="accent1"/>
+          </a:effectRef>
+          <a:fontRef idx="minor">
+            <a:schemeClr val="lt1"/>
+          </a:fontRef>
+        </p:style>
+        <p:txBody>
+          <a:bodyPr rtlCol="0" anchor="ctr"/>
+          <a:lstStyle/>
+          <a:p>
+            <a:pPr algn="ctr"/>
+            <a:endParaRPr lang="en-US">
+              <a:solidFill>
+                <a:schemeClr val="bg2"/>
+              </a:solidFill>
+            </a:endParaRPr>
+          </a:p>
+        </p:txBody>
+      </p:sp>
+      <p:sp>
+        <p:nvSpPr>
+          <p:cNvPr id="70" name="Oval 69">
+            <a:extLst>
+              <a:ext uri="{FF2B5EF4-FFF2-40B4-BE49-F238E27FC236}">
+                <a16:creationId xmlns:a16="http://schemas.microsoft.com/office/drawing/2014/main" id="{BA305F4C-9AD6-B54D-A43B-7FF67BA96499}"/>
+              </a:ext>
+            </a:extLst>
+          </p:cNvPr>
+          <p:cNvSpPr/>
+          <p:nvPr/>
+        </p:nvSpPr>
+        <p:spPr>
+          <a:xfrm>
+            <a:off x="10691852" y="4317703"/>
+            <a:ext cx="152400" cy="152400"/>
+          </a:xfrm>
+          <a:prstGeom prst="ellipse">
+            <a:avLst/>
+          </a:prstGeom>
+          <a:solidFill>
+            <a:schemeClr val="accent4">
+              <a:lumMod val="20000"/>
+              <a:lumOff val="80000"/>
+            </a:schemeClr>
+          </a:solidFill>
+          <a:ln w="38100">
+            <a:solidFill>
+              <a:schemeClr val="accent4"/>
+            </a:solidFill>
+          </a:ln>
+        </p:spPr>
+        <p:style>
+          <a:lnRef idx="2">
+            <a:schemeClr val="accent1">
+              <a:shade val="50000"/>
+            </a:schemeClr>
+          </a:lnRef>
+          <a:fillRef idx="1">
+            <a:schemeClr val="accent1"/>
+          </a:fillRef>
+          <a:effectRef idx="0">
+            <a:schemeClr val="accent1"/>
+          </a:effectRef>
+          <a:fontRef idx="minor">
+            <a:schemeClr val="lt1"/>
+          </a:fontRef>
+        </p:style>
+        <p:txBody>
+          <a:bodyPr rtlCol="0" anchor="ctr"/>
+          <a:lstStyle/>
+          <a:p>
+            <a:pPr algn="ctr"/>
+            <a:endParaRPr lang="en-US">
+              <a:solidFill>
+                <a:schemeClr val="bg2"/>
+              </a:solidFill>
+            </a:endParaRPr>
+          </a:p>
+        </p:txBody>
+      </p:sp>
+      <p:sp>
+        <p:nvSpPr>
+          <p:cNvPr id="71" name="Oval 70">
+            <a:extLst>
+              <a:ext uri="{FF2B5EF4-FFF2-40B4-BE49-F238E27FC236}">
+                <a16:creationId xmlns:a16="http://schemas.microsoft.com/office/drawing/2014/main" id="{B623749F-63FA-4942-9902-3D49E3078624}"/>
+              </a:ext>
+            </a:extLst>
+          </p:cNvPr>
+          <p:cNvSpPr/>
+          <p:nvPr/>
+        </p:nvSpPr>
+        <p:spPr>
+          <a:xfrm>
+            <a:off x="10944729" y="4316443"/>
+            <a:ext cx="152400" cy="152400"/>
+          </a:xfrm>
+          <a:prstGeom prst="ellipse">
+            <a:avLst/>
+          </a:prstGeom>
+          <a:solidFill>
+            <a:schemeClr val="accent4">
+              <a:lumMod val="20000"/>
+              <a:lumOff val="80000"/>
+            </a:schemeClr>
+          </a:solidFill>
+          <a:ln w="38100">
+            <a:solidFill>
+              <a:schemeClr val="accent4"/>
+            </a:solidFill>
+          </a:ln>
+        </p:spPr>
+        <p:style>
+          <a:lnRef idx="2">
+            <a:schemeClr val="accent1">
+              <a:shade val="50000"/>
+            </a:schemeClr>
+          </a:lnRef>
+          <a:fillRef idx="1">
+            <a:schemeClr val="accent1"/>
+          </a:fillRef>
+          <a:effectRef idx="0">
+            <a:schemeClr val="accent1"/>
+          </a:effectRef>
+          <a:fontRef idx="minor">
+            <a:schemeClr val="lt1"/>
+          </a:fontRef>
+        </p:style>
+        <p:txBody>
+          <a:bodyPr rtlCol="0" anchor="ctr"/>
+          <a:lstStyle/>
+          <a:p>
+            <a:pPr algn="ctr"/>
+            <a:endParaRPr lang="en-US">
+              <a:solidFill>
+                <a:schemeClr val="bg2"/>
+              </a:solidFill>
+            </a:endParaRPr>
+          </a:p>
+        </p:txBody>
+      </p:sp>
+      <p:sp>
+        <p:nvSpPr>
+          <p:cNvPr id="72" name="Oval 71">
+            <a:extLst>
+              <a:ext uri="{FF2B5EF4-FFF2-40B4-BE49-F238E27FC236}">
+                <a16:creationId xmlns:a16="http://schemas.microsoft.com/office/drawing/2014/main" id="{10BC65F8-BF99-4B4D-81AC-334BABE9E1E0}"/>
+              </a:ext>
+            </a:extLst>
+          </p:cNvPr>
+          <p:cNvSpPr/>
+          <p:nvPr/>
+        </p:nvSpPr>
+        <p:spPr>
+          <a:xfrm>
+            <a:off x="11197606" y="4322897"/>
+            <a:ext cx="152400" cy="152400"/>
+          </a:xfrm>
+          <a:prstGeom prst="ellipse">
+            <a:avLst/>
+          </a:prstGeom>
+          <a:solidFill>
+            <a:schemeClr val="accent4">
+              <a:lumMod val="20000"/>
+              <a:lumOff val="80000"/>
+            </a:schemeClr>
+          </a:solidFill>
+          <a:ln w="38100">
+            <a:solidFill>
+              <a:schemeClr val="accent4"/>
+            </a:solidFill>
+          </a:ln>
+        </p:spPr>
+        <p:style>
+          <a:lnRef idx="2">
+            <a:schemeClr val="accent1">
+              <a:shade val="50000"/>
+            </a:schemeClr>
+          </a:lnRef>
+          <a:fillRef idx="1">
+            <a:schemeClr val="accent1"/>
+          </a:fillRef>
+          <a:effectRef idx="0">
+            <a:schemeClr val="accent1"/>
+          </a:effectRef>
+          <a:fontRef idx="minor">
+            <a:schemeClr val="lt1"/>
+          </a:fontRef>
+        </p:style>
+        <p:txBody>
+          <a:bodyPr rtlCol="0" anchor="ctr"/>
+          <a:lstStyle/>
+          <a:p>
+            <a:pPr algn="ctr"/>
+            <a:endParaRPr lang="en-US">
+              <a:solidFill>
+                <a:schemeClr val="bg2"/>
+              </a:solidFill>
+            </a:endParaRPr>
+          </a:p>
+        </p:txBody>
+      </p:sp>
+      <p:sp>
+        <p:nvSpPr>
+          <p:cNvPr id="61" name="TextBox 60">
+            <a:extLst>
+              <a:ext uri="{FF2B5EF4-FFF2-40B4-BE49-F238E27FC236}">
+                <a16:creationId xmlns:a16="http://schemas.microsoft.com/office/drawing/2014/main" id="{A4D3EFD7-9276-0946-B9AE-40D557A06114}"/>
+              </a:ext>
+            </a:extLst>
+          </p:cNvPr>
+          <p:cNvSpPr txBox="1"/>
+          <p:nvPr/>
+        </p:nvSpPr>
+        <p:spPr>
+          <a:xfrm>
+            <a:off x="436622" y="304800"/>
+            <a:ext cx="6952544" cy="646331"/>
+          </a:xfrm>
+          <a:prstGeom prst="rect">
+            <a:avLst/>
+          </a:prstGeom>
+          <a:noFill/>
+        </p:spPr>
+        <p:txBody>
+          <a:bodyPr wrap="none" rtlCol="0">
+            <a:spAutoFit/>
+          </a:bodyPr>
+          <a:lstStyle/>
+          <a:p>
+            <a:r>
+              <a:rPr lang="en-US" sz="3600" b="1" dirty="0">
+                <a:latin typeface="Georgia" panose="02040502050405020303" pitchFamily="18" charset="0"/>
+              </a:rPr>
+              <a:t>The Design of Mixed ANOVA</a:t>
+            </a:r>
+          </a:p>
+        </p:txBody>
+      </p:sp>
+      <p:sp>
+        <p:nvSpPr>
+          <p:cNvPr id="75" name="TextBox 74">
+            <a:extLst>
+              <a:ext uri="{FF2B5EF4-FFF2-40B4-BE49-F238E27FC236}">
+                <a16:creationId xmlns:a16="http://schemas.microsoft.com/office/drawing/2014/main" id="{003741C1-7B35-3846-A251-9CFC1A3351CB}"/>
+              </a:ext>
+            </a:extLst>
+          </p:cNvPr>
+          <p:cNvSpPr txBox="1"/>
+          <p:nvPr/>
+        </p:nvSpPr>
+        <p:spPr>
+          <a:xfrm>
+            <a:off x="5080920" y="4717702"/>
+            <a:ext cx="1655519" cy="1384995"/>
+          </a:xfrm>
+          <a:prstGeom prst="rect">
+            <a:avLst/>
+          </a:prstGeom>
+          <a:noFill/>
+        </p:spPr>
+        <p:txBody>
+          <a:bodyPr wrap="square" rtlCol="0">
+            <a:spAutoFit/>
+          </a:bodyPr>
+          <a:lstStyle/>
+          <a:p>
+            <a:pPr algn="ctr"/>
+            <a:r>
+              <a:rPr lang="en-US" sz="1200" dirty="0">
+                <a:solidFill>
+                  <a:schemeClr val="bg2"/>
+                </a:solidFill>
+                <a:latin typeface="Georgia" panose="02040502050405020303" pitchFamily="18" charset="0"/>
+              </a:rPr>
+              <a:t>Use matched or repeated measures for each group</a:t>
+            </a:r>
+          </a:p>
+          <a:p>
+            <a:pPr algn="ctr"/>
+            <a:endParaRPr lang="en-US" sz="1200" dirty="0">
+              <a:solidFill>
+                <a:schemeClr val="bg2"/>
+              </a:solidFill>
+              <a:latin typeface="Georgia" panose="02040502050405020303" pitchFamily="18" charset="0"/>
+            </a:endParaRPr>
+          </a:p>
+          <a:p>
+            <a:pPr algn="ctr"/>
+            <a:r>
+              <a:rPr lang="en-US" sz="1200" dirty="0">
+                <a:solidFill>
+                  <a:schemeClr val="bg2"/>
+                </a:solidFill>
+                <a:latin typeface="Georgia" panose="02040502050405020303" pitchFamily="18" charset="0"/>
+              </a:rPr>
+              <a:t>(can have different treatments, different treatment times)</a:t>
+            </a:r>
+          </a:p>
+        </p:txBody>
+      </p:sp>
+      <p:sp>
+        <p:nvSpPr>
+          <p:cNvPr id="76" name="TextBox 75">
+            <a:extLst>
+              <a:ext uri="{FF2B5EF4-FFF2-40B4-BE49-F238E27FC236}">
+                <a16:creationId xmlns:a16="http://schemas.microsoft.com/office/drawing/2014/main" id="{099FEE60-5898-1848-B07B-467805DBD54F}"/>
+              </a:ext>
+            </a:extLst>
+          </p:cNvPr>
+          <p:cNvSpPr txBox="1"/>
+          <p:nvPr/>
+        </p:nvSpPr>
+        <p:spPr>
+          <a:xfrm>
+            <a:off x="2482857" y="3895067"/>
+            <a:ext cx="1655519" cy="1261884"/>
+          </a:xfrm>
+          <a:prstGeom prst="rect">
+            <a:avLst/>
+          </a:prstGeom>
+          <a:noFill/>
+        </p:spPr>
+        <p:txBody>
+          <a:bodyPr wrap="square" rtlCol="0">
+            <a:spAutoFit/>
+          </a:bodyPr>
+          <a:lstStyle/>
+          <a:p>
+            <a:pPr algn="ctr"/>
+            <a:r>
+              <a:rPr lang="en-US" sz="1200" dirty="0">
+                <a:solidFill>
+                  <a:schemeClr val="bg2"/>
+                </a:solidFill>
+                <a:latin typeface="Georgia" panose="02040502050405020303" pitchFamily="18" charset="0"/>
+              </a:rPr>
+              <a:t>Randomize sample to k groups (experiment)</a:t>
+            </a:r>
+          </a:p>
+          <a:p>
+            <a:pPr algn="ctr"/>
+            <a:endParaRPr lang="en-US" sz="400" dirty="0">
+              <a:solidFill>
+                <a:schemeClr val="bg2"/>
+              </a:solidFill>
+              <a:latin typeface="Georgia" panose="02040502050405020303" pitchFamily="18" charset="0"/>
+            </a:endParaRPr>
+          </a:p>
+          <a:p>
+            <a:pPr algn="ctr"/>
+            <a:r>
+              <a:rPr lang="en-US" sz="1200" dirty="0">
+                <a:solidFill>
+                  <a:schemeClr val="bg2"/>
+                </a:solidFill>
+                <a:latin typeface="Georgia" panose="02040502050405020303" pitchFamily="18" charset="0"/>
+              </a:rPr>
+              <a:t>Individuals self-select groups (quasi-experimental)</a:t>
+            </a:r>
+          </a:p>
+        </p:txBody>
+      </p:sp>
+      <p:sp>
+        <p:nvSpPr>
+          <p:cNvPr id="3" name="TextBox 2">
+            <a:extLst>
+              <a:ext uri="{FF2B5EF4-FFF2-40B4-BE49-F238E27FC236}">
+                <a16:creationId xmlns:a16="http://schemas.microsoft.com/office/drawing/2014/main" id="{43AEFA1A-72A6-A843-81C4-B8D3231E0DF0}"/>
+              </a:ext>
+            </a:extLst>
+          </p:cNvPr>
+          <p:cNvSpPr txBox="1"/>
+          <p:nvPr/>
+        </p:nvSpPr>
+        <p:spPr>
+          <a:xfrm>
+            <a:off x="762001" y="2152444"/>
+            <a:ext cx="10588006" cy="1323439"/>
+          </a:xfrm>
+          <a:prstGeom prst="rect">
+            <a:avLst/>
+          </a:prstGeom>
+          <a:solidFill>
+            <a:schemeClr val="accent5">
+              <a:lumMod val="60000"/>
+              <a:lumOff val="40000"/>
+            </a:schemeClr>
+          </a:solidFill>
+          <a:ln>
+            <a:solidFill>
+              <a:schemeClr val="accent5"/>
+            </a:solidFill>
+          </a:ln>
+        </p:spPr>
+        <p:txBody>
+          <a:bodyPr wrap="square" rtlCol="0">
+            <a:spAutoFit/>
+          </a:bodyPr>
+          <a:lstStyle/>
+          <a:p>
+            <a:pPr algn="ctr"/>
+            <a:r>
+              <a:rPr lang="en-US" sz="4000" dirty="0">
+                <a:solidFill>
+                  <a:schemeClr val="accent5">
+                    <a:lumMod val="75000"/>
+                  </a:schemeClr>
+                </a:solidFill>
+                <a:latin typeface="Georgia" panose="02040502050405020303" pitchFamily="18" charset="0"/>
+              </a:rPr>
+              <a:t>When there is repeated measures for </a:t>
+            </a:r>
+            <a:r>
+              <a:rPr lang="en-US" sz="4000" b="1" dirty="0">
+                <a:solidFill>
+                  <a:schemeClr val="accent5">
+                    <a:lumMod val="75000"/>
+                  </a:schemeClr>
+                </a:solidFill>
+                <a:latin typeface="Georgia" panose="02040502050405020303" pitchFamily="18" charset="0"/>
+              </a:rPr>
+              <a:t>one</a:t>
+            </a:r>
+            <a:r>
+              <a:rPr lang="en-US" sz="4000" dirty="0">
+                <a:solidFill>
+                  <a:schemeClr val="accent5">
+                    <a:lumMod val="75000"/>
+                  </a:schemeClr>
+                </a:solidFill>
+                <a:latin typeface="Georgia" panose="02040502050405020303" pitchFamily="18" charset="0"/>
+              </a:rPr>
+              <a:t> of the factors but </a:t>
+            </a:r>
+            <a:r>
+              <a:rPr lang="en-US" sz="4000" b="1" dirty="0">
+                <a:solidFill>
+                  <a:schemeClr val="accent5">
+                    <a:lumMod val="75000"/>
+                  </a:schemeClr>
+                </a:solidFill>
+                <a:latin typeface="Georgia" panose="02040502050405020303" pitchFamily="18" charset="0"/>
+              </a:rPr>
+              <a:t>not</a:t>
+            </a:r>
+            <a:r>
+              <a:rPr lang="en-US" sz="4000" dirty="0">
+                <a:solidFill>
+                  <a:schemeClr val="accent5">
+                    <a:lumMod val="75000"/>
+                  </a:schemeClr>
+                </a:solidFill>
+                <a:latin typeface="Georgia" panose="02040502050405020303" pitchFamily="18" charset="0"/>
+              </a:rPr>
+              <a:t> for the other</a:t>
+            </a:r>
+          </a:p>
+        </p:txBody>
+      </p:sp>
+    </p:spTree>
+    <p:extLst>
+      <p:ext uri="{BB962C8B-B14F-4D97-AF65-F5344CB8AC3E}">
+        <p14:creationId xmlns:p14="http://schemas.microsoft.com/office/powerpoint/2010/main" val="3722281095"/>
+      </p:ext>
+    </p:extLst>
+  </p:cSld>
+  <p:clrMapOvr>
+    <a:masterClrMapping/>
+  </p:clrMapOvr>
+  <p:timing>
+    <p:tnLst>
+      <p:par>
+        <p:cTn id="1" dur="indefinite" restart="never" nodeType="tmRoot"/>
+      </p:par>
+    </p:tnLst>
+  </p:timing>
+</p:sld>
+</file>
+
 <file path=ppt/slides/slide6.xml><?xml version="1.0" encoding="utf-8"?>
 <p:sld xmlns:a="http://schemas.openxmlformats.org/drawingml/2006/main" xmlns:r="http://schemas.openxmlformats.org/officeDocument/2006/relationships" xmlns:p="http://schemas.openxmlformats.org/presentationml/2006/main">
   <p:cSld>
@@ -10677,13 +11057,7 @@
       </p:grpSpPr>
       <p:sp>
         <p:nvSpPr>
-          <p:cNvPr id="2" name="Title 1">
-            <a:extLst>
-              <a:ext uri="{FF2B5EF4-FFF2-40B4-BE49-F238E27FC236}">
-                <a16:creationId xmlns:a16="http://schemas.microsoft.com/office/drawing/2014/main" id="{8A498C91-A246-294B-A683-7CC1A2009057}"/>
-              </a:ext>
-            </a:extLst>
-          </p:cNvPr>
+          <p:cNvPr id="2" name="Title 1"/>
           <p:cNvSpPr>
             <a:spLocks noGrp="1"/>
           </p:cNvSpPr>
@@ -10693,109 +11067,522 @@
         </p:nvSpPr>
         <p:spPr/>
         <p:txBody>
-          <a:bodyPr>
-            <a:normAutofit/>
-          </a:bodyPr>
+          <a:bodyPr/>
           <a:lstStyle/>
           <a:p>
             <a:r>
-              <a:rPr lang="en-US" sz="4000" b="1" dirty="0">
-                <a:latin typeface="Georgia" panose="02040502050405020303" pitchFamily="18" charset="0"/>
-              </a:rPr>
-              <a:t>Analyzing the Between-Subjects Variability</a:t>
-            </a:r>
+              <a:rPr lang="en-US" dirty="0" smtClean="0"/>
+              <a:t>Independent Variables </a:t>
+            </a:r>
+            <a:r>
+              <a:rPr lang="en-US" i="1" dirty="0" smtClean="0"/>
+              <a:t>(predictors)</a:t>
+            </a:r>
+            <a:endParaRPr lang="en-US" dirty="0"/>
           </a:p>
         </p:txBody>
       </p:sp>
       <p:sp>
         <p:nvSpPr>
-          <p:cNvPr id="3" name="Content Placeholder 2">
+          <p:cNvPr id="5" name="Slide Number Placeholder 4"/>
+          <p:cNvSpPr>
+            <a:spLocks noGrp="1"/>
+          </p:cNvSpPr>
+          <p:nvPr>
+            <p:ph type="sldNum" sz="quarter" idx="12"/>
+          </p:nvPr>
+        </p:nvSpPr>
+        <p:spPr/>
+        <p:txBody>
+          <a:bodyPr/>
+          <a:lstStyle/>
+          <a:p>
+            <a:fld id="{E7DC3035-C8D6-4312-8AC4-36A973EDC8AE}" type="slidenum">
+              <a:rPr lang="en-US" altLang="en-US" smtClean="0"/>
+              <a:pPr/>
+              <a:t>6</a:t>
+            </a:fld>
+            <a:endParaRPr lang="en-US" altLang="en-US"/>
+          </a:p>
+        </p:txBody>
+      </p:sp>
+      <p:sp>
+        <p:nvSpPr>
+          <p:cNvPr id="6" name="Content Placeholder 2">
             <a:extLst>
               <a:ext uri="{FF2B5EF4-FFF2-40B4-BE49-F238E27FC236}">
                 <a16:creationId xmlns:a16="http://schemas.microsoft.com/office/drawing/2014/main" id="{D4E1D5F5-50DF-4648-BBBF-8E093EF6D84F}"/>
               </a:ext>
             </a:extLst>
           </p:cNvPr>
-          <p:cNvSpPr>
-            <a:spLocks noGrp="1"/>
+          <p:cNvSpPr txBox="1">
+            <a:spLocks/>
           </p:cNvSpPr>
-          <p:nvPr>
-            <p:ph idx="1"/>
-          </p:nvPr>
-        </p:nvSpPr>
-        <p:spPr/>
+          <p:nvPr/>
+        </p:nvSpPr>
+        <p:spPr>
+          <a:xfrm>
+            <a:off x="762000" y="2209801"/>
+            <a:ext cx="5029200" cy="3200399"/>
+          </a:xfrm>
+          <a:prstGeom prst="rect">
+            <a:avLst/>
+          </a:prstGeom>
+        </p:spPr>
         <p:txBody>
-          <a:bodyPr>
+          <a:bodyPr vert="horz" lIns="91440" tIns="45720" rIns="91440" bIns="45720" rtlCol="0">
             <a:noAutofit/>
           </a:bodyPr>
-          <a:lstStyle/>
-          <a:p>
-            <a:r>
-              <a:rPr lang="en-US" dirty="0">
+          <a:lstStyle>
+            <a:lvl1pPr marL="228600" indent="-228600" algn="l" defTabSz="914400" rtl="0" eaLnBrk="1" latinLnBrk="0" hangingPunct="1">
+              <a:lnSpc>
+                <a:spcPct val="90000"/>
+              </a:lnSpc>
+              <a:spcBef>
+                <a:spcPts val="1000"/>
+              </a:spcBef>
+              <a:buFont typeface="Arial" panose="020B0604020202020204" pitchFamily="34" charset="0"/>
+              <a:buChar char="•"/>
+              <a:defRPr sz="2800" b="0" i="0" kern="1200">
                 <a:solidFill>
-                  <a:schemeClr val="accent6"/>
+                  <a:schemeClr val="tx1"/>
+                </a:solidFill>
+                <a:latin typeface="Georgia Regular" panose="02040502050405020303" pitchFamily="18" charset="0"/>
+                <a:ea typeface="+mn-ea"/>
+                <a:cs typeface="+mn-cs"/>
+              </a:defRPr>
+            </a:lvl1pPr>
+            <a:lvl2pPr marL="685800" indent="-228600" algn="l" defTabSz="914400" rtl="0" eaLnBrk="1" latinLnBrk="0" hangingPunct="1">
+              <a:lnSpc>
+                <a:spcPct val="90000"/>
+              </a:lnSpc>
+              <a:spcBef>
+                <a:spcPts val="500"/>
+              </a:spcBef>
+              <a:buFont typeface="Arial" panose="020B0604020202020204" pitchFamily="34" charset="0"/>
+              <a:buChar char="•"/>
+              <a:defRPr sz="2400" b="0" i="0" kern="1200">
+                <a:solidFill>
+                  <a:schemeClr val="tx1"/>
+                </a:solidFill>
+                <a:latin typeface="Georgia Regular" panose="02040502050405020303" pitchFamily="18" charset="0"/>
+                <a:ea typeface="+mn-ea"/>
+                <a:cs typeface="+mn-cs"/>
+              </a:defRPr>
+            </a:lvl2pPr>
+            <a:lvl3pPr marL="1143000" indent="-228600" algn="l" defTabSz="914400" rtl="0" eaLnBrk="1" latinLnBrk="0" hangingPunct="1">
+              <a:lnSpc>
+                <a:spcPct val="90000"/>
+              </a:lnSpc>
+              <a:spcBef>
+                <a:spcPts val="500"/>
+              </a:spcBef>
+              <a:buFont typeface="Arial" panose="020B0604020202020204" pitchFamily="34" charset="0"/>
+              <a:buChar char="•"/>
+              <a:defRPr sz="2000" b="0" i="0" kern="1200">
+                <a:solidFill>
+                  <a:schemeClr val="tx1"/>
+                </a:solidFill>
+                <a:latin typeface="Georgia Regular" panose="02040502050405020303" pitchFamily="18" charset="0"/>
+                <a:ea typeface="+mn-ea"/>
+                <a:cs typeface="+mn-cs"/>
+              </a:defRPr>
+            </a:lvl3pPr>
+            <a:lvl4pPr marL="1600200" indent="-228600" algn="l" defTabSz="914400" rtl="0" eaLnBrk="1" latinLnBrk="0" hangingPunct="1">
+              <a:lnSpc>
+                <a:spcPct val="90000"/>
+              </a:lnSpc>
+              <a:spcBef>
+                <a:spcPts val="500"/>
+              </a:spcBef>
+              <a:buFont typeface="Arial" panose="020B0604020202020204" pitchFamily="34" charset="0"/>
+              <a:buChar char="•"/>
+              <a:defRPr sz="1800" b="0" i="0" kern="1200">
+                <a:solidFill>
+                  <a:schemeClr val="tx1"/>
+                </a:solidFill>
+                <a:latin typeface="Georgia Regular" panose="02040502050405020303" pitchFamily="18" charset="0"/>
+                <a:ea typeface="+mn-ea"/>
+                <a:cs typeface="+mn-cs"/>
+              </a:defRPr>
+            </a:lvl4pPr>
+            <a:lvl5pPr marL="2057400" indent="-228600" algn="l" defTabSz="914400" rtl="0" eaLnBrk="1" latinLnBrk="0" hangingPunct="1">
+              <a:lnSpc>
+                <a:spcPct val="90000"/>
+              </a:lnSpc>
+              <a:spcBef>
+                <a:spcPts val="500"/>
+              </a:spcBef>
+              <a:buFont typeface="Arial" panose="020B0604020202020204" pitchFamily="34" charset="0"/>
+              <a:buChar char="•"/>
+              <a:defRPr sz="1800" b="0" i="0" kern="1200">
+                <a:solidFill>
+                  <a:schemeClr val="tx1"/>
+                </a:solidFill>
+                <a:latin typeface="Georgia Regular" panose="02040502050405020303" pitchFamily="18" charset="0"/>
+                <a:ea typeface="+mn-ea"/>
+                <a:cs typeface="+mn-cs"/>
+              </a:defRPr>
+            </a:lvl5pPr>
+            <a:lvl6pPr marL="2514600" indent="-228600" algn="l" defTabSz="914400" rtl="0" eaLnBrk="1" latinLnBrk="0" hangingPunct="1">
+              <a:lnSpc>
+                <a:spcPct val="90000"/>
+              </a:lnSpc>
+              <a:spcBef>
+                <a:spcPts val="500"/>
+              </a:spcBef>
+              <a:buFont typeface="Arial" panose="020B0604020202020204" pitchFamily="34" charset="0"/>
+              <a:buChar char="•"/>
+              <a:defRPr sz="1800" kern="1200">
+                <a:solidFill>
+                  <a:schemeClr val="tx1"/>
+                </a:solidFill>
+                <a:latin typeface="+mn-lt"/>
+                <a:ea typeface="+mn-ea"/>
+                <a:cs typeface="+mn-cs"/>
+              </a:defRPr>
+            </a:lvl6pPr>
+            <a:lvl7pPr marL="2971800" indent="-228600" algn="l" defTabSz="914400" rtl="0" eaLnBrk="1" latinLnBrk="0" hangingPunct="1">
+              <a:lnSpc>
+                <a:spcPct val="90000"/>
+              </a:lnSpc>
+              <a:spcBef>
+                <a:spcPts val="500"/>
+              </a:spcBef>
+              <a:buFont typeface="Arial" panose="020B0604020202020204" pitchFamily="34" charset="0"/>
+              <a:buChar char="•"/>
+              <a:defRPr sz="1800" kern="1200">
+                <a:solidFill>
+                  <a:schemeClr val="tx1"/>
+                </a:solidFill>
+                <a:latin typeface="+mn-lt"/>
+                <a:ea typeface="+mn-ea"/>
+                <a:cs typeface="+mn-cs"/>
+              </a:defRPr>
+            </a:lvl7pPr>
+            <a:lvl8pPr marL="3429000" indent="-228600" algn="l" defTabSz="914400" rtl="0" eaLnBrk="1" latinLnBrk="0" hangingPunct="1">
+              <a:lnSpc>
+                <a:spcPct val="90000"/>
+              </a:lnSpc>
+              <a:spcBef>
+                <a:spcPts val="500"/>
+              </a:spcBef>
+              <a:buFont typeface="Arial" panose="020B0604020202020204" pitchFamily="34" charset="0"/>
+              <a:buChar char="•"/>
+              <a:defRPr sz="1800" kern="1200">
+                <a:solidFill>
+                  <a:schemeClr val="tx1"/>
+                </a:solidFill>
+                <a:latin typeface="+mn-lt"/>
+                <a:ea typeface="+mn-ea"/>
+                <a:cs typeface="+mn-cs"/>
+              </a:defRPr>
+            </a:lvl8pPr>
+            <a:lvl9pPr marL="3886200" indent="-228600" algn="l" defTabSz="914400" rtl="0" eaLnBrk="1" latinLnBrk="0" hangingPunct="1">
+              <a:lnSpc>
+                <a:spcPct val="90000"/>
+              </a:lnSpc>
+              <a:spcBef>
+                <a:spcPts val="500"/>
+              </a:spcBef>
+              <a:buFont typeface="Arial" panose="020B0604020202020204" pitchFamily="34" charset="0"/>
+              <a:buChar char="•"/>
+              <a:defRPr sz="1800" kern="1200">
+                <a:solidFill>
+                  <a:schemeClr val="tx1"/>
+                </a:solidFill>
+                <a:latin typeface="+mn-lt"/>
+                <a:ea typeface="+mn-ea"/>
+                <a:cs typeface="+mn-cs"/>
+              </a:defRPr>
+            </a:lvl9pPr>
+          </a:lstStyle>
+          <a:p>
+            <a:pPr marL="0" indent="0" algn="ctr">
+              <a:buNone/>
+            </a:pPr>
+            <a:r>
+              <a:rPr lang="en-US" b="1" dirty="0" smtClean="0">
+                <a:solidFill>
+                  <a:srgbClr val="00B050"/>
                 </a:solidFill>
                 <a:latin typeface="Georgia" panose="02040502050405020303" pitchFamily="18" charset="0"/>
               </a:rPr>
-              <a:t>Simple RM design: </a:t>
-            </a:r>
-          </a:p>
-          <a:p>
-            <a:pPr lvl="1"/>
-            <a:r>
-              <a:rPr lang="en-US" dirty="0">
+              <a:t>Between-Subjects Factor</a:t>
+            </a:r>
+          </a:p>
+          <a:p>
+            <a:endParaRPr lang="en-US" dirty="0" smtClean="0">
+              <a:latin typeface="Georgia" panose="02040502050405020303" pitchFamily="18" charset="0"/>
+            </a:endParaRPr>
+          </a:p>
+          <a:p>
+            <a:r>
+              <a:rPr lang="en-US" sz="2400" dirty="0" smtClean="0">
                 <a:latin typeface="Georgia" panose="02040502050405020303" pitchFamily="18" charset="0"/>
               </a:rPr>
-              <a:t>We assess the general pattern across time</a:t>
-            </a:r>
-          </a:p>
-          <a:p>
-            <a:pPr lvl="1"/>
-            <a:r>
-              <a:rPr lang="en-US" dirty="0">
+              <a:t>Independent Groups</a:t>
+            </a:r>
+          </a:p>
+          <a:p>
+            <a:r>
+              <a:rPr lang="en-US" sz="2400" dirty="0" smtClean="0">
                 <a:latin typeface="Georgia" panose="02040502050405020303" pitchFamily="18" charset="0"/>
               </a:rPr>
-              <a:t>We ignore the subject-to-subject variability (it is assumed to just be error)</a:t>
-            </a:r>
-          </a:p>
-          <a:p>
-            <a:pPr lvl="1"/>
-            <a:endParaRPr lang="en-US" dirty="0">
+              <a:t>Participants belong to only ONE</a:t>
+            </a:r>
+          </a:p>
+          <a:p>
+            <a:endParaRPr lang="en-US" dirty="0" smtClean="0">
               <a:latin typeface="Georgia" panose="02040502050405020303" pitchFamily="18" charset="0"/>
             </a:endParaRPr>
           </a:p>
-          <a:p>
-            <a:r>
-              <a:rPr lang="en-US" dirty="0">
+        </p:txBody>
+      </p:sp>
+      <p:sp>
+        <p:nvSpPr>
+          <p:cNvPr id="7" name="Content Placeholder 2">
+            <a:extLst>
+              <a:ext uri="{FF2B5EF4-FFF2-40B4-BE49-F238E27FC236}">
+                <a16:creationId xmlns:a16="http://schemas.microsoft.com/office/drawing/2014/main" id="{D4E1D5F5-50DF-4648-BBBF-8E093EF6D84F}"/>
+              </a:ext>
+            </a:extLst>
+          </p:cNvPr>
+          <p:cNvSpPr txBox="1">
+            <a:spLocks/>
+          </p:cNvSpPr>
+          <p:nvPr/>
+        </p:nvSpPr>
+        <p:spPr>
+          <a:xfrm>
+            <a:off x="6385560" y="2209801"/>
+            <a:ext cx="5029200" cy="3200399"/>
+          </a:xfrm>
+          <a:prstGeom prst="rect">
+            <a:avLst/>
+          </a:prstGeom>
+        </p:spPr>
+        <p:txBody>
+          <a:bodyPr vert="horz" lIns="91440" tIns="45720" rIns="91440" bIns="45720" rtlCol="0">
+            <a:noAutofit/>
+          </a:bodyPr>
+          <a:lstStyle>
+            <a:lvl1pPr marL="228600" indent="-228600" algn="l" defTabSz="914400" rtl="0" eaLnBrk="1" latinLnBrk="0" hangingPunct="1">
+              <a:lnSpc>
+                <a:spcPct val="90000"/>
+              </a:lnSpc>
+              <a:spcBef>
+                <a:spcPts val="1000"/>
+              </a:spcBef>
+              <a:buFont typeface="Arial" panose="020B0604020202020204" pitchFamily="34" charset="0"/>
+              <a:buChar char="•"/>
+              <a:defRPr sz="2800" b="0" i="0" kern="1200">
                 <a:solidFill>
-                  <a:schemeClr val="accent5"/>
+                  <a:schemeClr val="tx1"/>
+                </a:solidFill>
+                <a:latin typeface="Georgia Regular" panose="02040502050405020303" pitchFamily="18" charset="0"/>
+                <a:ea typeface="+mn-ea"/>
+                <a:cs typeface="+mn-cs"/>
+              </a:defRPr>
+            </a:lvl1pPr>
+            <a:lvl2pPr marL="685800" indent="-228600" algn="l" defTabSz="914400" rtl="0" eaLnBrk="1" latinLnBrk="0" hangingPunct="1">
+              <a:lnSpc>
+                <a:spcPct val="90000"/>
+              </a:lnSpc>
+              <a:spcBef>
+                <a:spcPts val="500"/>
+              </a:spcBef>
+              <a:buFont typeface="Arial" panose="020B0604020202020204" pitchFamily="34" charset="0"/>
+              <a:buChar char="•"/>
+              <a:defRPr sz="2400" b="0" i="0" kern="1200">
+                <a:solidFill>
+                  <a:schemeClr val="tx1"/>
+                </a:solidFill>
+                <a:latin typeface="Georgia Regular" panose="02040502050405020303" pitchFamily="18" charset="0"/>
+                <a:ea typeface="+mn-ea"/>
+                <a:cs typeface="+mn-cs"/>
+              </a:defRPr>
+            </a:lvl2pPr>
+            <a:lvl3pPr marL="1143000" indent="-228600" algn="l" defTabSz="914400" rtl="0" eaLnBrk="1" latinLnBrk="0" hangingPunct="1">
+              <a:lnSpc>
+                <a:spcPct val="90000"/>
+              </a:lnSpc>
+              <a:spcBef>
+                <a:spcPts val="500"/>
+              </a:spcBef>
+              <a:buFont typeface="Arial" panose="020B0604020202020204" pitchFamily="34" charset="0"/>
+              <a:buChar char="•"/>
+              <a:defRPr sz="2000" b="0" i="0" kern="1200">
+                <a:solidFill>
+                  <a:schemeClr val="tx1"/>
+                </a:solidFill>
+                <a:latin typeface="Georgia Regular" panose="02040502050405020303" pitchFamily="18" charset="0"/>
+                <a:ea typeface="+mn-ea"/>
+                <a:cs typeface="+mn-cs"/>
+              </a:defRPr>
+            </a:lvl3pPr>
+            <a:lvl4pPr marL="1600200" indent="-228600" algn="l" defTabSz="914400" rtl="0" eaLnBrk="1" latinLnBrk="0" hangingPunct="1">
+              <a:lnSpc>
+                <a:spcPct val="90000"/>
+              </a:lnSpc>
+              <a:spcBef>
+                <a:spcPts val="500"/>
+              </a:spcBef>
+              <a:buFont typeface="Arial" panose="020B0604020202020204" pitchFamily="34" charset="0"/>
+              <a:buChar char="•"/>
+              <a:defRPr sz="1800" b="0" i="0" kern="1200">
+                <a:solidFill>
+                  <a:schemeClr val="tx1"/>
+                </a:solidFill>
+                <a:latin typeface="Georgia Regular" panose="02040502050405020303" pitchFamily="18" charset="0"/>
+                <a:ea typeface="+mn-ea"/>
+                <a:cs typeface="+mn-cs"/>
+              </a:defRPr>
+            </a:lvl4pPr>
+            <a:lvl5pPr marL="2057400" indent="-228600" algn="l" defTabSz="914400" rtl="0" eaLnBrk="1" latinLnBrk="0" hangingPunct="1">
+              <a:lnSpc>
+                <a:spcPct val="90000"/>
+              </a:lnSpc>
+              <a:spcBef>
+                <a:spcPts val="500"/>
+              </a:spcBef>
+              <a:buFont typeface="Arial" panose="020B0604020202020204" pitchFamily="34" charset="0"/>
+              <a:buChar char="•"/>
+              <a:defRPr sz="1800" b="0" i="0" kern="1200">
+                <a:solidFill>
+                  <a:schemeClr val="tx1"/>
+                </a:solidFill>
+                <a:latin typeface="Georgia Regular" panose="02040502050405020303" pitchFamily="18" charset="0"/>
+                <a:ea typeface="+mn-ea"/>
+                <a:cs typeface="+mn-cs"/>
+              </a:defRPr>
+            </a:lvl5pPr>
+            <a:lvl6pPr marL="2514600" indent="-228600" algn="l" defTabSz="914400" rtl="0" eaLnBrk="1" latinLnBrk="0" hangingPunct="1">
+              <a:lnSpc>
+                <a:spcPct val="90000"/>
+              </a:lnSpc>
+              <a:spcBef>
+                <a:spcPts val="500"/>
+              </a:spcBef>
+              <a:buFont typeface="Arial" panose="020B0604020202020204" pitchFamily="34" charset="0"/>
+              <a:buChar char="•"/>
+              <a:defRPr sz="1800" kern="1200">
+                <a:solidFill>
+                  <a:schemeClr val="tx1"/>
+                </a:solidFill>
+                <a:latin typeface="+mn-lt"/>
+                <a:ea typeface="+mn-ea"/>
+                <a:cs typeface="+mn-cs"/>
+              </a:defRPr>
+            </a:lvl6pPr>
+            <a:lvl7pPr marL="2971800" indent="-228600" algn="l" defTabSz="914400" rtl="0" eaLnBrk="1" latinLnBrk="0" hangingPunct="1">
+              <a:lnSpc>
+                <a:spcPct val="90000"/>
+              </a:lnSpc>
+              <a:spcBef>
+                <a:spcPts val="500"/>
+              </a:spcBef>
+              <a:buFont typeface="Arial" panose="020B0604020202020204" pitchFamily="34" charset="0"/>
+              <a:buChar char="•"/>
+              <a:defRPr sz="1800" kern="1200">
+                <a:solidFill>
+                  <a:schemeClr val="tx1"/>
+                </a:solidFill>
+                <a:latin typeface="+mn-lt"/>
+                <a:ea typeface="+mn-ea"/>
+                <a:cs typeface="+mn-cs"/>
+              </a:defRPr>
+            </a:lvl7pPr>
+            <a:lvl8pPr marL="3429000" indent="-228600" algn="l" defTabSz="914400" rtl="0" eaLnBrk="1" latinLnBrk="0" hangingPunct="1">
+              <a:lnSpc>
+                <a:spcPct val="90000"/>
+              </a:lnSpc>
+              <a:spcBef>
+                <a:spcPts val="500"/>
+              </a:spcBef>
+              <a:buFont typeface="Arial" panose="020B0604020202020204" pitchFamily="34" charset="0"/>
+              <a:buChar char="•"/>
+              <a:defRPr sz="1800" kern="1200">
+                <a:solidFill>
+                  <a:schemeClr val="tx1"/>
+                </a:solidFill>
+                <a:latin typeface="+mn-lt"/>
+                <a:ea typeface="+mn-ea"/>
+                <a:cs typeface="+mn-cs"/>
+              </a:defRPr>
+            </a:lvl8pPr>
+            <a:lvl9pPr marL="3886200" indent="-228600" algn="l" defTabSz="914400" rtl="0" eaLnBrk="1" latinLnBrk="0" hangingPunct="1">
+              <a:lnSpc>
+                <a:spcPct val="90000"/>
+              </a:lnSpc>
+              <a:spcBef>
+                <a:spcPts val="500"/>
+              </a:spcBef>
+              <a:buFont typeface="Arial" panose="020B0604020202020204" pitchFamily="34" charset="0"/>
+              <a:buChar char="•"/>
+              <a:defRPr sz="1800" kern="1200">
+                <a:solidFill>
+                  <a:schemeClr val="tx1"/>
+                </a:solidFill>
+                <a:latin typeface="+mn-lt"/>
+                <a:ea typeface="+mn-ea"/>
+                <a:cs typeface="+mn-cs"/>
+              </a:defRPr>
+            </a:lvl9pPr>
+          </a:lstStyle>
+          <a:p>
+            <a:pPr marL="0" indent="0" algn="ctr">
+              <a:buNone/>
+            </a:pPr>
+            <a:r>
+              <a:rPr lang="en-US" b="1" dirty="0" smtClean="0">
+                <a:solidFill>
+                  <a:srgbClr val="7030A0"/>
                 </a:solidFill>
                 <a:latin typeface="Georgia" panose="02040502050405020303" pitchFamily="18" charset="0"/>
               </a:rPr>
-              <a:t>Mixed Design:</a:t>
-            </a:r>
-          </a:p>
-          <a:p>
-            <a:pPr lvl="1"/>
-            <a:r>
-              <a:rPr lang="en-US" dirty="0">
+              <a:t>Within-Subjects Factor</a:t>
+            </a:r>
+          </a:p>
+          <a:p>
+            <a:pPr marL="0" indent="0" algn="ctr">
+              <a:buNone/>
+            </a:pPr>
+            <a:endParaRPr lang="en-US" b="1" dirty="0">
+              <a:solidFill>
+                <a:schemeClr val="accent6"/>
+              </a:solidFill>
+              <a:latin typeface="Georgia" panose="02040502050405020303" pitchFamily="18" charset="0"/>
+            </a:endParaRPr>
+          </a:p>
+          <a:p>
+            <a:r>
+              <a:rPr lang="en-US" sz="2400" dirty="0" smtClean="0">
                 <a:latin typeface="Georgia" panose="02040502050405020303" pitchFamily="18" charset="0"/>
               </a:rPr>
-              <a:t>We assess the general pattern across time and assess the subject-to-subject differences</a:t>
-            </a:r>
-          </a:p>
-          <a:p>
-            <a:pPr lvl="1"/>
-            <a:r>
-              <a:rPr lang="en-US" dirty="0">
+              <a:t>Repeated Measures</a:t>
+            </a:r>
+            <a:endParaRPr lang="en-US" sz="2400" dirty="0">
+              <a:latin typeface="Georgia" panose="02040502050405020303" pitchFamily="18" charset="0"/>
+            </a:endParaRPr>
+          </a:p>
+          <a:p>
+            <a:r>
+              <a:rPr lang="en-US" sz="2400" dirty="0">
                 <a:latin typeface="Georgia" panose="02040502050405020303" pitchFamily="18" charset="0"/>
               </a:rPr>
-              <a:t>Some of the subject-to-subject variability is due to the difference in the levels of the between-subjects factor.</a:t>
-            </a:r>
-          </a:p>
-          <a:p>
-            <a:pPr lvl="1"/>
-            <a:endParaRPr lang="en-US" dirty="0">
+              <a:t>Participants </a:t>
+            </a:r>
+            <a:r>
+              <a:rPr lang="en-US" sz="2400" dirty="0" smtClean="0">
+                <a:latin typeface="Georgia" panose="02040502050405020303" pitchFamily="18" charset="0"/>
+              </a:rPr>
+              <a:t>have ALL levels</a:t>
+            </a:r>
+            <a:endParaRPr lang="en-US" sz="2400" b="1" dirty="0" smtClean="0">
+              <a:solidFill>
+                <a:schemeClr val="accent6"/>
+              </a:solidFill>
               <a:latin typeface="Georgia" panose="02040502050405020303" pitchFamily="18" charset="0"/>
             </a:endParaRPr>
           </a:p>
@@ -10803,38 +11590,139 @@
       </p:sp>
       <p:sp>
         <p:nvSpPr>
-          <p:cNvPr id="5" name="Slide Number Placeholder 4">
-            <a:extLst>
-              <a:ext uri="{FF2B5EF4-FFF2-40B4-BE49-F238E27FC236}">
-                <a16:creationId xmlns:a16="http://schemas.microsoft.com/office/drawing/2014/main" id="{52AEF3C6-AA56-A14A-A2C8-0FB54DAC39C3}"/>
-              </a:ext>
-            </a:extLst>
-          </p:cNvPr>
-          <p:cNvSpPr>
-            <a:spLocks noGrp="1"/>
-          </p:cNvSpPr>
-          <p:nvPr>
-            <p:ph type="sldNum" sz="quarter" idx="12"/>
-          </p:nvPr>
-        </p:nvSpPr>
-        <p:spPr/>
+          <p:cNvPr id="8" name="TextBox 7"/>
+          <p:cNvSpPr txBox="1"/>
+          <p:nvPr/>
+        </p:nvSpPr>
+        <p:spPr>
+          <a:xfrm>
+            <a:off x="1738648" y="5105400"/>
+            <a:ext cx="8229600" cy="707886"/>
+          </a:xfrm>
+          <a:prstGeom prst="rect">
+            <a:avLst/>
+          </a:prstGeom>
+          <a:noFill/>
+        </p:spPr>
         <p:txBody>
-          <a:bodyPr/>
+          <a:bodyPr wrap="square" rtlCol="0">
+            <a:spAutoFit/>
+          </a:bodyPr>
           <a:lstStyle/>
           <a:p>
-            <a:fld id="{E7DC3035-C8D6-4312-8AC4-36A973EDC8AE}" type="slidenum">
-              <a:rPr lang="en-US" altLang="en-US" smtClean="0"/>
-              <a:pPr/>
-              <a:t>6</a:t>
-            </a:fld>
-            <a:endParaRPr lang="en-US" altLang="en-US"/>
+            <a:pPr algn="ctr"/>
+            <a:r>
+              <a:rPr lang="en-US" sz="4000" dirty="0" err="1" smtClean="0"/>
+              <a:t>contin_var</a:t>
+            </a:r>
+            <a:r>
+              <a:rPr lang="en-US" sz="4000" dirty="0" smtClean="0"/>
+              <a:t> ~ </a:t>
+            </a:r>
+            <a:r>
+              <a:rPr lang="en-US" sz="4000" dirty="0" err="1" smtClean="0">
+                <a:solidFill>
+                  <a:srgbClr val="00B050"/>
+                </a:solidFill>
+              </a:rPr>
+              <a:t>group_var</a:t>
+            </a:r>
+            <a:r>
+              <a:rPr lang="en-US" sz="4000" dirty="0" smtClean="0"/>
+              <a:t> + (</a:t>
+            </a:r>
+            <a:r>
+              <a:rPr lang="en-US" sz="4000" dirty="0" err="1" smtClean="0">
+                <a:solidFill>
+                  <a:srgbClr val="7030A0"/>
+                </a:solidFill>
+              </a:rPr>
+              <a:t>rm_var</a:t>
+            </a:r>
+            <a:r>
+              <a:rPr lang="en-US" sz="4000" dirty="0" smtClean="0"/>
+              <a:t> | id)</a:t>
+            </a:r>
+            <a:endParaRPr lang="en-US" sz="4000" dirty="0"/>
           </a:p>
         </p:txBody>
       </p:sp>
+      <p:cxnSp>
+        <p:nvCxnSpPr>
+          <p:cNvPr id="10" name="Straight Arrow Connector 9"/>
+          <p:cNvCxnSpPr/>
+          <p:nvPr/>
+        </p:nvCxnSpPr>
+        <p:spPr>
+          <a:xfrm>
+            <a:off x="5463540" y="4191000"/>
+            <a:ext cx="175260" cy="990600"/>
+          </a:xfrm>
+          <a:prstGeom prst="straightConnector1">
+            <a:avLst/>
+          </a:prstGeom>
+          <a:ln w="76200">
+            <a:solidFill>
+              <a:srgbClr val="00B050"/>
+            </a:solidFill>
+            <a:tailEnd type="triangle"/>
+          </a:ln>
+        </p:spPr>
+        <p:style>
+          <a:lnRef idx="1">
+            <a:schemeClr val="accent1"/>
+          </a:lnRef>
+          <a:fillRef idx="0">
+            <a:schemeClr val="accent1"/>
+          </a:fillRef>
+          <a:effectRef idx="0">
+            <a:schemeClr val="accent1"/>
+          </a:effectRef>
+          <a:fontRef idx="minor">
+            <a:schemeClr val="tx1"/>
+          </a:fontRef>
+        </p:style>
+      </p:cxnSp>
+      <p:cxnSp>
+        <p:nvCxnSpPr>
+          <p:cNvPr id="11" name="Straight Arrow Connector 10"/>
+          <p:cNvCxnSpPr/>
+          <p:nvPr/>
+        </p:nvCxnSpPr>
+        <p:spPr>
+          <a:xfrm flipH="1">
+            <a:off x="8001000" y="4129088"/>
+            <a:ext cx="152400" cy="1128712"/>
+          </a:xfrm>
+          <a:prstGeom prst="straightConnector1">
+            <a:avLst/>
+          </a:prstGeom>
+          <a:ln w="76200">
+            <a:solidFill>
+              <a:srgbClr val="7030A0"/>
+            </a:solidFill>
+            <a:tailEnd type="triangle"/>
+          </a:ln>
+        </p:spPr>
+        <p:style>
+          <a:lnRef idx="1">
+            <a:schemeClr val="accent1"/>
+          </a:lnRef>
+          <a:fillRef idx="0">
+            <a:schemeClr val="accent1"/>
+          </a:fillRef>
+          <a:effectRef idx="0">
+            <a:schemeClr val="accent1"/>
+          </a:effectRef>
+          <a:fontRef idx="minor">
+            <a:schemeClr val="tx1"/>
+          </a:fontRef>
+        </p:style>
+      </p:cxnSp>
     </p:spTree>
     <p:extLst>
       <p:ext uri="{BB962C8B-B14F-4D97-AF65-F5344CB8AC3E}">
-        <p14:creationId xmlns:p14="http://schemas.microsoft.com/office/powerpoint/2010/main" val="705297125"/>
+        <p14:creationId xmlns:p14="http://schemas.microsoft.com/office/powerpoint/2010/main" val="631021193"/>
       </p:ext>
     </p:extLst>
   </p:cSld>
@@ -10844,9 +11732,438 @@
   <p:timing>
     <p:tnLst>
       <p:par>
-        <p:cTn id="1" dur="indefinite" restart="never" nodeType="tmRoot"/>
+        <p:cTn id="1" dur="indefinite" restart="never" nodeType="tmRoot">
+          <p:childTnLst>
+            <p:seq concurrent="1" nextAc="seek">
+              <p:cTn id="2" dur="indefinite" nodeType="mainSeq">
+                <p:childTnLst>
+                  <p:par>
+                    <p:cTn id="3" fill="hold">
+                      <p:stCondLst>
+                        <p:cond delay="indefinite"/>
+                      </p:stCondLst>
+                      <p:childTnLst>
+                        <p:par>
+                          <p:cTn id="4" fill="hold">
+                            <p:stCondLst>
+                              <p:cond delay="0"/>
+                            </p:stCondLst>
+                            <p:childTnLst>
+                              <p:par>
+                                <p:cTn id="5" presetID="10" presetClass="entr" presetSubtype="0" fill="hold" nodeType="clickEffect">
+                                  <p:stCondLst>
+                                    <p:cond delay="0"/>
+                                  </p:stCondLst>
+                                  <p:childTnLst>
+                                    <p:set>
+                                      <p:cBhvr>
+                                        <p:cTn id="6" dur="1" fill="hold">
+                                          <p:stCondLst>
+                                            <p:cond delay="0"/>
+                                          </p:stCondLst>
+                                        </p:cTn>
+                                        <p:tgtEl>
+                                          <p:spTgt spid="6">
+                                            <p:txEl>
+                                              <p:pRg st="2" end="2"/>
+                                            </p:txEl>
+                                          </p:spTgt>
+                                        </p:tgtEl>
+                                        <p:attrNameLst>
+                                          <p:attrName>style.visibility</p:attrName>
+                                        </p:attrNameLst>
+                                      </p:cBhvr>
+                                      <p:to>
+                                        <p:strVal val="visible"/>
+                                      </p:to>
+                                    </p:set>
+                                    <p:animEffect transition="in" filter="fade">
+                                      <p:cBhvr>
+                                        <p:cTn id="7" dur="500"/>
+                                        <p:tgtEl>
+                                          <p:spTgt spid="6">
+                                            <p:txEl>
+                                              <p:pRg st="2" end="2"/>
+                                            </p:txEl>
+                                          </p:spTgt>
+                                        </p:tgtEl>
+                                      </p:cBhvr>
+                                    </p:animEffect>
+                                  </p:childTnLst>
+                                </p:cTn>
+                              </p:par>
+                            </p:childTnLst>
+                          </p:cTn>
+                        </p:par>
+                      </p:childTnLst>
+                    </p:cTn>
+                  </p:par>
+                  <p:par>
+                    <p:cTn id="8" fill="hold">
+                      <p:stCondLst>
+                        <p:cond delay="indefinite"/>
+                      </p:stCondLst>
+                      <p:childTnLst>
+                        <p:par>
+                          <p:cTn id="9" fill="hold">
+                            <p:stCondLst>
+                              <p:cond delay="0"/>
+                            </p:stCondLst>
+                            <p:childTnLst>
+                              <p:par>
+                                <p:cTn id="10" presetID="10" presetClass="entr" presetSubtype="0" fill="hold" nodeType="clickEffect">
+                                  <p:stCondLst>
+                                    <p:cond delay="0"/>
+                                  </p:stCondLst>
+                                  <p:childTnLst>
+                                    <p:set>
+                                      <p:cBhvr>
+                                        <p:cTn id="11" dur="1" fill="hold">
+                                          <p:stCondLst>
+                                            <p:cond delay="0"/>
+                                          </p:stCondLst>
+                                        </p:cTn>
+                                        <p:tgtEl>
+                                          <p:spTgt spid="6">
+                                            <p:txEl>
+                                              <p:pRg st="3" end="3"/>
+                                            </p:txEl>
+                                          </p:spTgt>
+                                        </p:tgtEl>
+                                        <p:attrNameLst>
+                                          <p:attrName>style.visibility</p:attrName>
+                                        </p:attrNameLst>
+                                      </p:cBhvr>
+                                      <p:to>
+                                        <p:strVal val="visible"/>
+                                      </p:to>
+                                    </p:set>
+                                    <p:animEffect transition="in" filter="fade">
+                                      <p:cBhvr>
+                                        <p:cTn id="12" dur="500"/>
+                                        <p:tgtEl>
+                                          <p:spTgt spid="6">
+                                            <p:txEl>
+                                              <p:pRg st="3" end="3"/>
+                                            </p:txEl>
+                                          </p:spTgt>
+                                        </p:tgtEl>
+                                      </p:cBhvr>
+                                    </p:animEffect>
+                                  </p:childTnLst>
+                                </p:cTn>
+                              </p:par>
+                            </p:childTnLst>
+                          </p:cTn>
+                        </p:par>
+                      </p:childTnLst>
+                    </p:cTn>
+                  </p:par>
+                  <p:par>
+                    <p:cTn id="13" fill="hold">
+                      <p:stCondLst>
+                        <p:cond delay="indefinite"/>
+                      </p:stCondLst>
+                      <p:childTnLst>
+                        <p:par>
+                          <p:cTn id="14" fill="hold">
+                            <p:stCondLst>
+                              <p:cond delay="0"/>
+                            </p:stCondLst>
+                            <p:childTnLst>
+                              <p:par>
+                                <p:cTn id="15" presetID="10" presetClass="entr" presetSubtype="0" fill="hold" nodeType="clickEffect">
+                                  <p:stCondLst>
+                                    <p:cond delay="0"/>
+                                  </p:stCondLst>
+                                  <p:childTnLst>
+                                    <p:set>
+                                      <p:cBhvr>
+                                        <p:cTn id="16" dur="1" fill="hold">
+                                          <p:stCondLst>
+                                            <p:cond delay="0"/>
+                                          </p:stCondLst>
+                                        </p:cTn>
+                                        <p:tgtEl>
+                                          <p:spTgt spid="7">
+                                            <p:txEl>
+                                              <p:pRg st="2" end="2"/>
+                                            </p:txEl>
+                                          </p:spTgt>
+                                        </p:tgtEl>
+                                        <p:attrNameLst>
+                                          <p:attrName>style.visibility</p:attrName>
+                                        </p:attrNameLst>
+                                      </p:cBhvr>
+                                      <p:to>
+                                        <p:strVal val="visible"/>
+                                      </p:to>
+                                    </p:set>
+                                    <p:animEffect transition="in" filter="fade">
+                                      <p:cBhvr>
+                                        <p:cTn id="17" dur="500"/>
+                                        <p:tgtEl>
+                                          <p:spTgt spid="7">
+                                            <p:txEl>
+                                              <p:pRg st="2" end="2"/>
+                                            </p:txEl>
+                                          </p:spTgt>
+                                        </p:tgtEl>
+                                      </p:cBhvr>
+                                    </p:animEffect>
+                                  </p:childTnLst>
+                                </p:cTn>
+                              </p:par>
+                            </p:childTnLst>
+                          </p:cTn>
+                        </p:par>
+                      </p:childTnLst>
+                    </p:cTn>
+                  </p:par>
+                  <p:par>
+                    <p:cTn id="18" fill="hold">
+                      <p:stCondLst>
+                        <p:cond delay="indefinite"/>
+                      </p:stCondLst>
+                      <p:childTnLst>
+                        <p:par>
+                          <p:cTn id="19" fill="hold">
+                            <p:stCondLst>
+                              <p:cond delay="0"/>
+                            </p:stCondLst>
+                            <p:childTnLst>
+                              <p:par>
+                                <p:cTn id="20" presetID="10" presetClass="entr" presetSubtype="0" fill="hold" nodeType="clickEffect">
+                                  <p:stCondLst>
+                                    <p:cond delay="0"/>
+                                  </p:stCondLst>
+                                  <p:childTnLst>
+                                    <p:set>
+                                      <p:cBhvr>
+                                        <p:cTn id="21" dur="1" fill="hold">
+                                          <p:stCondLst>
+                                            <p:cond delay="0"/>
+                                          </p:stCondLst>
+                                        </p:cTn>
+                                        <p:tgtEl>
+                                          <p:spTgt spid="7">
+                                            <p:txEl>
+                                              <p:pRg st="3" end="3"/>
+                                            </p:txEl>
+                                          </p:spTgt>
+                                        </p:tgtEl>
+                                        <p:attrNameLst>
+                                          <p:attrName>style.visibility</p:attrName>
+                                        </p:attrNameLst>
+                                      </p:cBhvr>
+                                      <p:to>
+                                        <p:strVal val="visible"/>
+                                      </p:to>
+                                    </p:set>
+                                    <p:animEffect transition="in" filter="fade">
+                                      <p:cBhvr>
+                                        <p:cTn id="22" dur="500"/>
+                                        <p:tgtEl>
+                                          <p:spTgt spid="7">
+                                            <p:txEl>
+                                              <p:pRg st="3" end="3"/>
+                                            </p:txEl>
+                                          </p:spTgt>
+                                        </p:tgtEl>
+                                      </p:cBhvr>
+                                    </p:animEffect>
+                                  </p:childTnLst>
+                                </p:cTn>
+                              </p:par>
+                            </p:childTnLst>
+                          </p:cTn>
+                        </p:par>
+                      </p:childTnLst>
+                    </p:cTn>
+                  </p:par>
+                  <p:par>
+                    <p:cTn id="23" fill="hold">
+                      <p:stCondLst>
+                        <p:cond delay="indefinite"/>
+                      </p:stCondLst>
+                      <p:childTnLst>
+                        <p:par>
+                          <p:cTn id="24" fill="hold">
+                            <p:stCondLst>
+                              <p:cond delay="0"/>
+                            </p:stCondLst>
+                            <p:childTnLst>
+                              <p:par>
+                                <p:cTn id="25" presetID="10" presetClass="entr" presetSubtype="0" fill="hold" grpId="0" nodeType="clickEffect">
+                                  <p:stCondLst>
+                                    <p:cond delay="0"/>
+                                  </p:stCondLst>
+                                  <p:childTnLst>
+                                    <p:set>
+                                      <p:cBhvr>
+                                        <p:cTn id="26" dur="1" fill="hold">
+                                          <p:stCondLst>
+                                            <p:cond delay="0"/>
+                                          </p:stCondLst>
+                                        </p:cTn>
+                                        <p:tgtEl>
+                                          <p:spTgt spid="8"/>
+                                        </p:tgtEl>
+                                        <p:attrNameLst>
+                                          <p:attrName>style.visibility</p:attrName>
+                                        </p:attrNameLst>
+                                      </p:cBhvr>
+                                      <p:to>
+                                        <p:strVal val="visible"/>
+                                      </p:to>
+                                    </p:set>
+                                    <p:animEffect transition="in" filter="fade">
+                                      <p:cBhvr>
+                                        <p:cTn id="27" dur="500"/>
+                                        <p:tgtEl>
+                                          <p:spTgt spid="8"/>
+                                        </p:tgtEl>
+                                      </p:cBhvr>
+                                    </p:animEffect>
+                                  </p:childTnLst>
+                                </p:cTn>
+                              </p:par>
+                            </p:childTnLst>
+                          </p:cTn>
+                        </p:par>
+                      </p:childTnLst>
+                    </p:cTn>
+                  </p:par>
+                  <p:par>
+                    <p:cTn id="28" fill="hold">
+                      <p:stCondLst>
+                        <p:cond delay="indefinite"/>
+                      </p:stCondLst>
+                      <p:childTnLst>
+                        <p:par>
+                          <p:cTn id="29" fill="hold">
+                            <p:stCondLst>
+                              <p:cond delay="0"/>
+                            </p:stCondLst>
+                            <p:childTnLst>
+                              <p:par>
+                                <p:cTn id="30" presetID="22" presetClass="entr" presetSubtype="1" fill="hold" nodeType="clickEffect">
+                                  <p:stCondLst>
+                                    <p:cond delay="0"/>
+                                  </p:stCondLst>
+                                  <p:childTnLst>
+                                    <p:set>
+                                      <p:cBhvr>
+                                        <p:cTn id="31" dur="1" fill="hold">
+                                          <p:stCondLst>
+                                            <p:cond delay="0"/>
+                                          </p:stCondLst>
+                                        </p:cTn>
+                                        <p:tgtEl>
+                                          <p:spTgt spid="10"/>
+                                        </p:tgtEl>
+                                        <p:attrNameLst>
+                                          <p:attrName>style.visibility</p:attrName>
+                                        </p:attrNameLst>
+                                      </p:cBhvr>
+                                      <p:to>
+                                        <p:strVal val="visible"/>
+                                      </p:to>
+                                    </p:set>
+                                    <p:animEffect transition="in" filter="wipe(up)">
+                                      <p:cBhvr>
+                                        <p:cTn id="32" dur="500"/>
+                                        <p:tgtEl>
+                                          <p:spTgt spid="10"/>
+                                        </p:tgtEl>
+                                      </p:cBhvr>
+                                    </p:animEffect>
+                                  </p:childTnLst>
+                                </p:cTn>
+                              </p:par>
+                            </p:childTnLst>
+                          </p:cTn>
+                        </p:par>
+                      </p:childTnLst>
+                    </p:cTn>
+                  </p:par>
+                  <p:par>
+                    <p:cTn id="33" fill="hold">
+                      <p:stCondLst>
+                        <p:cond delay="indefinite"/>
+                      </p:stCondLst>
+                      <p:childTnLst>
+                        <p:par>
+                          <p:cTn id="34" fill="hold">
+                            <p:stCondLst>
+                              <p:cond delay="0"/>
+                            </p:stCondLst>
+                            <p:childTnLst>
+                              <p:par>
+                                <p:cTn id="35" presetID="22" presetClass="entr" presetSubtype="1" fill="hold" nodeType="clickEffect">
+                                  <p:stCondLst>
+                                    <p:cond delay="0"/>
+                                  </p:stCondLst>
+                                  <p:childTnLst>
+                                    <p:set>
+                                      <p:cBhvr>
+                                        <p:cTn id="36" dur="1" fill="hold">
+                                          <p:stCondLst>
+                                            <p:cond delay="0"/>
+                                          </p:stCondLst>
+                                        </p:cTn>
+                                        <p:tgtEl>
+                                          <p:spTgt spid="11"/>
+                                        </p:tgtEl>
+                                        <p:attrNameLst>
+                                          <p:attrName>style.visibility</p:attrName>
+                                        </p:attrNameLst>
+                                      </p:cBhvr>
+                                      <p:to>
+                                        <p:strVal val="visible"/>
+                                      </p:to>
+                                    </p:set>
+                                    <p:animEffect transition="in" filter="wipe(up)">
+                                      <p:cBhvr>
+                                        <p:cTn id="37" dur="500"/>
+                                        <p:tgtEl>
+                                          <p:spTgt spid="11"/>
+                                        </p:tgtEl>
+                                      </p:cBhvr>
+                                    </p:animEffect>
+                                  </p:childTnLst>
+                                </p:cTn>
+                              </p:par>
+                            </p:childTnLst>
+                          </p:cTn>
+                        </p:par>
+                      </p:childTnLst>
+                    </p:cTn>
+                  </p:par>
+                </p:childTnLst>
+              </p:cTn>
+              <p:prevCondLst>
+                <p:cond evt="onPrev" delay="0">
+                  <p:tgtEl>
+                    <p:sldTgt/>
+                  </p:tgtEl>
+                </p:cond>
+              </p:prevCondLst>
+              <p:nextCondLst>
+                <p:cond evt="onNext" delay="0">
+                  <p:tgtEl>
+                    <p:sldTgt/>
+                  </p:tgtEl>
+                </p:cond>
+              </p:nextCondLst>
+            </p:seq>
+          </p:childTnLst>
+        </p:cTn>
       </p:par>
     </p:tnLst>
+    <p:bldLst>
+      <p:bldP spid="8" grpId="0"/>
+    </p:bldLst>
   </p:timing>
 </p:sld>
 </file>
@@ -10870,6 +12187,982 @@
       </p:grpSpPr>
       <p:sp>
         <p:nvSpPr>
+          <p:cNvPr id="2" name="Title 1">
+            <a:extLst>
+              <a:ext uri="{FF2B5EF4-FFF2-40B4-BE49-F238E27FC236}">
+                <a16:creationId xmlns:a16="http://schemas.microsoft.com/office/drawing/2014/main" id="{8A498C91-A246-294B-A683-7CC1A2009057}"/>
+              </a:ext>
+            </a:extLst>
+          </p:cNvPr>
+          <p:cNvSpPr>
+            <a:spLocks noGrp="1"/>
+          </p:cNvSpPr>
+          <p:nvPr>
+            <p:ph type="title"/>
+          </p:nvPr>
+        </p:nvSpPr>
+        <p:spPr>
+          <a:xfrm>
+            <a:off x="228600" y="365125"/>
+            <a:ext cx="11658600" cy="1325563"/>
+          </a:xfrm>
+        </p:spPr>
+        <p:txBody>
+          <a:bodyPr>
+            <a:normAutofit/>
+          </a:bodyPr>
+          <a:lstStyle/>
+          <a:p>
+            <a:pPr algn="ctr"/>
+            <a:r>
+              <a:rPr lang="en-US" sz="4000" b="1" dirty="0" smtClean="0">
+                <a:latin typeface="Georgia" panose="02040502050405020303" pitchFamily="18" charset="0"/>
+              </a:rPr>
+              <a:t>Analyzing: </a:t>
+            </a:r>
+            <a:r>
+              <a:rPr lang="en-US" sz="4000" b="1" dirty="0" smtClean="0">
+                <a:solidFill>
+                  <a:srgbClr val="FF0000"/>
+                </a:solidFill>
+                <a:latin typeface="Georgia" panose="02040502050405020303" pitchFamily="18" charset="0"/>
+              </a:rPr>
+              <a:t>Between</a:t>
+            </a:r>
+            <a:r>
+              <a:rPr lang="en-US" sz="4000" b="1" dirty="0" smtClean="0">
+                <a:latin typeface="Georgia" panose="02040502050405020303" pitchFamily="18" charset="0"/>
+              </a:rPr>
+              <a:t>-Subjects </a:t>
+            </a:r>
+            <a:r>
+              <a:rPr lang="en-US" sz="4000" b="1" dirty="0">
+                <a:latin typeface="Georgia" panose="02040502050405020303" pitchFamily="18" charset="0"/>
+              </a:rPr>
+              <a:t>Variability</a:t>
+            </a:r>
+          </a:p>
+        </p:txBody>
+      </p:sp>
+      <p:sp>
+        <p:nvSpPr>
+          <p:cNvPr id="3" name="Content Placeholder 2">
+            <a:extLst>
+              <a:ext uri="{FF2B5EF4-FFF2-40B4-BE49-F238E27FC236}">
+                <a16:creationId xmlns:a16="http://schemas.microsoft.com/office/drawing/2014/main" id="{D4E1D5F5-50DF-4648-BBBF-8E093EF6D84F}"/>
+              </a:ext>
+            </a:extLst>
+          </p:cNvPr>
+          <p:cNvSpPr>
+            <a:spLocks noGrp="1"/>
+          </p:cNvSpPr>
+          <p:nvPr>
+            <p:ph idx="1"/>
+          </p:nvPr>
+        </p:nvSpPr>
+        <p:spPr>
+          <a:xfrm>
+            <a:off x="6154202" y="1524000"/>
+            <a:ext cx="5623560" cy="5029200"/>
+          </a:xfrm>
+        </p:spPr>
+        <p:txBody>
+          <a:bodyPr>
+            <a:noAutofit/>
+          </a:bodyPr>
+          <a:lstStyle/>
+          <a:p>
+            <a:pPr marL="0" indent="0" algn="ctr">
+              <a:buNone/>
+            </a:pPr>
+            <a:r>
+              <a:rPr lang="en-US" b="1" dirty="0" smtClean="0">
+                <a:solidFill>
+                  <a:srgbClr val="0070C0"/>
+                </a:solidFill>
+                <a:latin typeface="Georgia" panose="02040502050405020303" pitchFamily="18" charset="0"/>
+              </a:rPr>
+              <a:t>Mixed Design</a:t>
+            </a:r>
+          </a:p>
+          <a:p>
+            <a:pPr marL="0" indent="0" algn="ctr">
+              <a:buNone/>
+            </a:pPr>
+            <a:endParaRPr lang="en-US" b="1" u="sng" dirty="0">
+              <a:solidFill>
+                <a:schemeClr val="accent5"/>
+              </a:solidFill>
+              <a:latin typeface="Georgia" panose="02040502050405020303" pitchFamily="18" charset="0"/>
+            </a:endParaRPr>
+          </a:p>
+          <a:p>
+            <a:pPr marL="457200" lvl="1" indent="0" algn="ctr">
+              <a:buNone/>
+            </a:pPr>
+            <a:r>
+              <a:rPr lang="en-US" u="sng" dirty="0" smtClean="0">
+                <a:solidFill>
+                  <a:srgbClr val="FF0000"/>
+                </a:solidFill>
+                <a:latin typeface="Georgia" panose="02040502050405020303" pitchFamily="18" charset="0"/>
+              </a:rPr>
+              <a:t>Assess and Test</a:t>
+            </a:r>
+            <a:r>
+              <a:rPr lang="en-US" dirty="0" smtClean="0">
+                <a:latin typeface="Georgia" panose="02040502050405020303" pitchFamily="18" charset="0"/>
+              </a:rPr>
+              <a:t> </a:t>
+            </a:r>
+            <a:endParaRPr lang="en-US" dirty="0">
+              <a:latin typeface="Georgia" panose="02040502050405020303" pitchFamily="18" charset="0"/>
+            </a:endParaRPr>
+          </a:p>
+          <a:p>
+            <a:pPr lvl="1"/>
+            <a:r>
+              <a:rPr lang="en-US" dirty="0" smtClean="0">
+                <a:latin typeface="Georgia" panose="02040502050405020303" pitchFamily="18" charset="0"/>
+              </a:rPr>
+              <a:t>general </a:t>
+            </a:r>
+            <a:r>
+              <a:rPr lang="en-US" dirty="0">
+                <a:latin typeface="Georgia" panose="02040502050405020303" pitchFamily="18" charset="0"/>
+              </a:rPr>
+              <a:t>pattern across </a:t>
+            </a:r>
+            <a:r>
+              <a:rPr lang="en-US" dirty="0" smtClean="0">
+                <a:latin typeface="Georgia" panose="02040502050405020303" pitchFamily="18" charset="0"/>
+              </a:rPr>
+              <a:t>time </a:t>
+            </a:r>
+            <a:r>
+              <a:rPr lang="en-US" i="1" dirty="0" smtClean="0">
+                <a:latin typeface="Georgia" panose="02040502050405020303" pitchFamily="18" charset="0"/>
+              </a:rPr>
+              <a:t>(or condition) </a:t>
+            </a:r>
+            <a:r>
+              <a:rPr lang="en-US" b="1" u="sng" dirty="0" smtClean="0">
+                <a:latin typeface="Georgia" panose="02040502050405020303" pitchFamily="18" charset="0"/>
+              </a:rPr>
+              <a:t>and</a:t>
+            </a:r>
+          </a:p>
+          <a:p>
+            <a:pPr lvl="1"/>
+            <a:r>
+              <a:rPr lang="en-US" dirty="0" smtClean="0">
+                <a:solidFill>
+                  <a:srgbClr val="00B050"/>
+                </a:solidFill>
+                <a:latin typeface="Georgia" panose="02040502050405020303" pitchFamily="18" charset="0"/>
+              </a:rPr>
+              <a:t>subject-to-subject differences due to the </a:t>
+            </a:r>
+            <a:r>
+              <a:rPr lang="en-US" dirty="0" smtClean="0">
+                <a:solidFill>
+                  <a:srgbClr val="00B050"/>
+                </a:solidFill>
+                <a:latin typeface="Georgia" panose="02040502050405020303" pitchFamily="18" charset="0"/>
+              </a:rPr>
+              <a:t>independent groups</a:t>
+            </a:r>
+            <a:endParaRPr lang="en-US" dirty="0" smtClean="0">
+              <a:solidFill>
+                <a:srgbClr val="00B050"/>
+              </a:solidFill>
+              <a:latin typeface="Georgia" panose="02040502050405020303" pitchFamily="18" charset="0"/>
+            </a:endParaRPr>
+          </a:p>
+          <a:p>
+            <a:pPr marL="457200" lvl="1" indent="0">
+              <a:buNone/>
+            </a:pPr>
+            <a:endParaRPr lang="en-US" u="sng" dirty="0" smtClean="0">
+              <a:solidFill>
+                <a:srgbClr val="FF0000"/>
+              </a:solidFill>
+              <a:latin typeface="Georgia" panose="02040502050405020303" pitchFamily="18" charset="0"/>
+            </a:endParaRPr>
+          </a:p>
+          <a:p>
+            <a:pPr marL="457200" lvl="1" indent="0" algn="ctr">
+              <a:buNone/>
+            </a:pPr>
+            <a:r>
+              <a:rPr lang="en-US" u="sng" dirty="0">
+                <a:solidFill>
+                  <a:srgbClr val="FF0000"/>
+                </a:solidFill>
+                <a:latin typeface="Georgia" panose="02040502050405020303" pitchFamily="18" charset="0"/>
+              </a:rPr>
+              <a:t>Subject-to-subject variability</a:t>
+            </a:r>
+            <a:endParaRPr lang="en-US" dirty="0">
+              <a:latin typeface="Georgia" panose="02040502050405020303" pitchFamily="18" charset="0"/>
+            </a:endParaRPr>
+          </a:p>
+          <a:p>
+            <a:pPr lvl="1"/>
+            <a:r>
+              <a:rPr lang="en-US" dirty="0" smtClean="0">
+                <a:latin typeface="Georgia" panose="02040502050405020303" pitchFamily="18" charset="0"/>
+              </a:rPr>
+              <a:t>Some is </a:t>
+            </a:r>
+            <a:r>
+              <a:rPr lang="en-US" b="1" dirty="0">
+                <a:latin typeface="Georgia" panose="02040502050405020303" pitchFamily="18" charset="0"/>
+              </a:rPr>
+              <a:t>due to </a:t>
+            </a:r>
+            <a:r>
+              <a:rPr lang="en-US" dirty="0">
+                <a:latin typeface="Georgia" panose="02040502050405020303" pitchFamily="18" charset="0"/>
+              </a:rPr>
+              <a:t>the difference in the levels of the </a:t>
+            </a:r>
+            <a:r>
+              <a:rPr lang="en-US" dirty="0">
+                <a:solidFill>
+                  <a:srgbClr val="00B050"/>
+                </a:solidFill>
+                <a:latin typeface="Georgia" panose="02040502050405020303" pitchFamily="18" charset="0"/>
+              </a:rPr>
+              <a:t>between-subjects </a:t>
+            </a:r>
+            <a:r>
+              <a:rPr lang="en-US" dirty="0" smtClean="0">
+                <a:solidFill>
+                  <a:srgbClr val="00B050"/>
+                </a:solidFill>
+                <a:latin typeface="Georgia" panose="02040502050405020303" pitchFamily="18" charset="0"/>
+              </a:rPr>
+              <a:t>factor</a:t>
+            </a:r>
+            <a:endParaRPr lang="en-US" dirty="0">
+              <a:solidFill>
+                <a:srgbClr val="00B050"/>
+              </a:solidFill>
+              <a:latin typeface="Georgia" panose="02040502050405020303" pitchFamily="18" charset="0"/>
+            </a:endParaRPr>
+          </a:p>
+          <a:p>
+            <a:pPr lvl="1"/>
+            <a:endParaRPr lang="en-US" dirty="0">
+              <a:latin typeface="Georgia" panose="02040502050405020303" pitchFamily="18" charset="0"/>
+            </a:endParaRPr>
+          </a:p>
+        </p:txBody>
+      </p:sp>
+      <p:sp>
+        <p:nvSpPr>
+          <p:cNvPr id="5" name="Slide Number Placeholder 4">
+            <a:extLst>
+              <a:ext uri="{FF2B5EF4-FFF2-40B4-BE49-F238E27FC236}">
+                <a16:creationId xmlns:a16="http://schemas.microsoft.com/office/drawing/2014/main" id="{52AEF3C6-AA56-A14A-A2C8-0FB54DAC39C3}"/>
+              </a:ext>
+            </a:extLst>
+          </p:cNvPr>
+          <p:cNvSpPr>
+            <a:spLocks noGrp="1"/>
+          </p:cNvSpPr>
+          <p:nvPr>
+            <p:ph type="sldNum" sz="quarter" idx="12"/>
+          </p:nvPr>
+        </p:nvSpPr>
+        <p:spPr/>
+        <p:txBody>
+          <a:bodyPr/>
+          <a:lstStyle/>
+          <a:p>
+            <a:fld id="{E7DC3035-C8D6-4312-8AC4-36A973EDC8AE}" type="slidenum">
+              <a:rPr lang="en-US" altLang="en-US" smtClean="0"/>
+              <a:pPr/>
+              <a:t>7</a:t>
+            </a:fld>
+            <a:endParaRPr lang="en-US" altLang="en-US"/>
+          </a:p>
+        </p:txBody>
+      </p:sp>
+      <p:sp>
+        <p:nvSpPr>
+          <p:cNvPr id="6" name="Content Placeholder 2">
+            <a:extLst>
+              <a:ext uri="{FF2B5EF4-FFF2-40B4-BE49-F238E27FC236}">
+                <a16:creationId xmlns:a16="http://schemas.microsoft.com/office/drawing/2014/main" id="{D4E1D5F5-50DF-4648-BBBF-8E093EF6D84F}"/>
+              </a:ext>
+            </a:extLst>
+          </p:cNvPr>
+          <p:cNvSpPr txBox="1">
+            <a:spLocks/>
+          </p:cNvSpPr>
+          <p:nvPr/>
+        </p:nvSpPr>
+        <p:spPr>
+          <a:xfrm>
+            <a:off x="457200" y="1524001"/>
+            <a:ext cx="5623560" cy="4821172"/>
+          </a:xfrm>
+          <a:prstGeom prst="rect">
+            <a:avLst/>
+          </a:prstGeom>
+        </p:spPr>
+        <p:txBody>
+          <a:bodyPr vert="horz" lIns="91440" tIns="45720" rIns="91440" bIns="45720" rtlCol="0">
+            <a:noAutofit/>
+          </a:bodyPr>
+          <a:lstStyle>
+            <a:lvl1pPr marL="228600" indent="-228600" algn="l" defTabSz="914400" rtl="0" eaLnBrk="1" latinLnBrk="0" hangingPunct="1">
+              <a:lnSpc>
+                <a:spcPct val="90000"/>
+              </a:lnSpc>
+              <a:spcBef>
+                <a:spcPts val="1000"/>
+              </a:spcBef>
+              <a:buFont typeface="Arial" panose="020B0604020202020204" pitchFamily="34" charset="0"/>
+              <a:buChar char="•"/>
+              <a:defRPr sz="2800" b="0" i="0" kern="1200">
+                <a:solidFill>
+                  <a:schemeClr val="tx1"/>
+                </a:solidFill>
+                <a:latin typeface="Georgia Regular" panose="02040502050405020303" pitchFamily="18" charset="0"/>
+                <a:ea typeface="+mn-ea"/>
+                <a:cs typeface="+mn-cs"/>
+              </a:defRPr>
+            </a:lvl1pPr>
+            <a:lvl2pPr marL="685800" indent="-228600" algn="l" defTabSz="914400" rtl="0" eaLnBrk="1" latinLnBrk="0" hangingPunct="1">
+              <a:lnSpc>
+                <a:spcPct val="90000"/>
+              </a:lnSpc>
+              <a:spcBef>
+                <a:spcPts val="500"/>
+              </a:spcBef>
+              <a:buFont typeface="Arial" panose="020B0604020202020204" pitchFamily="34" charset="0"/>
+              <a:buChar char="•"/>
+              <a:defRPr sz="2400" b="0" i="0" kern="1200">
+                <a:solidFill>
+                  <a:schemeClr val="tx1"/>
+                </a:solidFill>
+                <a:latin typeface="Georgia Regular" panose="02040502050405020303" pitchFamily="18" charset="0"/>
+                <a:ea typeface="+mn-ea"/>
+                <a:cs typeface="+mn-cs"/>
+              </a:defRPr>
+            </a:lvl2pPr>
+            <a:lvl3pPr marL="1143000" indent="-228600" algn="l" defTabSz="914400" rtl="0" eaLnBrk="1" latinLnBrk="0" hangingPunct="1">
+              <a:lnSpc>
+                <a:spcPct val="90000"/>
+              </a:lnSpc>
+              <a:spcBef>
+                <a:spcPts val="500"/>
+              </a:spcBef>
+              <a:buFont typeface="Arial" panose="020B0604020202020204" pitchFamily="34" charset="0"/>
+              <a:buChar char="•"/>
+              <a:defRPr sz="2000" b="0" i="0" kern="1200">
+                <a:solidFill>
+                  <a:schemeClr val="tx1"/>
+                </a:solidFill>
+                <a:latin typeface="Georgia Regular" panose="02040502050405020303" pitchFamily="18" charset="0"/>
+                <a:ea typeface="+mn-ea"/>
+                <a:cs typeface="+mn-cs"/>
+              </a:defRPr>
+            </a:lvl3pPr>
+            <a:lvl4pPr marL="1600200" indent="-228600" algn="l" defTabSz="914400" rtl="0" eaLnBrk="1" latinLnBrk="0" hangingPunct="1">
+              <a:lnSpc>
+                <a:spcPct val="90000"/>
+              </a:lnSpc>
+              <a:spcBef>
+                <a:spcPts val="500"/>
+              </a:spcBef>
+              <a:buFont typeface="Arial" panose="020B0604020202020204" pitchFamily="34" charset="0"/>
+              <a:buChar char="•"/>
+              <a:defRPr sz="1800" b="0" i="0" kern="1200">
+                <a:solidFill>
+                  <a:schemeClr val="tx1"/>
+                </a:solidFill>
+                <a:latin typeface="Georgia Regular" panose="02040502050405020303" pitchFamily="18" charset="0"/>
+                <a:ea typeface="+mn-ea"/>
+                <a:cs typeface="+mn-cs"/>
+              </a:defRPr>
+            </a:lvl4pPr>
+            <a:lvl5pPr marL="2057400" indent="-228600" algn="l" defTabSz="914400" rtl="0" eaLnBrk="1" latinLnBrk="0" hangingPunct="1">
+              <a:lnSpc>
+                <a:spcPct val="90000"/>
+              </a:lnSpc>
+              <a:spcBef>
+                <a:spcPts val="500"/>
+              </a:spcBef>
+              <a:buFont typeface="Arial" panose="020B0604020202020204" pitchFamily="34" charset="0"/>
+              <a:buChar char="•"/>
+              <a:defRPr sz="1800" b="0" i="0" kern="1200">
+                <a:solidFill>
+                  <a:schemeClr val="tx1"/>
+                </a:solidFill>
+                <a:latin typeface="Georgia Regular" panose="02040502050405020303" pitchFamily="18" charset="0"/>
+                <a:ea typeface="+mn-ea"/>
+                <a:cs typeface="+mn-cs"/>
+              </a:defRPr>
+            </a:lvl5pPr>
+            <a:lvl6pPr marL="2514600" indent="-228600" algn="l" defTabSz="914400" rtl="0" eaLnBrk="1" latinLnBrk="0" hangingPunct="1">
+              <a:lnSpc>
+                <a:spcPct val="90000"/>
+              </a:lnSpc>
+              <a:spcBef>
+                <a:spcPts val="500"/>
+              </a:spcBef>
+              <a:buFont typeface="Arial" panose="020B0604020202020204" pitchFamily="34" charset="0"/>
+              <a:buChar char="•"/>
+              <a:defRPr sz="1800" kern="1200">
+                <a:solidFill>
+                  <a:schemeClr val="tx1"/>
+                </a:solidFill>
+                <a:latin typeface="+mn-lt"/>
+                <a:ea typeface="+mn-ea"/>
+                <a:cs typeface="+mn-cs"/>
+              </a:defRPr>
+            </a:lvl6pPr>
+            <a:lvl7pPr marL="2971800" indent="-228600" algn="l" defTabSz="914400" rtl="0" eaLnBrk="1" latinLnBrk="0" hangingPunct="1">
+              <a:lnSpc>
+                <a:spcPct val="90000"/>
+              </a:lnSpc>
+              <a:spcBef>
+                <a:spcPts val="500"/>
+              </a:spcBef>
+              <a:buFont typeface="Arial" panose="020B0604020202020204" pitchFamily="34" charset="0"/>
+              <a:buChar char="•"/>
+              <a:defRPr sz="1800" kern="1200">
+                <a:solidFill>
+                  <a:schemeClr val="tx1"/>
+                </a:solidFill>
+                <a:latin typeface="+mn-lt"/>
+                <a:ea typeface="+mn-ea"/>
+                <a:cs typeface="+mn-cs"/>
+              </a:defRPr>
+            </a:lvl7pPr>
+            <a:lvl8pPr marL="3429000" indent="-228600" algn="l" defTabSz="914400" rtl="0" eaLnBrk="1" latinLnBrk="0" hangingPunct="1">
+              <a:lnSpc>
+                <a:spcPct val="90000"/>
+              </a:lnSpc>
+              <a:spcBef>
+                <a:spcPts val="500"/>
+              </a:spcBef>
+              <a:buFont typeface="Arial" panose="020B0604020202020204" pitchFamily="34" charset="0"/>
+              <a:buChar char="•"/>
+              <a:defRPr sz="1800" kern="1200">
+                <a:solidFill>
+                  <a:schemeClr val="tx1"/>
+                </a:solidFill>
+                <a:latin typeface="+mn-lt"/>
+                <a:ea typeface="+mn-ea"/>
+                <a:cs typeface="+mn-cs"/>
+              </a:defRPr>
+            </a:lvl8pPr>
+            <a:lvl9pPr marL="3886200" indent="-228600" algn="l" defTabSz="914400" rtl="0" eaLnBrk="1" latinLnBrk="0" hangingPunct="1">
+              <a:lnSpc>
+                <a:spcPct val="90000"/>
+              </a:lnSpc>
+              <a:spcBef>
+                <a:spcPts val="500"/>
+              </a:spcBef>
+              <a:buFont typeface="Arial" panose="020B0604020202020204" pitchFamily="34" charset="0"/>
+              <a:buChar char="•"/>
+              <a:defRPr sz="1800" kern="1200">
+                <a:solidFill>
+                  <a:schemeClr val="tx1"/>
+                </a:solidFill>
+                <a:latin typeface="+mn-lt"/>
+                <a:ea typeface="+mn-ea"/>
+                <a:cs typeface="+mn-cs"/>
+              </a:defRPr>
+            </a:lvl9pPr>
+          </a:lstStyle>
+          <a:p>
+            <a:pPr marL="0" indent="0" algn="ctr">
+              <a:buNone/>
+            </a:pPr>
+            <a:r>
+              <a:rPr lang="en-US" b="1" dirty="0" smtClean="0">
+                <a:solidFill>
+                  <a:srgbClr val="0070C0"/>
+                </a:solidFill>
+                <a:latin typeface="Georgia" panose="02040502050405020303" pitchFamily="18" charset="0"/>
+              </a:rPr>
+              <a:t>Simple RM Design </a:t>
+            </a:r>
+          </a:p>
+          <a:p>
+            <a:pPr marL="0" indent="0" algn="ctr">
+              <a:buNone/>
+            </a:pPr>
+            <a:endParaRPr lang="en-US" b="1" dirty="0" smtClean="0">
+              <a:solidFill>
+                <a:schemeClr val="accent6"/>
+              </a:solidFill>
+              <a:latin typeface="Georgia" panose="02040502050405020303" pitchFamily="18" charset="0"/>
+            </a:endParaRPr>
+          </a:p>
+          <a:p>
+            <a:pPr marL="457200" lvl="1" indent="0" algn="ctr">
+              <a:buNone/>
+            </a:pPr>
+            <a:r>
+              <a:rPr lang="en-US" u="sng" dirty="0" smtClean="0">
+                <a:solidFill>
+                  <a:srgbClr val="FF0000"/>
+                </a:solidFill>
+                <a:latin typeface="Georgia" panose="02040502050405020303" pitchFamily="18" charset="0"/>
+              </a:rPr>
+              <a:t>Assess and Test</a:t>
+            </a:r>
+            <a:r>
+              <a:rPr lang="en-US" dirty="0" smtClean="0">
+                <a:latin typeface="Georgia" panose="02040502050405020303" pitchFamily="18" charset="0"/>
+              </a:rPr>
+              <a:t> </a:t>
+            </a:r>
+          </a:p>
+          <a:p>
+            <a:pPr lvl="1"/>
+            <a:r>
+              <a:rPr lang="en-US" dirty="0" smtClean="0">
+                <a:latin typeface="Georgia" panose="02040502050405020303" pitchFamily="18" charset="0"/>
+              </a:rPr>
+              <a:t>general pattern across time </a:t>
+            </a:r>
+            <a:r>
+              <a:rPr lang="en-US" i="1" dirty="0" smtClean="0">
+                <a:latin typeface="Georgia" panose="02040502050405020303" pitchFamily="18" charset="0"/>
+              </a:rPr>
+              <a:t>(or condition)</a:t>
+            </a:r>
+          </a:p>
+          <a:p>
+            <a:pPr lvl="1"/>
+            <a:endParaRPr lang="en-US" dirty="0" smtClean="0">
+              <a:latin typeface="Georgia" panose="02040502050405020303" pitchFamily="18" charset="0"/>
+            </a:endParaRPr>
+          </a:p>
+          <a:p>
+            <a:pPr lvl="1"/>
+            <a:endParaRPr lang="en-US" dirty="0" smtClean="0">
+              <a:latin typeface="Georgia" panose="02040502050405020303" pitchFamily="18" charset="0"/>
+            </a:endParaRPr>
+          </a:p>
+          <a:p>
+            <a:pPr lvl="1"/>
+            <a:endParaRPr lang="en-US" dirty="0" smtClean="0">
+              <a:latin typeface="Georgia" panose="02040502050405020303" pitchFamily="18" charset="0"/>
+            </a:endParaRPr>
+          </a:p>
+          <a:p>
+            <a:pPr marL="457200" lvl="1" indent="0" algn="ctr">
+              <a:buNone/>
+            </a:pPr>
+            <a:r>
+              <a:rPr lang="en-US" u="sng" dirty="0" smtClean="0">
+                <a:solidFill>
+                  <a:srgbClr val="FF0000"/>
+                </a:solidFill>
+                <a:latin typeface="Georgia" panose="02040502050405020303" pitchFamily="18" charset="0"/>
+              </a:rPr>
+              <a:t>Subject-to-subject variability</a:t>
+            </a:r>
+            <a:endParaRPr lang="en-US" dirty="0" smtClean="0">
+              <a:latin typeface="Georgia" panose="02040502050405020303" pitchFamily="18" charset="0"/>
+            </a:endParaRPr>
+          </a:p>
+          <a:p>
+            <a:pPr lvl="1"/>
+            <a:r>
+              <a:rPr lang="en-US" dirty="0" smtClean="0">
+                <a:latin typeface="Georgia" panose="02040502050405020303" pitchFamily="18" charset="0"/>
+              </a:rPr>
+              <a:t>Ignored it all: </a:t>
+            </a:r>
+            <a:r>
+              <a:rPr lang="en-US" i="1" dirty="0" smtClean="0">
+                <a:latin typeface="Georgia" panose="02040502050405020303" pitchFamily="18" charset="0"/>
+              </a:rPr>
+              <a:t>it is assumed to just be error</a:t>
+            </a:r>
+            <a:endParaRPr lang="en-US" i="1" dirty="0">
+              <a:latin typeface="Georgia" panose="02040502050405020303" pitchFamily="18" charset="0"/>
+            </a:endParaRPr>
+          </a:p>
+        </p:txBody>
+      </p:sp>
+    </p:spTree>
+    <p:extLst>
+      <p:ext uri="{BB962C8B-B14F-4D97-AF65-F5344CB8AC3E}">
+        <p14:creationId xmlns:p14="http://schemas.microsoft.com/office/powerpoint/2010/main" val="705297125"/>
+      </p:ext>
+    </p:extLst>
+  </p:cSld>
+  <p:clrMapOvr>
+    <a:masterClrMapping/>
+  </p:clrMapOvr>
+  <p:timing>
+    <p:tnLst>
+      <p:par>
+        <p:cTn id="1" dur="indefinite" restart="never" nodeType="tmRoot">
+          <p:childTnLst>
+            <p:seq concurrent="1" nextAc="seek">
+              <p:cTn id="2" dur="indefinite" nodeType="mainSeq">
+                <p:childTnLst>
+                  <p:par>
+                    <p:cTn id="3" fill="hold">
+                      <p:stCondLst>
+                        <p:cond delay="indefinite"/>
+                      </p:stCondLst>
+                      <p:childTnLst>
+                        <p:par>
+                          <p:cTn id="4" fill="hold">
+                            <p:stCondLst>
+                              <p:cond delay="0"/>
+                            </p:stCondLst>
+                            <p:childTnLst>
+                              <p:par>
+                                <p:cTn id="5" presetID="10" presetClass="entr" presetSubtype="0" fill="hold" nodeType="clickEffect">
+                                  <p:stCondLst>
+                                    <p:cond delay="0"/>
+                                  </p:stCondLst>
+                                  <p:childTnLst>
+                                    <p:set>
+                                      <p:cBhvr>
+                                        <p:cTn id="6" dur="1" fill="hold">
+                                          <p:stCondLst>
+                                            <p:cond delay="0"/>
+                                          </p:stCondLst>
+                                        </p:cTn>
+                                        <p:tgtEl>
+                                          <p:spTgt spid="6">
+                                            <p:txEl>
+                                              <p:pRg st="3" end="3"/>
+                                            </p:txEl>
+                                          </p:spTgt>
+                                        </p:tgtEl>
+                                        <p:attrNameLst>
+                                          <p:attrName>style.visibility</p:attrName>
+                                        </p:attrNameLst>
+                                      </p:cBhvr>
+                                      <p:to>
+                                        <p:strVal val="visible"/>
+                                      </p:to>
+                                    </p:set>
+                                    <p:animEffect transition="in" filter="fade">
+                                      <p:cBhvr>
+                                        <p:cTn id="7" dur="500"/>
+                                        <p:tgtEl>
+                                          <p:spTgt spid="6">
+                                            <p:txEl>
+                                              <p:pRg st="3" end="3"/>
+                                            </p:txEl>
+                                          </p:spTgt>
+                                        </p:tgtEl>
+                                      </p:cBhvr>
+                                    </p:animEffect>
+                                  </p:childTnLst>
+                                </p:cTn>
+                              </p:par>
+                            </p:childTnLst>
+                          </p:cTn>
+                        </p:par>
+                      </p:childTnLst>
+                    </p:cTn>
+                  </p:par>
+                  <p:par>
+                    <p:cTn id="8" fill="hold">
+                      <p:stCondLst>
+                        <p:cond delay="indefinite"/>
+                      </p:stCondLst>
+                      <p:childTnLst>
+                        <p:par>
+                          <p:cTn id="9" fill="hold">
+                            <p:stCondLst>
+                              <p:cond delay="0"/>
+                            </p:stCondLst>
+                            <p:childTnLst>
+                              <p:par>
+                                <p:cTn id="10" presetID="10" presetClass="entr" presetSubtype="0" fill="hold" nodeType="clickEffect">
+                                  <p:stCondLst>
+                                    <p:cond delay="0"/>
+                                  </p:stCondLst>
+                                  <p:childTnLst>
+                                    <p:set>
+                                      <p:cBhvr>
+                                        <p:cTn id="11" dur="1" fill="hold">
+                                          <p:stCondLst>
+                                            <p:cond delay="0"/>
+                                          </p:stCondLst>
+                                        </p:cTn>
+                                        <p:tgtEl>
+                                          <p:spTgt spid="3">
+                                            <p:txEl>
+                                              <p:pRg st="3" end="3"/>
+                                            </p:txEl>
+                                          </p:spTgt>
+                                        </p:tgtEl>
+                                        <p:attrNameLst>
+                                          <p:attrName>style.visibility</p:attrName>
+                                        </p:attrNameLst>
+                                      </p:cBhvr>
+                                      <p:to>
+                                        <p:strVal val="visible"/>
+                                      </p:to>
+                                    </p:set>
+                                    <p:animEffect transition="in" filter="fade">
+                                      <p:cBhvr>
+                                        <p:cTn id="12" dur="500"/>
+                                        <p:tgtEl>
+                                          <p:spTgt spid="3">
+                                            <p:txEl>
+                                              <p:pRg st="3" end="3"/>
+                                            </p:txEl>
+                                          </p:spTgt>
+                                        </p:tgtEl>
+                                      </p:cBhvr>
+                                    </p:animEffect>
+                                  </p:childTnLst>
+                                </p:cTn>
+                              </p:par>
+                            </p:childTnLst>
+                          </p:cTn>
+                        </p:par>
+                      </p:childTnLst>
+                    </p:cTn>
+                  </p:par>
+                  <p:par>
+                    <p:cTn id="13" fill="hold">
+                      <p:stCondLst>
+                        <p:cond delay="indefinite"/>
+                      </p:stCondLst>
+                      <p:childTnLst>
+                        <p:par>
+                          <p:cTn id="14" fill="hold">
+                            <p:stCondLst>
+                              <p:cond delay="0"/>
+                            </p:stCondLst>
+                            <p:childTnLst>
+                              <p:par>
+                                <p:cTn id="15" presetID="10" presetClass="entr" presetSubtype="0" fill="hold" nodeType="clickEffect">
+                                  <p:stCondLst>
+                                    <p:cond delay="0"/>
+                                  </p:stCondLst>
+                                  <p:childTnLst>
+                                    <p:set>
+                                      <p:cBhvr>
+                                        <p:cTn id="16" dur="1" fill="hold">
+                                          <p:stCondLst>
+                                            <p:cond delay="0"/>
+                                          </p:stCondLst>
+                                        </p:cTn>
+                                        <p:tgtEl>
+                                          <p:spTgt spid="3">
+                                            <p:txEl>
+                                              <p:pRg st="4" end="4"/>
+                                            </p:txEl>
+                                          </p:spTgt>
+                                        </p:tgtEl>
+                                        <p:attrNameLst>
+                                          <p:attrName>style.visibility</p:attrName>
+                                        </p:attrNameLst>
+                                      </p:cBhvr>
+                                      <p:to>
+                                        <p:strVal val="visible"/>
+                                      </p:to>
+                                    </p:set>
+                                    <p:animEffect transition="in" filter="fade">
+                                      <p:cBhvr>
+                                        <p:cTn id="17" dur="500"/>
+                                        <p:tgtEl>
+                                          <p:spTgt spid="3">
+                                            <p:txEl>
+                                              <p:pRg st="4" end="4"/>
+                                            </p:txEl>
+                                          </p:spTgt>
+                                        </p:tgtEl>
+                                      </p:cBhvr>
+                                    </p:animEffect>
+                                  </p:childTnLst>
+                                </p:cTn>
+                              </p:par>
+                            </p:childTnLst>
+                          </p:cTn>
+                        </p:par>
+                      </p:childTnLst>
+                    </p:cTn>
+                  </p:par>
+                  <p:par>
+                    <p:cTn id="18" fill="hold">
+                      <p:stCondLst>
+                        <p:cond delay="indefinite"/>
+                      </p:stCondLst>
+                      <p:childTnLst>
+                        <p:par>
+                          <p:cTn id="19" fill="hold">
+                            <p:stCondLst>
+                              <p:cond delay="0"/>
+                            </p:stCondLst>
+                            <p:childTnLst>
+                              <p:par>
+                                <p:cTn id="20" presetID="10" presetClass="entr" presetSubtype="0" fill="hold" nodeType="clickEffect">
+                                  <p:stCondLst>
+                                    <p:cond delay="0"/>
+                                  </p:stCondLst>
+                                  <p:childTnLst>
+                                    <p:set>
+                                      <p:cBhvr>
+                                        <p:cTn id="21" dur="1" fill="hold">
+                                          <p:stCondLst>
+                                            <p:cond delay="0"/>
+                                          </p:stCondLst>
+                                        </p:cTn>
+                                        <p:tgtEl>
+                                          <p:spTgt spid="6">
+                                            <p:txEl>
+                                              <p:pRg st="8" end="8"/>
+                                            </p:txEl>
+                                          </p:spTgt>
+                                        </p:tgtEl>
+                                        <p:attrNameLst>
+                                          <p:attrName>style.visibility</p:attrName>
+                                        </p:attrNameLst>
+                                      </p:cBhvr>
+                                      <p:to>
+                                        <p:strVal val="visible"/>
+                                      </p:to>
+                                    </p:set>
+                                    <p:animEffect transition="in" filter="fade">
+                                      <p:cBhvr>
+                                        <p:cTn id="22" dur="500"/>
+                                        <p:tgtEl>
+                                          <p:spTgt spid="6">
+                                            <p:txEl>
+                                              <p:pRg st="8" end="8"/>
+                                            </p:txEl>
+                                          </p:spTgt>
+                                        </p:tgtEl>
+                                      </p:cBhvr>
+                                    </p:animEffect>
+                                  </p:childTnLst>
+                                </p:cTn>
+                              </p:par>
+                            </p:childTnLst>
+                          </p:cTn>
+                        </p:par>
+                      </p:childTnLst>
+                    </p:cTn>
+                  </p:par>
+                  <p:par>
+                    <p:cTn id="23" fill="hold">
+                      <p:stCondLst>
+                        <p:cond delay="indefinite"/>
+                      </p:stCondLst>
+                      <p:childTnLst>
+                        <p:par>
+                          <p:cTn id="24" fill="hold">
+                            <p:stCondLst>
+                              <p:cond delay="0"/>
+                            </p:stCondLst>
+                            <p:childTnLst>
+                              <p:par>
+                                <p:cTn id="25" presetID="10" presetClass="entr" presetSubtype="0" fill="hold" nodeType="clickEffect">
+                                  <p:stCondLst>
+                                    <p:cond delay="0"/>
+                                  </p:stCondLst>
+                                  <p:childTnLst>
+                                    <p:set>
+                                      <p:cBhvr>
+                                        <p:cTn id="26" dur="1" fill="hold">
+                                          <p:stCondLst>
+                                            <p:cond delay="0"/>
+                                          </p:stCondLst>
+                                        </p:cTn>
+                                        <p:tgtEl>
+                                          <p:spTgt spid="3">
+                                            <p:txEl>
+                                              <p:pRg st="7" end="7"/>
+                                            </p:txEl>
+                                          </p:spTgt>
+                                        </p:tgtEl>
+                                        <p:attrNameLst>
+                                          <p:attrName>style.visibility</p:attrName>
+                                        </p:attrNameLst>
+                                      </p:cBhvr>
+                                      <p:to>
+                                        <p:strVal val="visible"/>
+                                      </p:to>
+                                    </p:set>
+                                    <p:animEffect transition="in" filter="fade">
+                                      <p:cBhvr>
+                                        <p:cTn id="27" dur="500"/>
+                                        <p:tgtEl>
+                                          <p:spTgt spid="3">
+                                            <p:txEl>
+                                              <p:pRg st="7" end="7"/>
+                                            </p:txEl>
+                                          </p:spTgt>
+                                        </p:tgtEl>
+                                      </p:cBhvr>
+                                    </p:animEffect>
+                                  </p:childTnLst>
+                                </p:cTn>
+                              </p:par>
+                            </p:childTnLst>
+                          </p:cTn>
+                        </p:par>
+                      </p:childTnLst>
+                    </p:cTn>
+                  </p:par>
+                </p:childTnLst>
+              </p:cTn>
+              <p:prevCondLst>
+                <p:cond evt="onPrev" delay="0">
+                  <p:tgtEl>
+                    <p:sldTgt/>
+                  </p:tgtEl>
+                </p:cond>
+              </p:prevCondLst>
+              <p:nextCondLst>
+                <p:cond evt="onNext" delay="0">
+                  <p:tgtEl>
+                    <p:sldTgt/>
+                  </p:tgtEl>
+                </p:cond>
+              </p:nextCondLst>
+            </p:seq>
+          </p:childTnLst>
+        </p:cTn>
+      </p:par>
+    </p:tnLst>
+  </p:timing>
+</p:sld>
+</file>
+
+<file path=ppt/slides/slide8.xml><?xml version="1.0" encoding="utf-8"?>
+<p:sld xmlns:a="http://schemas.openxmlformats.org/drawingml/2006/main" xmlns:r="http://schemas.openxmlformats.org/officeDocument/2006/relationships" xmlns:p="http://schemas.openxmlformats.org/presentationml/2006/main">
+  <p:cSld>
+    <p:spTree>
+      <p:nvGrpSpPr>
+        <p:cNvPr id="1" name=""/>
+        <p:cNvGrpSpPr/>
+        <p:nvPr/>
+      </p:nvGrpSpPr>
+      <p:grpSpPr>
+        <a:xfrm>
+          <a:off x="0" y="0"/>
+          <a:ext cx="0" cy="0"/>
+          <a:chOff x="0" y="0"/>
+          <a:chExt cx="0" cy="0"/>
+        </a:xfrm>
+      </p:grpSpPr>
+      <p:sp>
+        <p:nvSpPr>
           <p:cNvPr id="3" name="Content Placeholder 2">
             <a:extLst>
               <a:ext uri="{FF2B5EF4-FFF2-40B4-BE49-F238E27FC236}">
@@ -10886,59 +13179,73 @@
         </p:nvSpPr>
         <p:spPr/>
         <p:txBody>
-          <a:bodyPr/>
+          <a:bodyPr>
+            <a:normAutofit fontScale="92500" lnSpcReduction="20000"/>
+          </a:bodyPr>
           <a:lstStyle/>
           <a:p>
-            <a:pPr lvl="1"/>
-            <a:r>
-              <a:rPr lang="en-US" sz="2700" dirty="0"/>
+            <a:pPr marL="0" indent="0">
+              <a:buNone/>
+            </a:pPr>
+            <a:r>
+              <a:rPr lang="en-US" sz="3100" dirty="0"/>
               <a:t>We already have seen the calculation of </a:t>
             </a:r>
             <a:r>
-              <a:rPr lang="en-US" sz="2700" dirty="0">
+              <a:rPr lang="en-US" sz="3100" dirty="0">
                 <a:latin typeface="Georgia" panose="02040502050405020303" pitchFamily="18" charset="0"/>
               </a:rPr>
               <a:t>an </a:t>
             </a:r>
             <a:r>
-              <a:rPr lang="en-US" sz="2700" i="1" dirty="0">
+              <a:rPr lang="en-US" sz="3100" i="1" dirty="0">
                 <a:latin typeface="Georgia" panose="02040502050405020303" pitchFamily="18" charset="0"/>
               </a:rPr>
               <a:t>F</a:t>
             </a:r>
             <a:r>
-              <a:rPr lang="en-US" sz="2700" dirty="0">
+              <a:rPr lang="en-US" sz="3100" dirty="0">
                 <a:latin typeface="Georgia" panose="02040502050405020303" pitchFamily="18" charset="0"/>
               </a:rPr>
               <a:t> </a:t>
             </a:r>
             <a:r>
-              <a:rPr lang="en-US" sz="2700" dirty="0"/>
-              <a:t>ratio for the main effect of the repeated measures when we analyzed the one-way RM ANOVA</a:t>
-            </a:r>
-          </a:p>
-          <a:p>
-            <a:pPr lvl="2"/>
-            <a:r>
-              <a:rPr lang="en-US" sz="2400" dirty="0">
+              <a:rPr lang="en-US" sz="3100" dirty="0"/>
+              <a:t>ratio for the main effect of the repeated measures when we analyzed the one-way RM </a:t>
+            </a:r>
+            <a:r>
+              <a:rPr lang="en-US" sz="3100" dirty="0" smtClean="0"/>
+              <a:t>ANOVA</a:t>
+            </a:r>
+          </a:p>
+          <a:p>
+            <a:pPr marL="0" indent="0">
+              <a:buNone/>
+            </a:pPr>
+            <a:endParaRPr lang="en-US" sz="3100" dirty="0"/>
+          </a:p>
+          <a:p>
+            <a:pPr lvl="1"/>
+            <a:r>
+              <a:rPr lang="en-US" sz="2800" dirty="0">
                 <a:latin typeface="Georgia" panose="02040502050405020303" pitchFamily="18" charset="0"/>
               </a:rPr>
               <a:t>This </a:t>
             </a:r>
             <a:r>
-              <a:rPr lang="en-US" sz="2400" i="1" dirty="0">
+              <a:rPr lang="en-US" sz="2800" i="1" dirty="0">
                 <a:latin typeface="Georgia" panose="02040502050405020303" pitchFamily="18" charset="0"/>
               </a:rPr>
               <a:t>F</a:t>
             </a:r>
             <a:r>
-              <a:rPr lang="en-US" sz="2400" dirty="0">
+              <a:rPr lang="en-US" sz="2800" dirty="0">
                 <a:latin typeface="Georgia" panose="02040502050405020303" pitchFamily="18" charset="0"/>
               </a:rPr>
               <a:t> can now be recalculated to </a:t>
             </a:r>
             <a:r>
-              <a:rPr lang="en-US" sz="2400" dirty="0">
+              <a:rPr lang="en-US" sz="2800" dirty="0">
                 <a:solidFill>
                   <a:schemeClr val="accent2">
                     <a:lumMod val="75000"/>
@@ -10946,40 +13253,84 @@
                 </a:solidFill>
                 <a:latin typeface="Georgia" panose="02040502050405020303" pitchFamily="18" charset="0"/>
               </a:rPr>
-              <a:t>take into account the separation of subjects into subgroups (between-subjects factor)</a:t>
-            </a:r>
-            <a:r>
-              <a:rPr lang="en-US" sz="2400" dirty="0">
+              <a:t>take into account the </a:t>
+            </a:r>
+            <a:r>
+              <a:rPr lang="en-US" sz="2800" b="1" dirty="0">
+                <a:solidFill>
+                  <a:srgbClr val="00B050"/>
+                </a:solidFill>
                 <a:latin typeface="Georgia" panose="02040502050405020303" pitchFamily="18" charset="0"/>
               </a:rPr>
-              <a:t>, which decreases the error term.</a:t>
-            </a:r>
-          </a:p>
-          <a:p>
-            <a:pPr lvl="2"/>
-            <a:r>
-              <a:rPr lang="en-US" sz="2400" i="1" dirty="0">
+              <a:t>separation of subjects into subgroups</a:t>
+            </a:r>
+            <a:r>
+              <a:rPr lang="en-US" sz="2800" dirty="0">
+                <a:solidFill>
+                  <a:schemeClr val="accent2">
+                    <a:lumMod val="75000"/>
+                  </a:schemeClr>
+                </a:solidFill>
+                <a:latin typeface="Georgia" panose="02040502050405020303" pitchFamily="18" charset="0"/>
+              </a:rPr>
+              <a:t> (between-subjects factor)</a:t>
+            </a:r>
+            <a:r>
+              <a:rPr lang="en-US" sz="2800" dirty="0">
+                <a:latin typeface="Georgia" panose="02040502050405020303" pitchFamily="18" charset="0"/>
+              </a:rPr>
+              <a:t>, which decreases the error term</a:t>
+            </a:r>
+            <a:r>
+              <a:rPr lang="en-US" sz="2800" dirty="0" smtClean="0">
+                <a:latin typeface="Georgia" panose="02040502050405020303" pitchFamily="18" charset="0"/>
+              </a:rPr>
+              <a:t>.</a:t>
+            </a:r>
+          </a:p>
+          <a:p>
+            <a:pPr lvl="1"/>
+            <a:endParaRPr lang="en-US" sz="2800" dirty="0">
+              <a:latin typeface="Georgia" panose="02040502050405020303" pitchFamily="18" charset="0"/>
+            </a:endParaRPr>
+          </a:p>
+          <a:p>
+            <a:pPr lvl="1"/>
+            <a:r>
+              <a:rPr lang="en-US" sz="2800" i="1" dirty="0">
                 <a:latin typeface="Georgia" panose="02040502050405020303" pitchFamily="18" charset="0"/>
               </a:rPr>
               <a:t>The numerator of F</a:t>
             </a:r>
             <a:r>
-              <a:rPr lang="en-US" sz="2400" i="1" baseline="-25000" dirty="0">
+              <a:rPr lang="en-US" sz="2800" i="1" baseline="-25000" dirty="0">
                 <a:latin typeface="Georgia" panose="02040502050405020303" pitchFamily="18" charset="0"/>
               </a:rPr>
               <a:t>RM</a:t>
             </a:r>
             <a:r>
-              <a:rPr lang="en-US" sz="2400" i="1" dirty="0">
+              <a:rPr lang="en-US" sz="2800" i="1" dirty="0">
                 <a:latin typeface="Georgia" panose="02040502050405020303" pitchFamily="18" charset="0"/>
               </a:rPr>
-              <a:t> won’t change</a:t>
-            </a:r>
-          </a:p>
-          <a:p>
-            <a:pPr lvl="2"/>
-            <a:r>
-              <a:rPr lang="en-US" sz="2400" dirty="0">
+              <a:t> won’t </a:t>
+            </a:r>
+            <a:r>
+              <a:rPr lang="en-US" sz="2800" i="1" dirty="0" smtClean="0">
+                <a:latin typeface="Georgia" panose="02040502050405020303" pitchFamily="18" charset="0"/>
+              </a:rPr>
+              <a:t>change</a:t>
+            </a:r>
+          </a:p>
+          <a:p>
+            <a:pPr lvl="1"/>
+            <a:endParaRPr lang="en-US" sz="2800" i="1" dirty="0">
+              <a:latin typeface="Georgia" panose="02040502050405020303" pitchFamily="18" charset="0"/>
+            </a:endParaRPr>
+          </a:p>
+          <a:p>
+            <a:pPr lvl="1"/>
+            <a:r>
+              <a:rPr lang="en-US" sz="2800" dirty="0">
                 <a:solidFill>
                   <a:schemeClr val="accent5"/>
                 </a:solidFill>
@@ -10989,27 +13340,27 @@
             </a:r>
           </a:p>
           <a:p>
-            <a:pPr lvl="3"/>
-            <a:r>
-              <a:rPr lang="en-US" sz="2000" dirty="0">
+            <a:pPr lvl="2"/>
+            <a:r>
+              <a:rPr lang="en-US" sz="2200" dirty="0">
                 <a:latin typeface="Georgia" panose="02040502050405020303" pitchFamily="18" charset="0"/>
               </a:rPr>
               <a:t>Most of the </a:t>
             </a:r>
             <a:r>
-              <a:rPr lang="en-US" sz="2000" i="1" dirty="0">
+              <a:rPr lang="en-US" sz="2200" i="1" dirty="0">
                 <a:latin typeface="Georgia" panose="02040502050405020303" pitchFamily="18" charset="0"/>
               </a:rPr>
               <a:t>S</a:t>
             </a:r>
             <a:r>
-              <a:rPr lang="en-US" sz="2000" dirty="0">
+              <a:rPr lang="en-US" sz="2200" dirty="0">
                 <a:latin typeface="Georgia" panose="02040502050405020303" pitchFamily="18" charset="0"/>
               </a:rPr>
               <a:t> × RM interaction is really due to a </a:t>
             </a:r>
             <a:r>
-              <a:rPr lang="en-US" sz="2000" dirty="0">
+              <a:rPr lang="en-US" sz="2200" dirty="0">
                 <a:solidFill>
                   <a:schemeClr val="accent5"/>
                 </a:solidFill>
@@ -11018,19 +13369,19 @@
               <a:t>group × condition interaction</a:t>
             </a:r>
             <a:r>
-              <a:rPr lang="en-US" sz="2000" dirty="0">
+              <a:rPr lang="en-US" sz="2200" dirty="0">
                 <a:latin typeface="Georgia" panose="02040502050405020303" pitchFamily="18" charset="0"/>
               </a:rPr>
               <a:t>, which should be removed from the total </a:t>
             </a:r>
             <a:r>
-              <a:rPr lang="en-US" sz="2000" i="1" dirty="0">
+              <a:rPr lang="en-US" sz="2200" i="1" dirty="0">
                 <a:latin typeface="Georgia" panose="02040502050405020303" pitchFamily="18" charset="0"/>
               </a:rPr>
               <a:t>S</a:t>
             </a:r>
             <a:r>
-              <a:rPr lang="en-US" sz="2000" dirty="0">
+              <a:rPr lang="en-US" sz="2200" dirty="0">
                 <a:latin typeface="Georgia" panose="02040502050405020303" pitchFamily="18" charset="0"/>
               </a:rPr>
               <a:t> × RM interaction.</a:t>
@@ -11062,7 +13413,7 @@
             <a:fld id="{E7DC3035-C8D6-4312-8AC4-36A973EDC8AE}" type="slidenum">
               <a:rPr lang="en-US" altLang="en-US" smtClean="0"/>
               <a:pPr/>
-              <a:t>7</a:t>
+              <a:t>8</a:t>
             </a:fld>
             <a:endParaRPr lang="en-US" altLang="en-US"/>
           </a:p>
@@ -11086,8 +13437,8 @@
         </p:nvSpPr>
         <p:spPr>
           <a:xfrm>
-            <a:off x="838200" y="365125"/>
-            <a:ext cx="10515600" cy="1325563"/>
+            <a:off x="228600" y="365125"/>
+            <a:ext cx="11658600" cy="1325563"/>
           </a:xfrm>
         </p:spPr>
         <p:txBody>
@@ -11096,11 +13447,33 @@
           </a:bodyPr>
           <a:lstStyle/>
           <a:p>
+            <a:pPr algn="ctr"/>
+            <a:r>
+              <a:rPr lang="en-US" sz="4000" b="1" dirty="0" smtClean="0">
+                <a:latin typeface="Georgia" panose="02040502050405020303" pitchFamily="18" charset="0"/>
+              </a:rPr>
+              <a:t>Analyzing: </a:t>
+            </a:r>
+            <a:r>
+              <a:rPr lang="en-US" sz="4000" b="1" dirty="0" smtClean="0">
+                <a:solidFill>
+                  <a:srgbClr val="FF0000"/>
+                </a:solidFill>
+                <a:latin typeface="Georgia" panose="02040502050405020303" pitchFamily="18" charset="0"/>
+              </a:rPr>
+              <a:t>Within</a:t>
+            </a:r>
+            <a:r>
+              <a:rPr lang="en-US" sz="4000" b="1" dirty="0" smtClean="0">
+                <a:latin typeface="Georgia" panose="02040502050405020303" pitchFamily="18" charset="0"/>
+              </a:rPr>
+              <a:t>-Subjects </a:t>
+            </a:r>
             <a:r>
               <a:rPr lang="en-US" sz="4000" b="1" dirty="0">
                 <a:latin typeface="Georgia" panose="02040502050405020303" pitchFamily="18" charset="0"/>
               </a:rPr>
-              <a:t>Analyzing the Within-Subjects Variability</a:t>
+              <a:t>Variability</a:t>
             </a:r>
           </a:p>
         </p:txBody>
@@ -11119,8 +13492,8 @@
         </p:nvCxnSpPr>
         <p:spPr>
           <a:xfrm flipH="1" flipV="1">
-            <a:off x="5638800" y="3733800"/>
-            <a:ext cx="2667000" cy="1143000"/>
+            <a:off x="7620000" y="4038600"/>
+            <a:ext cx="685800" cy="1447800"/>
           </a:xfrm>
           <a:prstGeom prst="straightConnector1">
             <a:avLst/>
@@ -11193,7 +13566,7 @@
                                         <p:tgtEl>
                                           <p:spTgt spid="3">
                                             <p:txEl>
-                                              <p:pRg st="4" end="4"/>
+                                              <p:pRg st="7" end="7"/>
                                             </p:txEl>
                                           </p:spTgt>
                                         </p:tgtEl>
@@ -11211,7 +13584,7 @@
                                         <p:tgtEl>
                                           <p:spTgt spid="3">
                                             <p:txEl>
-                                              <p:pRg st="4" end="4"/>
+                                              <p:pRg st="7" end="7"/>
                                             </p:txEl>
                                           </p:spTgt>
                                         </p:tgtEl>
@@ -11286,7 +13659,7 @@
 </p:sld>
 </file>
 
-<file path=ppt/slides/slide8.xml><?xml version="1.0" encoding="utf-8"?>
+<file path=ppt/slides/slide9.xml><?xml version="1.0" encoding="utf-8"?>
 <p:sld xmlns:a="http://schemas.openxmlformats.org/drawingml/2006/main" xmlns:r="http://schemas.openxmlformats.org/officeDocument/2006/relationships" xmlns:p="http://schemas.openxmlformats.org/presentationml/2006/main">
   <p:cSld>
     <p:spTree>
@@ -11321,16 +13694,19 @@
         </p:nvSpPr>
         <p:spPr>
           <a:xfrm>
-            <a:off x="381000" y="1447800"/>
-            <a:ext cx="11506200" cy="4729163"/>
+            <a:off x="685800" y="1447800"/>
+            <a:ext cx="10972800" cy="5273675"/>
           </a:xfrm>
         </p:spPr>
         <p:txBody>
           <a:bodyPr>
-            <a:normAutofit fontScale="92500" lnSpcReduction="10000"/>
+            <a:normAutofit fontScale="85000" lnSpcReduction="20000"/>
           </a:bodyPr>
           <a:lstStyle/>
           <a:p>
+            <a:pPr marL="0" indent="0">
+              <a:buNone/>
+            </a:pPr>
             <a:r>
               <a:rPr lang="en-US" dirty="0" smtClean="0">
                 <a:solidFill>
@@ -11346,8 +13722,16 @@
               <a:rPr lang="en-US" dirty="0" smtClean="0"/>
               <a:t>SUBJECTS are independent of each other </a:t>
             </a:r>
-          </a:p>
-          <a:p>
+            <a:endParaRPr lang="en-US" dirty="0" smtClean="0"/>
+          </a:p>
+          <a:p>
+            <a:pPr lvl="1"/>
+            <a:endParaRPr lang="en-US" dirty="0" smtClean="0"/>
+          </a:p>
+          <a:p>
+            <a:pPr marL="0" indent="0">
+              <a:buNone/>
+            </a:pPr>
             <a:r>
               <a:rPr lang="en-US" dirty="0" smtClean="0">
                 <a:solidFill>
@@ -11363,10 +13747,21 @@
             <a:pPr lvl="1"/>
             <a:r>
               <a:rPr lang="en-US" dirty="0" smtClean="0"/>
-              <a:t>If the repeated measures is time</a:t>
-            </a:r>
-          </a:p>
-          <a:p>
+              <a:t>If the repeated measures is </a:t>
+            </a:r>
+            <a:r>
+              <a:rPr lang="en-US" dirty="0" smtClean="0"/>
+              <a:t>time</a:t>
+            </a:r>
+          </a:p>
+          <a:p>
+            <a:pPr lvl="1"/>
+            <a:endParaRPr lang="en-US" dirty="0" smtClean="0"/>
+          </a:p>
+          <a:p>
+            <a:pPr marL="0" indent="0">
+              <a:buNone/>
+            </a:pPr>
             <a:r>
               <a:rPr lang="en-US" dirty="0" smtClean="0">
                 <a:solidFill>
@@ -11394,10 +13789,21 @@
             </a:r>
             <a:r>
               <a:rPr lang="en-US" dirty="0"/>
-              <a:t>should be sampled from a normally distributed population</a:t>
-            </a:r>
-          </a:p>
-          <a:p>
+              <a:t>should be sampled from a normally distributed </a:t>
+            </a:r>
+            <a:r>
+              <a:rPr lang="en-US" dirty="0" smtClean="0"/>
+              <a:t>population</a:t>
+            </a:r>
+          </a:p>
+          <a:p>
+            <a:pPr lvl="1"/>
+            <a:endParaRPr lang="en-US" dirty="0"/>
+          </a:p>
+          <a:p>
+            <a:pPr marL="0" indent="0">
+              <a:buNone/>
+            </a:pPr>
             <a:r>
               <a:rPr lang="en-US" dirty="0">
                 <a:solidFill>
@@ -11419,10 +13825,21 @@
             </a:r>
             <a:r>
               <a:rPr lang="en-US" dirty="0"/>
-              <a:t>should have the same error variance</a:t>
-            </a:r>
-          </a:p>
-          <a:p>
+              <a:t>should have the same error </a:t>
+            </a:r>
+            <a:r>
+              <a:rPr lang="en-US" dirty="0" smtClean="0"/>
+              <a:t>variance</a:t>
+            </a:r>
+          </a:p>
+          <a:p>
+            <a:pPr lvl="1"/>
+            <a:endParaRPr lang="en-US" dirty="0"/>
+          </a:p>
+          <a:p>
+            <a:pPr marL="0" indent="0">
+              <a:buNone/>
+            </a:pPr>
             <a:r>
               <a:rPr lang="en-US" dirty="0" err="1">
                 <a:solidFill>
@@ -11482,7 +13899,7 @@
             <a:fld id="{E7DC3035-C8D6-4312-8AC4-36A973EDC8AE}" type="slidenum">
               <a:rPr lang="en-US" altLang="en-US" smtClean="0"/>
               <a:pPr/>
-              <a:t>8</a:t>
+              <a:t>9</a:t>
             </a:fld>
             <a:endParaRPr lang="en-US" altLang="en-US"/>
           </a:p>
@@ -11517,10 +13934,61 @@
           <a:lstStyle/>
           <a:p>
             <a:r>
-              <a:rPr lang="en-US" sz="4000" b="1" dirty="0">
+              <a:rPr lang="en-US" sz="4000" b="1" dirty="0" smtClean="0">
                 <a:latin typeface="Georgia" panose="02040502050405020303" pitchFamily="18" charset="0"/>
               </a:rPr>
-              <a:t>Assumptions</a:t>
+              <a:t>Assumptions: Mixed ANOVA</a:t>
+            </a:r>
+            <a:endParaRPr lang="en-US" sz="4000" b="1" dirty="0">
+              <a:latin typeface="Georgia" panose="02040502050405020303" pitchFamily="18" charset="0"/>
+            </a:endParaRPr>
+          </a:p>
+        </p:txBody>
+      </p:sp>
+      <p:sp>
+        <p:nvSpPr>
+          <p:cNvPr id="2" name="10-Point Star 1"/>
+          <p:cNvSpPr/>
+          <p:nvPr/>
+        </p:nvSpPr>
+        <p:spPr>
+          <a:xfrm>
+            <a:off x="8454980" y="457200"/>
+            <a:ext cx="3200400" cy="2743200"/>
+          </a:xfrm>
+          <a:prstGeom prst="star10">
+            <a:avLst/>
+          </a:prstGeom>
+        </p:spPr>
+        <p:style>
+          <a:lnRef idx="1">
+            <a:schemeClr val="accent5"/>
+          </a:lnRef>
+          <a:fillRef idx="3">
+            <a:schemeClr val="accent5"/>
+          </a:fillRef>
+          <a:effectRef idx="2">
+            <a:schemeClr val="accent5"/>
+          </a:effectRef>
+          <a:fontRef idx="minor">
+            <a:schemeClr val="lt1"/>
+          </a:fontRef>
+        </p:style>
+        <p:txBody>
+          <a:bodyPr rtlCol="0" anchor="ctr"/>
+          <a:lstStyle/>
+          <a:p>
+            <a:pPr algn="ctr"/>
+            <a:r>
+              <a:rPr lang="en-US" dirty="0" smtClean="0"/>
+              <a:t>Restriction:</a:t>
+            </a:r>
+          </a:p>
+          <a:p>
+            <a:pPr algn="ctr"/>
+            <a:r>
+              <a:rPr lang="en-US" dirty="0" smtClean="0"/>
+              <a:t>Only Can Include Participants with ALL levels of the RM factor (complete cases)</a:t>
             </a:r>
           </a:p>
         </p:txBody>
@@ -11571,7 +14039,7 @@
                                         <p:tgtEl>
                                           <p:spTgt spid="3">
                                             <p:txEl>
-                                              <p:pRg st="2" end="2"/>
+                                              <p:pRg st="3" end="3"/>
                                             </p:txEl>
                                           </p:spTgt>
                                         </p:tgtEl>
@@ -11589,7 +14057,7 @@
                                         <p:tgtEl>
                                           <p:spTgt spid="3">
                                             <p:txEl>
-                                              <p:pRg st="2" end="2"/>
+                                              <p:pRg st="3" end="3"/>
                                             </p:txEl>
                                           </p:spTgt>
                                         </p:tgtEl>
@@ -11614,7 +14082,7 @@
                                         <p:tgtEl>
                                           <p:spTgt spid="3">
                                             <p:txEl>
-                                              <p:pRg st="3" end="3"/>
+                                              <p:pRg st="4" end="4"/>
                                             </p:txEl>
                                           </p:spTgt>
                                         </p:tgtEl>
@@ -11632,7 +14100,7 @@
                                         <p:tgtEl>
                                           <p:spTgt spid="3">
                                             <p:txEl>
-                                              <p:pRg st="3" end="3"/>
+                                              <p:pRg st="4" end="4"/>
                                             </p:txEl>
                                           </p:spTgt>
                                         </p:tgtEl>
@@ -11675,7 +14143,7 @@
                                         <p:tgtEl>
                                           <p:spTgt spid="3">
                                             <p:txEl>
-                                              <p:pRg st="4" end="4"/>
+                                              <p:pRg st="6" end="6"/>
                                             </p:txEl>
                                           </p:spTgt>
                                         </p:tgtEl>
@@ -11693,7 +14161,7 @@
                                         <p:tgtEl>
                                           <p:spTgt spid="3">
                                             <p:txEl>
-                                              <p:pRg st="4" end="4"/>
+                                              <p:pRg st="6" end="6"/>
                                             </p:txEl>
                                           </p:spTgt>
                                         </p:tgtEl>
@@ -11718,7 +14186,7 @@
                                         <p:tgtEl>
                                           <p:spTgt spid="3">
                                             <p:txEl>
-                                              <p:pRg st="5" end="5"/>
+                                              <p:pRg st="7" end="7"/>
                                             </p:txEl>
                                           </p:spTgt>
                                         </p:tgtEl>
@@ -11736,7 +14204,7 @@
                                         <p:tgtEl>
                                           <p:spTgt spid="3">
                                             <p:txEl>
-                                              <p:pRg st="5" end="5"/>
+                                              <p:pRg st="7" end="7"/>
                                             </p:txEl>
                                           </p:spTgt>
                                         </p:tgtEl>
@@ -11779,7 +14247,7 @@
                                         <p:tgtEl>
                                           <p:spTgt spid="3">
                                             <p:txEl>
-                                              <p:pRg st="6" end="6"/>
+                                              <p:pRg st="9" end="9"/>
                                             </p:txEl>
                                           </p:spTgt>
                                         </p:tgtEl>
@@ -11797,7 +14265,7 @@
                                         <p:tgtEl>
                                           <p:spTgt spid="3">
                                             <p:txEl>
-                                              <p:pRg st="6" end="6"/>
+                                              <p:pRg st="9" end="9"/>
                                             </p:txEl>
                                           </p:spTgt>
                                         </p:tgtEl>
@@ -11822,7 +14290,7 @@
                                         <p:tgtEl>
                                           <p:spTgt spid="3">
                                             <p:txEl>
-                                              <p:pRg st="7" end="7"/>
+                                              <p:pRg st="10" end="10"/>
                                             </p:txEl>
                                           </p:spTgt>
                                         </p:tgtEl>
@@ -11840,7 +14308,7 @@
                                         <p:tgtEl>
                                           <p:spTgt spid="3">
                                             <p:txEl>
-                                              <p:pRg st="7" end="7"/>
+                                              <p:pRg st="10" end="10"/>
                                             </p:txEl>
                                           </p:spTgt>
                                         </p:tgtEl>
@@ -11883,7 +14351,7 @@
                                         <p:tgtEl>
                                           <p:spTgt spid="3">
                                             <p:txEl>
-                                              <p:pRg st="8" end="8"/>
+                                              <p:pRg st="12" end="12"/>
                                             </p:txEl>
                                           </p:spTgt>
                                         </p:tgtEl>
@@ -11901,7 +14369,7 @@
                                         <p:tgtEl>
                                           <p:spTgt spid="3">
                                             <p:txEl>
-                                              <p:pRg st="8" end="8"/>
+                                              <p:pRg st="12" end="12"/>
                                             </p:txEl>
                                           </p:spTgt>
                                         </p:tgtEl>
@@ -11926,7 +14394,7 @@
                                         <p:tgtEl>
                                           <p:spTgt spid="3">
                                             <p:txEl>
-                                              <p:pRg st="9" end="9"/>
+                                              <p:pRg st="13" end="13"/>
                                             </p:txEl>
                                           </p:spTgt>
                                         </p:tgtEl>
@@ -11944,9 +14412,131 @@
                                         <p:tgtEl>
                                           <p:spTgt spid="3">
                                             <p:txEl>
-                                              <p:pRg st="9" end="9"/>
+                                              <p:pRg st="13" end="13"/>
                                             </p:txEl>
                                           </p:spTgt>
+                                        </p:tgtEl>
+                                      </p:cBhvr>
+                                    </p:animEffect>
+                                  </p:childTnLst>
+                                </p:cTn>
+                              </p:par>
+                            </p:childTnLst>
+                          </p:cTn>
+                        </p:par>
+                      </p:childTnLst>
+                    </p:cTn>
+                  </p:par>
+                  <p:par>
+                    <p:cTn id="35" fill="hold">
+                      <p:stCondLst>
+                        <p:cond delay="indefinite"/>
+                      </p:stCondLst>
+                      <p:childTnLst>
+                        <p:par>
+                          <p:cTn id="36" fill="hold">
+                            <p:stCondLst>
+                              <p:cond delay="0"/>
+                            </p:stCondLst>
+                            <p:childTnLst>
+                              <p:par>
+                                <p:cTn id="37" presetID="31" presetClass="entr" presetSubtype="0" fill="hold" grpId="0" nodeType="clickEffect">
+                                  <p:stCondLst>
+                                    <p:cond delay="0"/>
+                                  </p:stCondLst>
+                                  <p:childTnLst>
+                                    <p:set>
+                                      <p:cBhvr>
+                                        <p:cTn id="38" dur="1" fill="hold">
+                                          <p:stCondLst>
+                                            <p:cond delay="0"/>
+                                          </p:stCondLst>
+                                        </p:cTn>
+                                        <p:tgtEl>
+                                          <p:spTgt spid="2"/>
+                                        </p:tgtEl>
+                                        <p:attrNameLst>
+                                          <p:attrName>style.visibility</p:attrName>
+                                        </p:attrNameLst>
+                                      </p:cBhvr>
+                                      <p:to>
+                                        <p:strVal val="visible"/>
+                                      </p:to>
+                                    </p:set>
+                                    <p:anim calcmode="lin" valueType="num">
+                                      <p:cBhvr>
+                                        <p:cTn id="39" dur="1000" fill="hold"/>
+                                        <p:tgtEl>
+                                          <p:spTgt spid="2"/>
+                                        </p:tgtEl>
+                                        <p:attrNameLst>
+                                          <p:attrName>ppt_w</p:attrName>
+                                        </p:attrNameLst>
+                                      </p:cBhvr>
+                                      <p:tavLst>
+                                        <p:tav tm="0">
+                                          <p:val>
+                                            <p:fltVal val="0"/>
+                                          </p:val>
+                                        </p:tav>
+                                        <p:tav tm="100000">
+                                          <p:val>
+                                            <p:strVal val="#ppt_w"/>
+                                          </p:val>
+                                        </p:tav>
+                                      </p:tavLst>
+                                    </p:anim>
+                                    <p:anim calcmode="lin" valueType="num">
+                                      <p:cBhvr>
+                                        <p:cTn id="40" dur="1000" fill="hold"/>
+                                        <p:tgtEl>
+                                          <p:spTgt spid="2"/>
+                                        </p:tgtEl>
+                                        <p:attrNameLst>
+                                          <p:attrName>ppt_h</p:attrName>
+                                        </p:attrNameLst>
+                                      </p:cBhvr>
+                                      <p:tavLst>
+                                        <p:tav tm="0">
+                                          <p:val>
+                                            <p:fltVal val="0"/>
+                                          </p:val>
+                                        </p:tav>
+                                        <p:tav tm="100000">
+                                          <p:val>
+                                            <p:strVal val="#ppt_h"/>
+                                          </p:val>
+                                        </p:tav>
+                                      </p:tavLst>
+                                    </p:anim>
+                                    <p:anim calcmode="lin" valueType="num">
+                                      <p:cBhvr>
+                                        <p:cTn id="41" dur="1000" fill="hold"/>
+                                        <p:tgtEl>
+                                          <p:spTgt spid="2"/>
+                                        </p:tgtEl>
+                                        <p:attrNameLst>
+                                          <p:attrName>style.rotation</p:attrName>
+                                        </p:attrNameLst>
+                                      </p:cBhvr>
+                                      <p:tavLst>
+                                        <p:tav tm="0">
+                                          <p:val>
+                                            <p:fltVal val="90"/>
+                                          </p:val>
+                                        </p:tav>
+                                        <p:tav tm="100000">
+                                          <p:val>
+                                            <p:fltVal val="0"/>
+                                          </p:val>
+                                        </p:tav>
+                                      </p:tavLst>
+                                    </p:anim>
+                                    <p:animEffect transition="in" filter="fade">
+                                      <p:cBhvr>
+                                        <p:cTn id="42" dur="1000"/>
+                                        <p:tgtEl>
+                                          <p:spTgt spid="2"/>
                                         </p:tgtEl>
                                       </p:cBhvr>
                                     </p:animEffect>
@@ -11980,121 +14570,9 @@
         </p:cTn>
       </p:par>
     </p:tnLst>
-  </p:timing>
-</p:sld>
-</file>
-
-<file path=ppt/slides/slide9.xml><?xml version="1.0" encoding="utf-8"?>
-<p:sld xmlns:a="http://schemas.openxmlformats.org/drawingml/2006/main" xmlns:r="http://schemas.openxmlformats.org/officeDocument/2006/relationships" xmlns:p="http://schemas.openxmlformats.org/presentationml/2006/main">
-  <p:cSld>
-    <p:spTree>
-      <p:nvGrpSpPr>
-        <p:cNvPr id="1" name=""/>
-        <p:cNvGrpSpPr/>
-        <p:nvPr/>
-      </p:nvGrpSpPr>
-      <p:grpSpPr>
-        <a:xfrm>
-          <a:off x="0" y="0"/>
-          <a:ext cx="0" cy="0"/>
-          <a:chOff x="0" y="0"/>
-          <a:chExt cx="0" cy="0"/>
-        </a:xfrm>
-      </p:grpSpPr>
-      <p:sp>
-        <p:nvSpPr>
-          <p:cNvPr id="2" name="Title 1">
-            <a:extLst>
-              <a:ext uri="{FF2B5EF4-FFF2-40B4-BE49-F238E27FC236}">
-                <a16:creationId xmlns:a16="http://schemas.microsoft.com/office/drawing/2014/main" id="{F303505B-0A5D-9D4C-A8B2-3A34E298797D}"/>
-              </a:ext>
-            </a:extLst>
-          </p:cNvPr>
-          <p:cNvSpPr>
-            <a:spLocks noGrp="1"/>
-          </p:cNvSpPr>
-          <p:nvPr>
-            <p:ph type="title"/>
-          </p:nvPr>
-        </p:nvSpPr>
-        <p:spPr>
-          <a:xfrm>
-            <a:off x="838200" y="2209800"/>
-            <a:ext cx="10515600" cy="1325563"/>
-          </a:xfrm>
-        </p:spPr>
-        <p:txBody>
-          <a:bodyPr>
-            <a:normAutofit/>
-          </a:bodyPr>
-          <a:lstStyle/>
-          <a:p>
-            <a:pPr algn="ctr"/>
-            <a:r>
-              <a:rPr lang="en-US" sz="6000" b="1" dirty="0">
-                <a:solidFill>
-                  <a:schemeClr val="accent6"/>
-                </a:solidFill>
-                <a:latin typeface="Georgia" panose="02040502050405020303" pitchFamily="18" charset="0"/>
-                <a:hlinkClick r:id="rId2"/>
-              </a:rPr>
-              <a:t>Example of Mixed ANOVA</a:t>
-            </a:r>
-            <a:endParaRPr lang="en-US" sz="6000" b="1" dirty="0">
-              <a:solidFill>
-                <a:schemeClr val="accent6"/>
-              </a:solidFill>
-              <a:latin typeface="Georgia" panose="02040502050405020303" pitchFamily="18" charset="0"/>
-            </a:endParaRPr>
-          </a:p>
-        </p:txBody>
-      </p:sp>
-      <p:sp>
-        <p:nvSpPr>
-          <p:cNvPr id="5" name="Slide Number Placeholder 4">
-            <a:extLst>
-              <a:ext uri="{FF2B5EF4-FFF2-40B4-BE49-F238E27FC236}">
-                <a16:creationId xmlns:a16="http://schemas.microsoft.com/office/drawing/2014/main" id="{91644EFC-5AA0-7B41-AD81-E1CB13CF8381}"/>
-              </a:ext>
-            </a:extLst>
-          </p:cNvPr>
-          <p:cNvSpPr>
-            <a:spLocks noGrp="1"/>
-          </p:cNvSpPr>
-          <p:nvPr>
-            <p:ph type="sldNum" sz="quarter" idx="12"/>
-          </p:nvPr>
-        </p:nvSpPr>
-        <p:spPr/>
-        <p:txBody>
-          <a:bodyPr/>
-          <a:lstStyle/>
-          <a:p>
-            <a:fld id="{E7DC3035-C8D6-4312-8AC4-36A973EDC8AE}" type="slidenum">
-              <a:rPr lang="en-US" altLang="en-US" smtClean="0"/>
-              <a:pPr/>
-              <a:t>9</a:t>
-            </a:fld>
-            <a:endParaRPr lang="en-US" altLang="en-US"/>
-          </a:p>
-        </p:txBody>
-      </p:sp>
-    </p:spTree>
-    <p:extLst>
-      <p:ext uri="{BB962C8B-B14F-4D97-AF65-F5344CB8AC3E}">
-        <p14:creationId xmlns:p14="http://schemas.microsoft.com/office/powerpoint/2010/main" val="163735988"/>
-      </p:ext>
-    </p:extLst>
-  </p:cSld>
-  <p:clrMapOvr>
-    <a:masterClrMapping/>
-  </p:clrMapOvr>
-  <p:timing>
-    <p:tnLst>
-      <p:par>
-        <p:cTn id="1" dur="indefinite" restart="never" nodeType="tmRoot"/>
-      </p:par>
-    </p:tnLst>
+    <p:bldLst>
+      <p:bldP spid="2" grpId="0" animBg="1"/>
+    </p:bldLst>
   </p:timing>
 </p:sld>
 </file>
